--- a/Potion Shopkeeper.pptx
+++ b/Potion Shopkeeper.pptx
@@ -113,6 +113,11 @@
       </a:defRPr>
     </a:lvl9pPr>
   </p:defaultTextStyle>
+  <p:extLst>
+    <p:ext uri="{EFAFB233-063F-42B5-8137-9DF3F51BA10A}">
+      <p15:sldGuideLst xmlns:p15="http://schemas.microsoft.com/office/powerpoint/2012/main"/>
+    </p:ext>
+  </p:extLst>
 </p:presentation>
 </file>
 

--- a/Potion Shopkeeper.pptx
+++ b/Potion Shopkeeper.pptx
@@ -5,7 +5,7 @@
     <p:sldMasterId id="2147483840" r:id="rId1"/>
   </p:sldMasterIdLst>
   <p:notesMasterIdLst>
-    <p:notesMasterId r:id="rId9"/>
+    <p:notesMasterId r:id="rId13"/>
   </p:notesMasterIdLst>
   <p:sldIdLst>
     <p:sldId id="256" r:id="rId2"/>
@@ -14,7 +14,11 @@
     <p:sldId id="261" r:id="rId5"/>
     <p:sldId id="259" r:id="rId6"/>
     <p:sldId id="262" r:id="rId7"/>
-    <p:sldId id="260" r:id="rId8"/>
+    <p:sldId id="266" r:id="rId8"/>
+    <p:sldId id="267" r:id="rId9"/>
+    <p:sldId id="260" r:id="rId10"/>
+    <p:sldId id="264" r:id="rId11"/>
+    <p:sldId id="265" r:id="rId12"/>
   </p:sldIdLst>
   <p:sldSz cx="12192000" cy="6858000"/>
   <p:notesSz cx="6858000" cy="9144000"/>
@@ -3857,6 +3861,2247 @@
 </file>
 
 <file path=ppt/diagrams/colors6.xml><?xml version="1.0" encoding="utf-8"?>
+<dgm:colorsDef xmlns:dgm="http://schemas.openxmlformats.org/drawingml/2006/diagram" xmlns:a="http://schemas.openxmlformats.org/drawingml/2006/main" uniqueId="urn:microsoft.com/office/officeart/2005/8/colors/accent1_2">
+  <dgm:title val=""/>
+  <dgm:desc val=""/>
+  <dgm:catLst>
+    <dgm:cat type="accent1" pri="11200"/>
+  </dgm:catLst>
+  <dgm:styleLbl name="node0">
+    <dgm:fillClrLst meth="repeat">
+      <a:schemeClr val="accent1"/>
+    </dgm:fillClrLst>
+    <dgm:linClrLst meth="repeat">
+      <a:schemeClr val="lt1"/>
+    </dgm:linClrLst>
+    <dgm:effectClrLst/>
+    <dgm:txLinClrLst/>
+    <dgm:txFillClrLst/>
+    <dgm:txEffectClrLst/>
+  </dgm:styleLbl>
+  <dgm:styleLbl name="alignNode1">
+    <dgm:fillClrLst meth="repeat">
+      <a:schemeClr val="accent1"/>
+    </dgm:fillClrLst>
+    <dgm:linClrLst meth="repeat">
+      <a:schemeClr val="accent1"/>
+    </dgm:linClrLst>
+    <dgm:effectClrLst/>
+    <dgm:txLinClrLst/>
+    <dgm:txFillClrLst/>
+    <dgm:txEffectClrLst/>
+  </dgm:styleLbl>
+  <dgm:styleLbl name="node1">
+    <dgm:fillClrLst meth="repeat">
+      <a:schemeClr val="accent1"/>
+    </dgm:fillClrLst>
+    <dgm:linClrLst meth="repeat">
+      <a:schemeClr val="lt1"/>
+    </dgm:linClrLst>
+    <dgm:effectClrLst/>
+    <dgm:txLinClrLst/>
+    <dgm:txFillClrLst/>
+    <dgm:txEffectClrLst/>
+  </dgm:styleLbl>
+  <dgm:styleLbl name="lnNode1">
+    <dgm:fillClrLst meth="repeat">
+      <a:schemeClr val="accent1"/>
+    </dgm:fillClrLst>
+    <dgm:linClrLst meth="repeat">
+      <a:schemeClr val="lt1"/>
+    </dgm:linClrLst>
+    <dgm:effectClrLst/>
+    <dgm:txLinClrLst/>
+    <dgm:txFillClrLst/>
+    <dgm:txEffectClrLst/>
+  </dgm:styleLbl>
+  <dgm:styleLbl name="vennNode1">
+    <dgm:fillClrLst meth="repeat">
+      <a:schemeClr val="accent1">
+        <a:alpha val="50000"/>
+      </a:schemeClr>
+    </dgm:fillClrLst>
+    <dgm:linClrLst meth="repeat">
+      <a:schemeClr val="lt1"/>
+    </dgm:linClrLst>
+    <dgm:effectClrLst/>
+    <dgm:txLinClrLst/>
+    <dgm:txFillClrLst/>
+    <dgm:txEffectClrLst/>
+  </dgm:styleLbl>
+  <dgm:styleLbl name="node2">
+    <dgm:fillClrLst meth="repeat">
+      <a:schemeClr val="accent1"/>
+    </dgm:fillClrLst>
+    <dgm:linClrLst meth="repeat">
+      <a:schemeClr val="lt1"/>
+    </dgm:linClrLst>
+    <dgm:effectClrLst/>
+    <dgm:txLinClrLst/>
+    <dgm:txFillClrLst/>
+    <dgm:txEffectClrLst/>
+  </dgm:styleLbl>
+  <dgm:styleLbl name="node3">
+    <dgm:fillClrLst meth="repeat">
+      <a:schemeClr val="accent1"/>
+    </dgm:fillClrLst>
+    <dgm:linClrLst meth="repeat">
+      <a:schemeClr val="lt1"/>
+    </dgm:linClrLst>
+    <dgm:effectClrLst/>
+    <dgm:txLinClrLst/>
+    <dgm:txFillClrLst/>
+    <dgm:txEffectClrLst/>
+  </dgm:styleLbl>
+  <dgm:styleLbl name="node4">
+    <dgm:fillClrLst meth="repeat">
+      <a:schemeClr val="accent1"/>
+    </dgm:fillClrLst>
+    <dgm:linClrLst meth="repeat">
+      <a:schemeClr val="lt1"/>
+    </dgm:linClrLst>
+    <dgm:effectClrLst/>
+    <dgm:txLinClrLst/>
+    <dgm:txFillClrLst/>
+    <dgm:txEffectClrLst/>
+  </dgm:styleLbl>
+  <dgm:styleLbl name="fgImgPlace1">
+    <dgm:fillClrLst meth="repeat">
+      <a:schemeClr val="accent1">
+        <a:tint val="50000"/>
+      </a:schemeClr>
+    </dgm:fillClrLst>
+    <dgm:linClrLst meth="repeat">
+      <a:schemeClr val="lt1"/>
+    </dgm:linClrLst>
+    <dgm:effectClrLst/>
+    <dgm:txLinClrLst/>
+    <dgm:txFillClrLst meth="repeat">
+      <a:schemeClr val="lt1"/>
+    </dgm:txFillClrLst>
+    <dgm:txEffectClrLst/>
+  </dgm:styleLbl>
+  <dgm:styleLbl name="alignImgPlace1">
+    <dgm:fillClrLst meth="repeat">
+      <a:schemeClr val="accent1">
+        <a:tint val="50000"/>
+      </a:schemeClr>
+    </dgm:fillClrLst>
+    <dgm:linClrLst meth="repeat">
+      <a:schemeClr val="lt1"/>
+    </dgm:linClrLst>
+    <dgm:effectClrLst/>
+    <dgm:txLinClrLst/>
+    <dgm:txFillClrLst meth="repeat">
+      <a:schemeClr val="lt1"/>
+    </dgm:txFillClrLst>
+    <dgm:txEffectClrLst/>
+  </dgm:styleLbl>
+  <dgm:styleLbl name="bgImgPlace1">
+    <dgm:fillClrLst meth="repeat">
+      <a:schemeClr val="accent1">
+        <a:tint val="50000"/>
+      </a:schemeClr>
+    </dgm:fillClrLst>
+    <dgm:linClrLst meth="repeat">
+      <a:schemeClr val="lt1"/>
+    </dgm:linClrLst>
+    <dgm:effectClrLst/>
+    <dgm:txLinClrLst/>
+    <dgm:txFillClrLst meth="repeat">
+      <a:schemeClr val="lt1"/>
+    </dgm:txFillClrLst>
+    <dgm:txEffectClrLst/>
+  </dgm:styleLbl>
+  <dgm:styleLbl name="sibTrans2D1">
+    <dgm:fillClrLst meth="repeat">
+      <a:schemeClr val="accent1">
+        <a:tint val="60000"/>
+      </a:schemeClr>
+    </dgm:fillClrLst>
+    <dgm:linClrLst meth="repeat">
+      <a:schemeClr val="accent1">
+        <a:tint val="60000"/>
+      </a:schemeClr>
+    </dgm:linClrLst>
+    <dgm:effectClrLst/>
+    <dgm:txLinClrLst/>
+    <dgm:txFillClrLst/>
+    <dgm:txEffectClrLst/>
+  </dgm:styleLbl>
+  <dgm:styleLbl name="fgSibTrans2D1">
+    <dgm:fillClrLst meth="repeat">
+      <a:schemeClr val="accent1">
+        <a:tint val="60000"/>
+      </a:schemeClr>
+    </dgm:fillClrLst>
+    <dgm:linClrLst meth="repeat">
+      <a:schemeClr val="accent1">
+        <a:tint val="60000"/>
+      </a:schemeClr>
+    </dgm:linClrLst>
+    <dgm:effectClrLst/>
+    <dgm:txLinClrLst/>
+    <dgm:txFillClrLst/>
+    <dgm:txEffectClrLst/>
+  </dgm:styleLbl>
+  <dgm:styleLbl name="bgSibTrans2D1">
+    <dgm:fillClrLst meth="repeat">
+      <a:schemeClr val="accent1">
+        <a:tint val="60000"/>
+      </a:schemeClr>
+    </dgm:fillClrLst>
+    <dgm:linClrLst meth="repeat">
+      <a:schemeClr val="accent1">
+        <a:tint val="60000"/>
+      </a:schemeClr>
+    </dgm:linClrLst>
+    <dgm:effectClrLst/>
+    <dgm:txLinClrLst/>
+    <dgm:txFillClrLst/>
+    <dgm:txEffectClrLst/>
+  </dgm:styleLbl>
+  <dgm:styleLbl name="sibTrans1D1">
+    <dgm:fillClrLst meth="repeat">
+      <a:schemeClr val="accent1"/>
+    </dgm:fillClrLst>
+    <dgm:linClrLst meth="repeat">
+      <a:schemeClr val="accent1"/>
+    </dgm:linClrLst>
+    <dgm:effectClrLst/>
+    <dgm:txLinClrLst/>
+    <dgm:txFillClrLst meth="repeat">
+      <a:schemeClr val="tx1"/>
+    </dgm:txFillClrLst>
+    <dgm:txEffectClrLst/>
+  </dgm:styleLbl>
+  <dgm:styleLbl name="callout">
+    <dgm:fillClrLst meth="repeat">
+      <a:schemeClr val="accent1"/>
+    </dgm:fillClrLst>
+    <dgm:linClrLst meth="repeat">
+      <a:schemeClr val="accent1">
+        <a:tint val="50000"/>
+      </a:schemeClr>
+    </dgm:linClrLst>
+    <dgm:effectClrLst/>
+    <dgm:txLinClrLst/>
+    <dgm:txFillClrLst meth="repeat">
+      <a:schemeClr val="tx1"/>
+    </dgm:txFillClrLst>
+    <dgm:txEffectClrLst/>
+  </dgm:styleLbl>
+  <dgm:styleLbl name="asst0">
+    <dgm:fillClrLst meth="repeat">
+      <a:schemeClr val="accent1"/>
+    </dgm:fillClrLst>
+    <dgm:linClrLst meth="repeat">
+      <a:schemeClr val="lt1"/>
+    </dgm:linClrLst>
+    <dgm:effectClrLst/>
+    <dgm:txLinClrLst/>
+    <dgm:txFillClrLst/>
+    <dgm:txEffectClrLst/>
+  </dgm:styleLbl>
+  <dgm:styleLbl name="asst1">
+    <dgm:fillClrLst meth="repeat">
+      <a:schemeClr val="accent1"/>
+    </dgm:fillClrLst>
+    <dgm:linClrLst meth="repeat">
+      <a:schemeClr val="lt1"/>
+    </dgm:linClrLst>
+    <dgm:effectClrLst/>
+    <dgm:txLinClrLst/>
+    <dgm:txFillClrLst/>
+    <dgm:txEffectClrLst/>
+  </dgm:styleLbl>
+  <dgm:styleLbl name="asst2">
+    <dgm:fillClrLst meth="repeat">
+      <a:schemeClr val="accent1"/>
+    </dgm:fillClrLst>
+    <dgm:linClrLst meth="repeat">
+      <a:schemeClr val="lt1"/>
+    </dgm:linClrLst>
+    <dgm:effectClrLst/>
+    <dgm:txLinClrLst/>
+    <dgm:txFillClrLst/>
+    <dgm:txEffectClrLst/>
+  </dgm:styleLbl>
+  <dgm:styleLbl name="asst3">
+    <dgm:fillClrLst meth="repeat">
+      <a:schemeClr val="accent1"/>
+    </dgm:fillClrLst>
+    <dgm:linClrLst meth="repeat">
+      <a:schemeClr val="lt1"/>
+    </dgm:linClrLst>
+    <dgm:effectClrLst/>
+    <dgm:txLinClrLst/>
+    <dgm:txFillClrLst/>
+    <dgm:txEffectClrLst/>
+  </dgm:styleLbl>
+  <dgm:styleLbl name="asst4">
+    <dgm:fillClrLst meth="repeat">
+      <a:schemeClr val="accent1"/>
+    </dgm:fillClrLst>
+    <dgm:linClrLst meth="repeat">
+      <a:schemeClr val="lt1"/>
+    </dgm:linClrLst>
+    <dgm:effectClrLst/>
+    <dgm:txLinClrLst/>
+    <dgm:txFillClrLst/>
+    <dgm:txEffectClrLst/>
+  </dgm:styleLbl>
+  <dgm:styleLbl name="parChTrans2D1">
+    <dgm:fillClrLst meth="repeat">
+      <a:schemeClr val="accent1">
+        <a:tint val="60000"/>
+      </a:schemeClr>
+    </dgm:fillClrLst>
+    <dgm:linClrLst meth="repeat">
+      <a:schemeClr val="accent1">
+        <a:tint val="60000"/>
+      </a:schemeClr>
+    </dgm:linClrLst>
+    <dgm:effectClrLst/>
+    <dgm:txLinClrLst/>
+    <dgm:txFillClrLst meth="repeat">
+      <a:schemeClr val="lt1"/>
+    </dgm:txFillClrLst>
+    <dgm:txEffectClrLst/>
+  </dgm:styleLbl>
+  <dgm:styleLbl name="parChTrans2D2">
+    <dgm:fillClrLst meth="repeat">
+      <a:schemeClr val="accent1"/>
+    </dgm:fillClrLst>
+    <dgm:linClrLst meth="repeat">
+      <a:schemeClr val="accent1"/>
+    </dgm:linClrLst>
+    <dgm:effectClrLst/>
+    <dgm:txLinClrLst/>
+    <dgm:txFillClrLst meth="repeat">
+      <a:schemeClr val="lt1"/>
+    </dgm:txFillClrLst>
+    <dgm:txEffectClrLst/>
+  </dgm:styleLbl>
+  <dgm:styleLbl name="parChTrans2D3">
+    <dgm:fillClrLst meth="repeat">
+      <a:schemeClr val="accent1"/>
+    </dgm:fillClrLst>
+    <dgm:linClrLst meth="repeat">
+      <a:schemeClr val="accent1"/>
+    </dgm:linClrLst>
+    <dgm:effectClrLst/>
+    <dgm:txLinClrLst/>
+    <dgm:txFillClrLst meth="repeat">
+      <a:schemeClr val="lt1"/>
+    </dgm:txFillClrLst>
+    <dgm:txEffectClrLst/>
+  </dgm:styleLbl>
+  <dgm:styleLbl name="parChTrans2D4">
+    <dgm:fillClrLst meth="repeat">
+      <a:schemeClr val="accent1"/>
+    </dgm:fillClrLst>
+    <dgm:linClrLst meth="repeat">
+      <a:schemeClr val="accent1"/>
+    </dgm:linClrLst>
+    <dgm:effectClrLst/>
+    <dgm:txLinClrLst/>
+    <dgm:txFillClrLst meth="repeat">
+      <a:schemeClr val="lt1"/>
+    </dgm:txFillClrLst>
+    <dgm:txEffectClrLst/>
+  </dgm:styleLbl>
+  <dgm:styleLbl name="parChTrans1D1">
+    <dgm:fillClrLst meth="repeat">
+      <a:schemeClr val="accent1"/>
+    </dgm:fillClrLst>
+    <dgm:linClrLst meth="repeat">
+      <a:schemeClr val="accent1">
+        <a:shade val="60000"/>
+      </a:schemeClr>
+    </dgm:linClrLst>
+    <dgm:effectClrLst/>
+    <dgm:txLinClrLst/>
+    <dgm:txFillClrLst meth="repeat">
+      <a:schemeClr val="tx1"/>
+    </dgm:txFillClrLst>
+    <dgm:txEffectClrLst/>
+  </dgm:styleLbl>
+  <dgm:styleLbl name="parChTrans1D2">
+    <dgm:fillClrLst meth="repeat">
+      <a:schemeClr val="accent1"/>
+    </dgm:fillClrLst>
+    <dgm:linClrLst meth="repeat">
+      <a:schemeClr val="accent1">
+        <a:shade val="60000"/>
+      </a:schemeClr>
+    </dgm:linClrLst>
+    <dgm:effectClrLst/>
+    <dgm:txLinClrLst/>
+    <dgm:txFillClrLst meth="repeat">
+      <a:schemeClr val="tx1"/>
+    </dgm:txFillClrLst>
+    <dgm:txEffectClrLst/>
+  </dgm:styleLbl>
+  <dgm:styleLbl name="parChTrans1D3">
+    <dgm:fillClrLst meth="repeat">
+      <a:schemeClr val="accent1"/>
+    </dgm:fillClrLst>
+    <dgm:linClrLst meth="repeat">
+      <a:schemeClr val="accent1">
+        <a:shade val="80000"/>
+      </a:schemeClr>
+    </dgm:linClrLst>
+    <dgm:effectClrLst/>
+    <dgm:txLinClrLst/>
+    <dgm:txFillClrLst meth="repeat">
+      <a:schemeClr val="tx1"/>
+    </dgm:txFillClrLst>
+    <dgm:txEffectClrLst/>
+  </dgm:styleLbl>
+  <dgm:styleLbl name="parChTrans1D4">
+    <dgm:fillClrLst meth="repeat">
+      <a:schemeClr val="accent1"/>
+    </dgm:fillClrLst>
+    <dgm:linClrLst meth="repeat">
+      <a:schemeClr val="accent1">
+        <a:shade val="80000"/>
+      </a:schemeClr>
+    </dgm:linClrLst>
+    <dgm:effectClrLst/>
+    <dgm:txLinClrLst/>
+    <dgm:txFillClrLst meth="repeat">
+      <a:schemeClr val="tx1"/>
+    </dgm:txFillClrLst>
+    <dgm:txEffectClrLst/>
+  </dgm:styleLbl>
+  <dgm:styleLbl name="fgAcc1">
+    <dgm:fillClrLst meth="repeat">
+      <a:schemeClr val="lt1">
+        <a:alpha val="90000"/>
+      </a:schemeClr>
+    </dgm:fillClrLst>
+    <dgm:linClrLst meth="repeat">
+      <a:schemeClr val="accent1"/>
+    </dgm:linClrLst>
+    <dgm:effectClrLst/>
+    <dgm:txLinClrLst/>
+    <dgm:txFillClrLst meth="repeat">
+      <a:schemeClr val="dk1"/>
+    </dgm:txFillClrLst>
+    <dgm:txEffectClrLst/>
+  </dgm:styleLbl>
+  <dgm:styleLbl name="conFgAcc1">
+    <dgm:fillClrLst meth="repeat">
+      <a:schemeClr val="lt1">
+        <a:alpha val="90000"/>
+      </a:schemeClr>
+    </dgm:fillClrLst>
+    <dgm:linClrLst meth="repeat">
+      <a:schemeClr val="accent1"/>
+    </dgm:linClrLst>
+    <dgm:effectClrLst/>
+    <dgm:txLinClrLst/>
+    <dgm:txFillClrLst meth="repeat">
+      <a:schemeClr val="dk1"/>
+    </dgm:txFillClrLst>
+    <dgm:txEffectClrLst/>
+  </dgm:styleLbl>
+  <dgm:styleLbl name="alignAcc1">
+    <dgm:fillClrLst meth="repeat">
+      <a:schemeClr val="lt1">
+        <a:alpha val="90000"/>
+      </a:schemeClr>
+    </dgm:fillClrLst>
+    <dgm:linClrLst meth="repeat">
+      <a:schemeClr val="accent1"/>
+    </dgm:linClrLst>
+    <dgm:effectClrLst/>
+    <dgm:txLinClrLst/>
+    <dgm:txFillClrLst meth="repeat">
+      <a:schemeClr val="dk1"/>
+    </dgm:txFillClrLst>
+    <dgm:txEffectClrLst/>
+  </dgm:styleLbl>
+  <dgm:styleLbl name="trAlignAcc1">
+    <dgm:fillClrLst meth="repeat">
+      <a:schemeClr val="lt1">
+        <a:alpha val="40000"/>
+      </a:schemeClr>
+    </dgm:fillClrLst>
+    <dgm:linClrLst meth="repeat">
+      <a:schemeClr val="accent1"/>
+    </dgm:linClrLst>
+    <dgm:effectClrLst/>
+    <dgm:txLinClrLst/>
+    <dgm:txFillClrLst meth="repeat">
+      <a:schemeClr val="dk1"/>
+    </dgm:txFillClrLst>
+    <dgm:txEffectClrLst/>
+  </dgm:styleLbl>
+  <dgm:styleLbl name="bgAcc1">
+    <dgm:fillClrLst meth="repeat">
+      <a:schemeClr val="lt1">
+        <a:alpha val="90000"/>
+      </a:schemeClr>
+    </dgm:fillClrLst>
+    <dgm:linClrLst meth="repeat">
+      <a:schemeClr val="accent1"/>
+    </dgm:linClrLst>
+    <dgm:effectClrLst/>
+    <dgm:txLinClrLst/>
+    <dgm:txFillClrLst meth="repeat">
+      <a:schemeClr val="dk1"/>
+    </dgm:txFillClrLst>
+    <dgm:txEffectClrLst/>
+  </dgm:styleLbl>
+  <dgm:styleLbl name="solidFgAcc1">
+    <dgm:fillClrLst meth="repeat">
+      <a:schemeClr val="lt1"/>
+    </dgm:fillClrLst>
+    <dgm:linClrLst meth="repeat">
+      <a:schemeClr val="accent1"/>
+    </dgm:linClrLst>
+    <dgm:effectClrLst/>
+    <dgm:txLinClrLst/>
+    <dgm:txFillClrLst meth="repeat">
+      <a:schemeClr val="dk1"/>
+    </dgm:txFillClrLst>
+    <dgm:txEffectClrLst/>
+  </dgm:styleLbl>
+  <dgm:styleLbl name="solidAlignAcc1">
+    <dgm:fillClrLst meth="repeat">
+      <a:schemeClr val="lt1"/>
+    </dgm:fillClrLst>
+    <dgm:linClrLst meth="repeat">
+      <a:schemeClr val="accent1"/>
+    </dgm:linClrLst>
+    <dgm:effectClrLst/>
+    <dgm:txLinClrLst/>
+    <dgm:txFillClrLst meth="repeat">
+      <a:schemeClr val="dk1"/>
+    </dgm:txFillClrLst>
+    <dgm:txEffectClrLst/>
+  </dgm:styleLbl>
+  <dgm:styleLbl name="solidBgAcc1">
+    <dgm:fillClrLst meth="repeat">
+      <a:schemeClr val="lt1"/>
+    </dgm:fillClrLst>
+    <dgm:linClrLst meth="repeat">
+      <a:schemeClr val="accent1"/>
+    </dgm:linClrLst>
+    <dgm:effectClrLst/>
+    <dgm:txLinClrLst/>
+    <dgm:txFillClrLst meth="repeat">
+      <a:schemeClr val="dk1"/>
+    </dgm:txFillClrLst>
+    <dgm:txEffectClrLst/>
+  </dgm:styleLbl>
+  <dgm:styleLbl name="fgAccFollowNode1">
+    <dgm:fillClrLst meth="repeat">
+      <a:schemeClr val="accent1">
+        <a:alpha val="90000"/>
+        <a:tint val="40000"/>
+      </a:schemeClr>
+    </dgm:fillClrLst>
+    <dgm:linClrLst meth="repeat">
+      <a:schemeClr val="accent1">
+        <a:alpha val="90000"/>
+        <a:tint val="40000"/>
+      </a:schemeClr>
+    </dgm:linClrLst>
+    <dgm:effectClrLst/>
+    <dgm:txLinClrLst/>
+    <dgm:txFillClrLst meth="repeat">
+      <a:schemeClr val="dk1"/>
+    </dgm:txFillClrLst>
+    <dgm:txEffectClrLst/>
+  </dgm:styleLbl>
+  <dgm:styleLbl name="alignAccFollowNode1">
+    <dgm:fillClrLst meth="repeat">
+      <a:schemeClr val="accent1">
+        <a:alpha val="90000"/>
+        <a:tint val="40000"/>
+      </a:schemeClr>
+    </dgm:fillClrLst>
+    <dgm:linClrLst meth="repeat">
+      <a:schemeClr val="accent1">
+        <a:alpha val="90000"/>
+        <a:tint val="40000"/>
+      </a:schemeClr>
+    </dgm:linClrLst>
+    <dgm:effectClrLst/>
+    <dgm:txLinClrLst/>
+    <dgm:txFillClrLst meth="repeat">
+      <a:schemeClr val="dk1"/>
+    </dgm:txFillClrLst>
+    <dgm:txEffectClrLst/>
+  </dgm:styleLbl>
+  <dgm:styleLbl name="bgAccFollowNode1">
+    <dgm:fillClrLst meth="repeat">
+      <a:schemeClr val="accent1">
+        <a:alpha val="90000"/>
+        <a:tint val="40000"/>
+      </a:schemeClr>
+    </dgm:fillClrLst>
+    <dgm:linClrLst meth="repeat">
+      <a:schemeClr val="accent1">
+        <a:alpha val="90000"/>
+        <a:tint val="40000"/>
+      </a:schemeClr>
+    </dgm:linClrLst>
+    <dgm:effectClrLst/>
+    <dgm:txLinClrLst/>
+    <dgm:txFillClrLst meth="repeat">
+      <a:schemeClr val="dk1"/>
+    </dgm:txFillClrLst>
+    <dgm:txEffectClrLst/>
+  </dgm:styleLbl>
+  <dgm:styleLbl name="fgAcc0">
+    <dgm:fillClrLst meth="repeat">
+      <a:schemeClr val="lt1">
+        <a:alpha val="90000"/>
+      </a:schemeClr>
+    </dgm:fillClrLst>
+    <dgm:linClrLst meth="repeat">
+      <a:schemeClr val="accent1"/>
+    </dgm:linClrLst>
+    <dgm:effectClrLst/>
+    <dgm:txLinClrLst/>
+    <dgm:txFillClrLst meth="repeat">
+      <a:schemeClr val="dk1"/>
+    </dgm:txFillClrLst>
+    <dgm:txEffectClrLst/>
+  </dgm:styleLbl>
+  <dgm:styleLbl name="fgAcc2">
+    <dgm:fillClrLst meth="repeat">
+      <a:schemeClr val="lt1">
+        <a:alpha val="90000"/>
+      </a:schemeClr>
+    </dgm:fillClrLst>
+    <dgm:linClrLst meth="repeat">
+      <a:schemeClr val="accent1"/>
+    </dgm:linClrLst>
+    <dgm:effectClrLst/>
+    <dgm:txLinClrLst/>
+    <dgm:txFillClrLst meth="repeat">
+      <a:schemeClr val="dk1"/>
+    </dgm:txFillClrLst>
+    <dgm:txEffectClrLst/>
+  </dgm:styleLbl>
+  <dgm:styleLbl name="fgAcc3">
+    <dgm:fillClrLst meth="repeat">
+      <a:schemeClr val="lt1">
+        <a:alpha val="90000"/>
+      </a:schemeClr>
+    </dgm:fillClrLst>
+    <dgm:linClrLst meth="repeat">
+      <a:schemeClr val="accent1"/>
+    </dgm:linClrLst>
+    <dgm:effectClrLst/>
+    <dgm:txLinClrLst/>
+    <dgm:txFillClrLst meth="repeat">
+      <a:schemeClr val="dk1"/>
+    </dgm:txFillClrLst>
+    <dgm:txEffectClrLst/>
+  </dgm:styleLbl>
+  <dgm:styleLbl name="fgAcc4">
+    <dgm:fillClrLst meth="repeat">
+      <a:schemeClr val="lt1">
+        <a:alpha val="90000"/>
+      </a:schemeClr>
+    </dgm:fillClrLst>
+    <dgm:linClrLst meth="repeat">
+      <a:schemeClr val="accent1"/>
+    </dgm:linClrLst>
+    <dgm:effectClrLst/>
+    <dgm:txLinClrLst/>
+    <dgm:txFillClrLst meth="repeat">
+      <a:schemeClr val="dk1"/>
+    </dgm:txFillClrLst>
+    <dgm:txEffectClrLst/>
+  </dgm:styleLbl>
+  <dgm:styleLbl name="bgShp">
+    <dgm:fillClrLst meth="repeat">
+      <a:schemeClr val="accent1">
+        <a:tint val="40000"/>
+      </a:schemeClr>
+    </dgm:fillClrLst>
+    <dgm:linClrLst meth="repeat">
+      <a:schemeClr val="accent1"/>
+    </dgm:linClrLst>
+    <dgm:effectClrLst/>
+    <dgm:txLinClrLst/>
+    <dgm:txFillClrLst meth="repeat">
+      <a:schemeClr val="dk1"/>
+    </dgm:txFillClrLst>
+    <dgm:txEffectClrLst/>
+  </dgm:styleLbl>
+  <dgm:styleLbl name="dkBgShp">
+    <dgm:fillClrLst meth="repeat">
+      <a:schemeClr val="accent1">
+        <a:shade val="80000"/>
+      </a:schemeClr>
+    </dgm:fillClrLst>
+    <dgm:linClrLst meth="repeat">
+      <a:schemeClr val="accent1"/>
+    </dgm:linClrLst>
+    <dgm:effectClrLst/>
+    <dgm:txLinClrLst/>
+    <dgm:txFillClrLst meth="repeat">
+      <a:schemeClr val="lt1"/>
+    </dgm:txFillClrLst>
+    <dgm:txEffectClrLst/>
+  </dgm:styleLbl>
+  <dgm:styleLbl name="trBgShp">
+    <dgm:fillClrLst meth="repeat">
+      <a:schemeClr val="accent1">
+        <a:tint val="50000"/>
+        <a:alpha val="40000"/>
+      </a:schemeClr>
+    </dgm:fillClrLst>
+    <dgm:linClrLst meth="repeat">
+      <a:schemeClr val="accent1"/>
+    </dgm:linClrLst>
+    <dgm:effectClrLst/>
+    <dgm:txLinClrLst/>
+    <dgm:txFillClrLst meth="repeat">
+      <a:schemeClr val="lt1"/>
+    </dgm:txFillClrLst>
+    <dgm:txEffectClrLst/>
+  </dgm:styleLbl>
+  <dgm:styleLbl name="fgShp">
+    <dgm:fillClrLst meth="repeat">
+      <a:schemeClr val="accent1">
+        <a:tint val="60000"/>
+      </a:schemeClr>
+    </dgm:fillClrLst>
+    <dgm:linClrLst meth="repeat">
+      <a:schemeClr val="lt1"/>
+    </dgm:linClrLst>
+    <dgm:effectClrLst/>
+    <dgm:txLinClrLst/>
+    <dgm:txFillClrLst meth="repeat">
+      <a:schemeClr val="dk1"/>
+    </dgm:txFillClrLst>
+    <dgm:txEffectClrLst/>
+  </dgm:styleLbl>
+  <dgm:styleLbl name="revTx">
+    <dgm:fillClrLst meth="repeat">
+      <a:schemeClr val="lt1">
+        <a:alpha val="0"/>
+      </a:schemeClr>
+    </dgm:fillClrLst>
+    <dgm:linClrLst meth="repeat">
+      <a:schemeClr val="dk1">
+        <a:alpha val="0"/>
+      </a:schemeClr>
+    </dgm:linClrLst>
+    <dgm:effectClrLst/>
+    <dgm:txLinClrLst/>
+    <dgm:txFillClrLst meth="repeat">
+      <a:schemeClr val="tx1"/>
+    </dgm:txFillClrLst>
+    <dgm:txEffectClrLst/>
+  </dgm:styleLbl>
+</dgm:colorsDef>
+</file>
+
+<file path=ppt/diagrams/colors7.xml><?xml version="1.0" encoding="utf-8"?>
+<dgm:colorsDef xmlns:dgm="http://schemas.openxmlformats.org/drawingml/2006/diagram" xmlns:a="http://schemas.openxmlformats.org/drawingml/2006/main" uniqueId="urn:microsoft.com/office/officeart/2005/8/colors/accent1_2">
+  <dgm:title val=""/>
+  <dgm:desc val=""/>
+  <dgm:catLst>
+    <dgm:cat type="accent1" pri="11200"/>
+  </dgm:catLst>
+  <dgm:styleLbl name="node0">
+    <dgm:fillClrLst meth="repeat">
+      <a:schemeClr val="accent1"/>
+    </dgm:fillClrLst>
+    <dgm:linClrLst meth="repeat">
+      <a:schemeClr val="lt1"/>
+    </dgm:linClrLst>
+    <dgm:effectClrLst/>
+    <dgm:txLinClrLst/>
+    <dgm:txFillClrLst/>
+    <dgm:txEffectClrLst/>
+  </dgm:styleLbl>
+  <dgm:styleLbl name="alignNode1">
+    <dgm:fillClrLst meth="repeat">
+      <a:schemeClr val="accent1"/>
+    </dgm:fillClrLst>
+    <dgm:linClrLst meth="repeat">
+      <a:schemeClr val="accent1"/>
+    </dgm:linClrLst>
+    <dgm:effectClrLst/>
+    <dgm:txLinClrLst/>
+    <dgm:txFillClrLst/>
+    <dgm:txEffectClrLst/>
+  </dgm:styleLbl>
+  <dgm:styleLbl name="node1">
+    <dgm:fillClrLst meth="repeat">
+      <a:schemeClr val="accent1"/>
+    </dgm:fillClrLst>
+    <dgm:linClrLst meth="repeat">
+      <a:schemeClr val="lt1"/>
+    </dgm:linClrLst>
+    <dgm:effectClrLst/>
+    <dgm:txLinClrLst/>
+    <dgm:txFillClrLst/>
+    <dgm:txEffectClrLst/>
+  </dgm:styleLbl>
+  <dgm:styleLbl name="lnNode1">
+    <dgm:fillClrLst meth="repeat">
+      <a:schemeClr val="accent1"/>
+    </dgm:fillClrLst>
+    <dgm:linClrLst meth="repeat">
+      <a:schemeClr val="lt1"/>
+    </dgm:linClrLst>
+    <dgm:effectClrLst/>
+    <dgm:txLinClrLst/>
+    <dgm:txFillClrLst/>
+    <dgm:txEffectClrLst/>
+  </dgm:styleLbl>
+  <dgm:styleLbl name="vennNode1">
+    <dgm:fillClrLst meth="repeat">
+      <a:schemeClr val="accent1">
+        <a:alpha val="50000"/>
+      </a:schemeClr>
+    </dgm:fillClrLst>
+    <dgm:linClrLst meth="repeat">
+      <a:schemeClr val="lt1"/>
+    </dgm:linClrLst>
+    <dgm:effectClrLst/>
+    <dgm:txLinClrLst/>
+    <dgm:txFillClrLst/>
+    <dgm:txEffectClrLst/>
+  </dgm:styleLbl>
+  <dgm:styleLbl name="node2">
+    <dgm:fillClrLst meth="repeat">
+      <a:schemeClr val="accent1"/>
+    </dgm:fillClrLst>
+    <dgm:linClrLst meth="repeat">
+      <a:schemeClr val="lt1"/>
+    </dgm:linClrLst>
+    <dgm:effectClrLst/>
+    <dgm:txLinClrLst/>
+    <dgm:txFillClrLst/>
+    <dgm:txEffectClrLst/>
+  </dgm:styleLbl>
+  <dgm:styleLbl name="node3">
+    <dgm:fillClrLst meth="repeat">
+      <a:schemeClr val="accent1"/>
+    </dgm:fillClrLst>
+    <dgm:linClrLst meth="repeat">
+      <a:schemeClr val="lt1"/>
+    </dgm:linClrLst>
+    <dgm:effectClrLst/>
+    <dgm:txLinClrLst/>
+    <dgm:txFillClrLst/>
+    <dgm:txEffectClrLst/>
+  </dgm:styleLbl>
+  <dgm:styleLbl name="node4">
+    <dgm:fillClrLst meth="repeat">
+      <a:schemeClr val="accent1"/>
+    </dgm:fillClrLst>
+    <dgm:linClrLst meth="repeat">
+      <a:schemeClr val="lt1"/>
+    </dgm:linClrLst>
+    <dgm:effectClrLst/>
+    <dgm:txLinClrLst/>
+    <dgm:txFillClrLst/>
+    <dgm:txEffectClrLst/>
+  </dgm:styleLbl>
+  <dgm:styleLbl name="fgImgPlace1">
+    <dgm:fillClrLst meth="repeat">
+      <a:schemeClr val="accent1">
+        <a:tint val="50000"/>
+      </a:schemeClr>
+    </dgm:fillClrLst>
+    <dgm:linClrLst meth="repeat">
+      <a:schemeClr val="lt1"/>
+    </dgm:linClrLst>
+    <dgm:effectClrLst/>
+    <dgm:txLinClrLst/>
+    <dgm:txFillClrLst meth="repeat">
+      <a:schemeClr val="lt1"/>
+    </dgm:txFillClrLst>
+    <dgm:txEffectClrLst/>
+  </dgm:styleLbl>
+  <dgm:styleLbl name="alignImgPlace1">
+    <dgm:fillClrLst meth="repeat">
+      <a:schemeClr val="accent1">
+        <a:tint val="50000"/>
+      </a:schemeClr>
+    </dgm:fillClrLst>
+    <dgm:linClrLst meth="repeat">
+      <a:schemeClr val="lt1"/>
+    </dgm:linClrLst>
+    <dgm:effectClrLst/>
+    <dgm:txLinClrLst/>
+    <dgm:txFillClrLst meth="repeat">
+      <a:schemeClr val="lt1"/>
+    </dgm:txFillClrLst>
+    <dgm:txEffectClrLst/>
+  </dgm:styleLbl>
+  <dgm:styleLbl name="bgImgPlace1">
+    <dgm:fillClrLst meth="repeat">
+      <a:schemeClr val="accent1">
+        <a:tint val="50000"/>
+      </a:schemeClr>
+    </dgm:fillClrLst>
+    <dgm:linClrLst meth="repeat">
+      <a:schemeClr val="lt1"/>
+    </dgm:linClrLst>
+    <dgm:effectClrLst/>
+    <dgm:txLinClrLst/>
+    <dgm:txFillClrLst meth="repeat">
+      <a:schemeClr val="lt1"/>
+    </dgm:txFillClrLst>
+    <dgm:txEffectClrLst/>
+  </dgm:styleLbl>
+  <dgm:styleLbl name="sibTrans2D1">
+    <dgm:fillClrLst meth="repeat">
+      <a:schemeClr val="accent1">
+        <a:tint val="60000"/>
+      </a:schemeClr>
+    </dgm:fillClrLst>
+    <dgm:linClrLst meth="repeat">
+      <a:schemeClr val="accent1">
+        <a:tint val="60000"/>
+      </a:schemeClr>
+    </dgm:linClrLst>
+    <dgm:effectClrLst/>
+    <dgm:txLinClrLst/>
+    <dgm:txFillClrLst/>
+    <dgm:txEffectClrLst/>
+  </dgm:styleLbl>
+  <dgm:styleLbl name="fgSibTrans2D1">
+    <dgm:fillClrLst meth="repeat">
+      <a:schemeClr val="accent1">
+        <a:tint val="60000"/>
+      </a:schemeClr>
+    </dgm:fillClrLst>
+    <dgm:linClrLst meth="repeat">
+      <a:schemeClr val="accent1">
+        <a:tint val="60000"/>
+      </a:schemeClr>
+    </dgm:linClrLst>
+    <dgm:effectClrLst/>
+    <dgm:txLinClrLst/>
+    <dgm:txFillClrLst/>
+    <dgm:txEffectClrLst/>
+  </dgm:styleLbl>
+  <dgm:styleLbl name="bgSibTrans2D1">
+    <dgm:fillClrLst meth="repeat">
+      <a:schemeClr val="accent1">
+        <a:tint val="60000"/>
+      </a:schemeClr>
+    </dgm:fillClrLst>
+    <dgm:linClrLst meth="repeat">
+      <a:schemeClr val="accent1">
+        <a:tint val="60000"/>
+      </a:schemeClr>
+    </dgm:linClrLst>
+    <dgm:effectClrLst/>
+    <dgm:txLinClrLst/>
+    <dgm:txFillClrLst/>
+    <dgm:txEffectClrLst/>
+  </dgm:styleLbl>
+  <dgm:styleLbl name="sibTrans1D1">
+    <dgm:fillClrLst meth="repeat">
+      <a:schemeClr val="accent1"/>
+    </dgm:fillClrLst>
+    <dgm:linClrLst meth="repeat">
+      <a:schemeClr val="accent1"/>
+    </dgm:linClrLst>
+    <dgm:effectClrLst/>
+    <dgm:txLinClrLst/>
+    <dgm:txFillClrLst meth="repeat">
+      <a:schemeClr val="tx1"/>
+    </dgm:txFillClrLst>
+    <dgm:txEffectClrLst/>
+  </dgm:styleLbl>
+  <dgm:styleLbl name="callout">
+    <dgm:fillClrLst meth="repeat">
+      <a:schemeClr val="accent1"/>
+    </dgm:fillClrLst>
+    <dgm:linClrLst meth="repeat">
+      <a:schemeClr val="accent1">
+        <a:tint val="50000"/>
+      </a:schemeClr>
+    </dgm:linClrLst>
+    <dgm:effectClrLst/>
+    <dgm:txLinClrLst/>
+    <dgm:txFillClrLst meth="repeat">
+      <a:schemeClr val="tx1"/>
+    </dgm:txFillClrLst>
+    <dgm:txEffectClrLst/>
+  </dgm:styleLbl>
+  <dgm:styleLbl name="asst0">
+    <dgm:fillClrLst meth="repeat">
+      <a:schemeClr val="accent1"/>
+    </dgm:fillClrLst>
+    <dgm:linClrLst meth="repeat">
+      <a:schemeClr val="lt1"/>
+    </dgm:linClrLst>
+    <dgm:effectClrLst/>
+    <dgm:txLinClrLst/>
+    <dgm:txFillClrLst/>
+    <dgm:txEffectClrLst/>
+  </dgm:styleLbl>
+  <dgm:styleLbl name="asst1">
+    <dgm:fillClrLst meth="repeat">
+      <a:schemeClr val="accent1"/>
+    </dgm:fillClrLst>
+    <dgm:linClrLst meth="repeat">
+      <a:schemeClr val="lt1"/>
+    </dgm:linClrLst>
+    <dgm:effectClrLst/>
+    <dgm:txLinClrLst/>
+    <dgm:txFillClrLst/>
+    <dgm:txEffectClrLst/>
+  </dgm:styleLbl>
+  <dgm:styleLbl name="asst2">
+    <dgm:fillClrLst meth="repeat">
+      <a:schemeClr val="accent1"/>
+    </dgm:fillClrLst>
+    <dgm:linClrLst meth="repeat">
+      <a:schemeClr val="lt1"/>
+    </dgm:linClrLst>
+    <dgm:effectClrLst/>
+    <dgm:txLinClrLst/>
+    <dgm:txFillClrLst/>
+    <dgm:txEffectClrLst/>
+  </dgm:styleLbl>
+  <dgm:styleLbl name="asst3">
+    <dgm:fillClrLst meth="repeat">
+      <a:schemeClr val="accent1"/>
+    </dgm:fillClrLst>
+    <dgm:linClrLst meth="repeat">
+      <a:schemeClr val="lt1"/>
+    </dgm:linClrLst>
+    <dgm:effectClrLst/>
+    <dgm:txLinClrLst/>
+    <dgm:txFillClrLst/>
+    <dgm:txEffectClrLst/>
+  </dgm:styleLbl>
+  <dgm:styleLbl name="asst4">
+    <dgm:fillClrLst meth="repeat">
+      <a:schemeClr val="accent1"/>
+    </dgm:fillClrLst>
+    <dgm:linClrLst meth="repeat">
+      <a:schemeClr val="lt1"/>
+    </dgm:linClrLst>
+    <dgm:effectClrLst/>
+    <dgm:txLinClrLst/>
+    <dgm:txFillClrLst/>
+    <dgm:txEffectClrLst/>
+  </dgm:styleLbl>
+  <dgm:styleLbl name="parChTrans2D1">
+    <dgm:fillClrLst meth="repeat">
+      <a:schemeClr val="accent1">
+        <a:tint val="60000"/>
+      </a:schemeClr>
+    </dgm:fillClrLst>
+    <dgm:linClrLst meth="repeat">
+      <a:schemeClr val="accent1">
+        <a:tint val="60000"/>
+      </a:schemeClr>
+    </dgm:linClrLst>
+    <dgm:effectClrLst/>
+    <dgm:txLinClrLst/>
+    <dgm:txFillClrLst meth="repeat">
+      <a:schemeClr val="lt1"/>
+    </dgm:txFillClrLst>
+    <dgm:txEffectClrLst/>
+  </dgm:styleLbl>
+  <dgm:styleLbl name="parChTrans2D2">
+    <dgm:fillClrLst meth="repeat">
+      <a:schemeClr val="accent1"/>
+    </dgm:fillClrLst>
+    <dgm:linClrLst meth="repeat">
+      <a:schemeClr val="accent1"/>
+    </dgm:linClrLst>
+    <dgm:effectClrLst/>
+    <dgm:txLinClrLst/>
+    <dgm:txFillClrLst meth="repeat">
+      <a:schemeClr val="lt1"/>
+    </dgm:txFillClrLst>
+    <dgm:txEffectClrLst/>
+  </dgm:styleLbl>
+  <dgm:styleLbl name="parChTrans2D3">
+    <dgm:fillClrLst meth="repeat">
+      <a:schemeClr val="accent1"/>
+    </dgm:fillClrLst>
+    <dgm:linClrLst meth="repeat">
+      <a:schemeClr val="accent1"/>
+    </dgm:linClrLst>
+    <dgm:effectClrLst/>
+    <dgm:txLinClrLst/>
+    <dgm:txFillClrLst meth="repeat">
+      <a:schemeClr val="lt1"/>
+    </dgm:txFillClrLst>
+    <dgm:txEffectClrLst/>
+  </dgm:styleLbl>
+  <dgm:styleLbl name="parChTrans2D4">
+    <dgm:fillClrLst meth="repeat">
+      <a:schemeClr val="accent1"/>
+    </dgm:fillClrLst>
+    <dgm:linClrLst meth="repeat">
+      <a:schemeClr val="accent1"/>
+    </dgm:linClrLst>
+    <dgm:effectClrLst/>
+    <dgm:txLinClrLst/>
+    <dgm:txFillClrLst meth="repeat">
+      <a:schemeClr val="lt1"/>
+    </dgm:txFillClrLst>
+    <dgm:txEffectClrLst/>
+  </dgm:styleLbl>
+  <dgm:styleLbl name="parChTrans1D1">
+    <dgm:fillClrLst meth="repeat">
+      <a:schemeClr val="accent1"/>
+    </dgm:fillClrLst>
+    <dgm:linClrLst meth="repeat">
+      <a:schemeClr val="accent1">
+        <a:shade val="60000"/>
+      </a:schemeClr>
+    </dgm:linClrLst>
+    <dgm:effectClrLst/>
+    <dgm:txLinClrLst/>
+    <dgm:txFillClrLst meth="repeat">
+      <a:schemeClr val="tx1"/>
+    </dgm:txFillClrLst>
+    <dgm:txEffectClrLst/>
+  </dgm:styleLbl>
+  <dgm:styleLbl name="parChTrans1D2">
+    <dgm:fillClrLst meth="repeat">
+      <a:schemeClr val="accent1"/>
+    </dgm:fillClrLst>
+    <dgm:linClrLst meth="repeat">
+      <a:schemeClr val="accent1">
+        <a:shade val="60000"/>
+      </a:schemeClr>
+    </dgm:linClrLst>
+    <dgm:effectClrLst/>
+    <dgm:txLinClrLst/>
+    <dgm:txFillClrLst meth="repeat">
+      <a:schemeClr val="tx1"/>
+    </dgm:txFillClrLst>
+    <dgm:txEffectClrLst/>
+  </dgm:styleLbl>
+  <dgm:styleLbl name="parChTrans1D3">
+    <dgm:fillClrLst meth="repeat">
+      <a:schemeClr val="accent1"/>
+    </dgm:fillClrLst>
+    <dgm:linClrLst meth="repeat">
+      <a:schemeClr val="accent1">
+        <a:shade val="80000"/>
+      </a:schemeClr>
+    </dgm:linClrLst>
+    <dgm:effectClrLst/>
+    <dgm:txLinClrLst/>
+    <dgm:txFillClrLst meth="repeat">
+      <a:schemeClr val="tx1"/>
+    </dgm:txFillClrLst>
+    <dgm:txEffectClrLst/>
+  </dgm:styleLbl>
+  <dgm:styleLbl name="parChTrans1D4">
+    <dgm:fillClrLst meth="repeat">
+      <a:schemeClr val="accent1"/>
+    </dgm:fillClrLst>
+    <dgm:linClrLst meth="repeat">
+      <a:schemeClr val="accent1">
+        <a:shade val="80000"/>
+      </a:schemeClr>
+    </dgm:linClrLst>
+    <dgm:effectClrLst/>
+    <dgm:txLinClrLst/>
+    <dgm:txFillClrLst meth="repeat">
+      <a:schemeClr val="tx1"/>
+    </dgm:txFillClrLst>
+    <dgm:txEffectClrLst/>
+  </dgm:styleLbl>
+  <dgm:styleLbl name="fgAcc1">
+    <dgm:fillClrLst meth="repeat">
+      <a:schemeClr val="lt1">
+        <a:alpha val="90000"/>
+      </a:schemeClr>
+    </dgm:fillClrLst>
+    <dgm:linClrLst meth="repeat">
+      <a:schemeClr val="accent1"/>
+    </dgm:linClrLst>
+    <dgm:effectClrLst/>
+    <dgm:txLinClrLst/>
+    <dgm:txFillClrLst meth="repeat">
+      <a:schemeClr val="dk1"/>
+    </dgm:txFillClrLst>
+    <dgm:txEffectClrLst/>
+  </dgm:styleLbl>
+  <dgm:styleLbl name="conFgAcc1">
+    <dgm:fillClrLst meth="repeat">
+      <a:schemeClr val="lt1">
+        <a:alpha val="90000"/>
+      </a:schemeClr>
+    </dgm:fillClrLst>
+    <dgm:linClrLst meth="repeat">
+      <a:schemeClr val="accent1"/>
+    </dgm:linClrLst>
+    <dgm:effectClrLst/>
+    <dgm:txLinClrLst/>
+    <dgm:txFillClrLst meth="repeat">
+      <a:schemeClr val="dk1"/>
+    </dgm:txFillClrLst>
+    <dgm:txEffectClrLst/>
+  </dgm:styleLbl>
+  <dgm:styleLbl name="alignAcc1">
+    <dgm:fillClrLst meth="repeat">
+      <a:schemeClr val="lt1">
+        <a:alpha val="90000"/>
+      </a:schemeClr>
+    </dgm:fillClrLst>
+    <dgm:linClrLst meth="repeat">
+      <a:schemeClr val="accent1"/>
+    </dgm:linClrLst>
+    <dgm:effectClrLst/>
+    <dgm:txLinClrLst/>
+    <dgm:txFillClrLst meth="repeat">
+      <a:schemeClr val="dk1"/>
+    </dgm:txFillClrLst>
+    <dgm:txEffectClrLst/>
+  </dgm:styleLbl>
+  <dgm:styleLbl name="trAlignAcc1">
+    <dgm:fillClrLst meth="repeat">
+      <a:schemeClr val="lt1">
+        <a:alpha val="40000"/>
+      </a:schemeClr>
+    </dgm:fillClrLst>
+    <dgm:linClrLst meth="repeat">
+      <a:schemeClr val="accent1"/>
+    </dgm:linClrLst>
+    <dgm:effectClrLst/>
+    <dgm:txLinClrLst/>
+    <dgm:txFillClrLst meth="repeat">
+      <a:schemeClr val="dk1"/>
+    </dgm:txFillClrLst>
+    <dgm:txEffectClrLst/>
+  </dgm:styleLbl>
+  <dgm:styleLbl name="bgAcc1">
+    <dgm:fillClrLst meth="repeat">
+      <a:schemeClr val="lt1">
+        <a:alpha val="90000"/>
+      </a:schemeClr>
+    </dgm:fillClrLst>
+    <dgm:linClrLst meth="repeat">
+      <a:schemeClr val="accent1"/>
+    </dgm:linClrLst>
+    <dgm:effectClrLst/>
+    <dgm:txLinClrLst/>
+    <dgm:txFillClrLst meth="repeat">
+      <a:schemeClr val="dk1"/>
+    </dgm:txFillClrLst>
+    <dgm:txEffectClrLst/>
+  </dgm:styleLbl>
+  <dgm:styleLbl name="solidFgAcc1">
+    <dgm:fillClrLst meth="repeat">
+      <a:schemeClr val="lt1"/>
+    </dgm:fillClrLst>
+    <dgm:linClrLst meth="repeat">
+      <a:schemeClr val="accent1"/>
+    </dgm:linClrLst>
+    <dgm:effectClrLst/>
+    <dgm:txLinClrLst/>
+    <dgm:txFillClrLst meth="repeat">
+      <a:schemeClr val="dk1"/>
+    </dgm:txFillClrLst>
+    <dgm:txEffectClrLst/>
+  </dgm:styleLbl>
+  <dgm:styleLbl name="solidAlignAcc1">
+    <dgm:fillClrLst meth="repeat">
+      <a:schemeClr val="lt1"/>
+    </dgm:fillClrLst>
+    <dgm:linClrLst meth="repeat">
+      <a:schemeClr val="accent1"/>
+    </dgm:linClrLst>
+    <dgm:effectClrLst/>
+    <dgm:txLinClrLst/>
+    <dgm:txFillClrLst meth="repeat">
+      <a:schemeClr val="dk1"/>
+    </dgm:txFillClrLst>
+    <dgm:txEffectClrLst/>
+  </dgm:styleLbl>
+  <dgm:styleLbl name="solidBgAcc1">
+    <dgm:fillClrLst meth="repeat">
+      <a:schemeClr val="lt1"/>
+    </dgm:fillClrLst>
+    <dgm:linClrLst meth="repeat">
+      <a:schemeClr val="accent1"/>
+    </dgm:linClrLst>
+    <dgm:effectClrLst/>
+    <dgm:txLinClrLst/>
+    <dgm:txFillClrLst meth="repeat">
+      <a:schemeClr val="dk1"/>
+    </dgm:txFillClrLst>
+    <dgm:txEffectClrLst/>
+  </dgm:styleLbl>
+  <dgm:styleLbl name="fgAccFollowNode1">
+    <dgm:fillClrLst meth="repeat">
+      <a:schemeClr val="accent1">
+        <a:alpha val="90000"/>
+        <a:tint val="40000"/>
+      </a:schemeClr>
+    </dgm:fillClrLst>
+    <dgm:linClrLst meth="repeat">
+      <a:schemeClr val="accent1">
+        <a:alpha val="90000"/>
+        <a:tint val="40000"/>
+      </a:schemeClr>
+    </dgm:linClrLst>
+    <dgm:effectClrLst/>
+    <dgm:txLinClrLst/>
+    <dgm:txFillClrLst meth="repeat">
+      <a:schemeClr val="dk1"/>
+    </dgm:txFillClrLst>
+    <dgm:txEffectClrLst/>
+  </dgm:styleLbl>
+  <dgm:styleLbl name="alignAccFollowNode1">
+    <dgm:fillClrLst meth="repeat">
+      <a:schemeClr val="accent1">
+        <a:alpha val="90000"/>
+        <a:tint val="40000"/>
+      </a:schemeClr>
+    </dgm:fillClrLst>
+    <dgm:linClrLst meth="repeat">
+      <a:schemeClr val="accent1">
+        <a:alpha val="90000"/>
+        <a:tint val="40000"/>
+      </a:schemeClr>
+    </dgm:linClrLst>
+    <dgm:effectClrLst/>
+    <dgm:txLinClrLst/>
+    <dgm:txFillClrLst meth="repeat">
+      <a:schemeClr val="dk1"/>
+    </dgm:txFillClrLst>
+    <dgm:txEffectClrLst/>
+  </dgm:styleLbl>
+  <dgm:styleLbl name="bgAccFollowNode1">
+    <dgm:fillClrLst meth="repeat">
+      <a:schemeClr val="accent1">
+        <a:alpha val="90000"/>
+        <a:tint val="40000"/>
+      </a:schemeClr>
+    </dgm:fillClrLst>
+    <dgm:linClrLst meth="repeat">
+      <a:schemeClr val="accent1">
+        <a:alpha val="90000"/>
+        <a:tint val="40000"/>
+      </a:schemeClr>
+    </dgm:linClrLst>
+    <dgm:effectClrLst/>
+    <dgm:txLinClrLst/>
+    <dgm:txFillClrLst meth="repeat">
+      <a:schemeClr val="dk1"/>
+    </dgm:txFillClrLst>
+    <dgm:txEffectClrLst/>
+  </dgm:styleLbl>
+  <dgm:styleLbl name="fgAcc0">
+    <dgm:fillClrLst meth="repeat">
+      <a:schemeClr val="lt1">
+        <a:alpha val="90000"/>
+      </a:schemeClr>
+    </dgm:fillClrLst>
+    <dgm:linClrLst meth="repeat">
+      <a:schemeClr val="accent1"/>
+    </dgm:linClrLst>
+    <dgm:effectClrLst/>
+    <dgm:txLinClrLst/>
+    <dgm:txFillClrLst meth="repeat">
+      <a:schemeClr val="dk1"/>
+    </dgm:txFillClrLst>
+    <dgm:txEffectClrLst/>
+  </dgm:styleLbl>
+  <dgm:styleLbl name="fgAcc2">
+    <dgm:fillClrLst meth="repeat">
+      <a:schemeClr val="lt1">
+        <a:alpha val="90000"/>
+      </a:schemeClr>
+    </dgm:fillClrLst>
+    <dgm:linClrLst meth="repeat">
+      <a:schemeClr val="accent1"/>
+    </dgm:linClrLst>
+    <dgm:effectClrLst/>
+    <dgm:txLinClrLst/>
+    <dgm:txFillClrLst meth="repeat">
+      <a:schemeClr val="dk1"/>
+    </dgm:txFillClrLst>
+    <dgm:txEffectClrLst/>
+  </dgm:styleLbl>
+  <dgm:styleLbl name="fgAcc3">
+    <dgm:fillClrLst meth="repeat">
+      <a:schemeClr val="lt1">
+        <a:alpha val="90000"/>
+      </a:schemeClr>
+    </dgm:fillClrLst>
+    <dgm:linClrLst meth="repeat">
+      <a:schemeClr val="accent1"/>
+    </dgm:linClrLst>
+    <dgm:effectClrLst/>
+    <dgm:txLinClrLst/>
+    <dgm:txFillClrLst meth="repeat">
+      <a:schemeClr val="dk1"/>
+    </dgm:txFillClrLst>
+    <dgm:txEffectClrLst/>
+  </dgm:styleLbl>
+  <dgm:styleLbl name="fgAcc4">
+    <dgm:fillClrLst meth="repeat">
+      <a:schemeClr val="lt1">
+        <a:alpha val="90000"/>
+      </a:schemeClr>
+    </dgm:fillClrLst>
+    <dgm:linClrLst meth="repeat">
+      <a:schemeClr val="accent1"/>
+    </dgm:linClrLst>
+    <dgm:effectClrLst/>
+    <dgm:txLinClrLst/>
+    <dgm:txFillClrLst meth="repeat">
+      <a:schemeClr val="dk1"/>
+    </dgm:txFillClrLst>
+    <dgm:txEffectClrLst/>
+  </dgm:styleLbl>
+  <dgm:styleLbl name="bgShp">
+    <dgm:fillClrLst meth="repeat">
+      <a:schemeClr val="accent1">
+        <a:tint val="40000"/>
+      </a:schemeClr>
+    </dgm:fillClrLst>
+    <dgm:linClrLst meth="repeat">
+      <a:schemeClr val="accent1"/>
+    </dgm:linClrLst>
+    <dgm:effectClrLst/>
+    <dgm:txLinClrLst/>
+    <dgm:txFillClrLst meth="repeat">
+      <a:schemeClr val="dk1"/>
+    </dgm:txFillClrLst>
+    <dgm:txEffectClrLst/>
+  </dgm:styleLbl>
+  <dgm:styleLbl name="dkBgShp">
+    <dgm:fillClrLst meth="repeat">
+      <a:schemeClr val="accent1">
+        <a:shade val="80000"/>
+      </a:schemeClr>
+    </dgm:fillClrLst>
+    <dgm:linClrLst meth="repeat">
+      <a:schemeClr val="accent1"/>
+    </dgm:linClrLst>
+    <dgm:effectClrLst/>
+    <dgm:txLinClrLst/>
+    <dgm:txFillClrLst meth="repeat">
+      <a:schemeClr val="lt1"/>
+    </dgm:txFillClrLst>
+    <dgm:txEffectClrLst/>
+  </dgm:styleLbl>
+  <dgm:styleLbl name="trBgShp">
+    <dgm:fillClrLst meth="repeat">
+      <a:schemeClr val="accent1">
+        <a:tint val="50000"/>
+        <a:alpha val="40000"/>
+      </a:schemeClr>
+    </dgm:fillClrLst>
+    <dgm:linClrLst meth="repeat">
+      <a:schemeClr val="accent1"/>
+    </dgm:linClrLst>
+    <dgm:effectClrLst/>
+    <dgm:txLinClrLst/>
+    <dgm:txFillClrLst meth="repeat">
+      <a:schemeClr val="lt1"/>
+    </dgm:txFillClrLst>
+    <dgm:txEffectClrLst/>
+  </dgm:styleLbl>
+  <dgm:styleLbl name="fgShp">
+    <dgm:fillClrLst meth="repeat">
+      <a:schemeClr val="accent1">
+        <a:tint val="60000"/>
+      </a:schemeClr>
+    </dgm:fillClrLst>
+    <dgm:linClrLst meth="repeat">
+      <a:schemeClr val="lt1"/>
+    </dgm:linClrLst>
+    <dgm:effectClrLst/>
+    <dgm:txLinClrLst/>
+    <dgm:txFillClrLst meth="repeat">
+      <a:schemeClr val="dk1"/>
+    </dgm:txFillClrLst>
+    <dgm:txEffectClrLst/>
+  </dgm:styleLbl>
+  <dgm:styleLbl name="revTx">
+    <dgm:fillClrLst meth="repeat">
+      <a:schemeClr val="lt1">
+        <a:alpha val="0"/>
+      </a:schemeClr>
+    </dgm:fillClrLst>
+    <dgm:linClrLst meth="repeat">
+      <a:schemeClr val="dk1">
+        <a:alpha val="0"/>
+      </a:schemeClr>
+    </dgm:linClrLst>
+    <dgm:effectClrLst/>
+    <dgm:txLinClrLst/>
+    <dgm:txFillClrLst meth="repeat">
+      <a:schemeClr val="tx1"/>
+    </dgm:txFillClrLst>
+    <dgm:txEffectClrLst/>
+  </dgm:styleLbl>
+</dgm:colorsDef>
+</file>
+
+<file path=ppt/diagrams/colors8.xml><?xml version="1.0" encoding="utf-8"?>
+<dgm:colorsDef xmlns:dgm="http://schemas.openxmlformats.org/drawingml/2006/diagram" xmlns:a="http://schemas.openxmlformats.org/drawingml/2006/main" uniqueId="urn:microsoft.com/office/officeart/2005/8/colors/accent1_2">
+  <dgm:title val=""/>
+  <dgm:desc val=""/>
+  <dgm:catLst>
+    <dgm:cat type="accent1" pri="11200"/>
+  </dgm:catLst>
+  <dgm:styleLbl name="node0">
+    <dgm:fillClrLst meth="repeat">
+      <a:schemeClr val="accent1"/>
+    </dgm:fillClrLst>
+    <dgm:linClrLst meth="repeat">
+      <a:schemeClr val="lt1"/>
+    </dgm:linClrLst>
+    <dgm:effectClrLst/>
+    <dgm:txLinClrLst/>
+    <dgm:txFillClrLst/>
+    <dgm:txEffectClrLst/>
+  </dgm:styleLbl>
+  <dgm:styleLbl name="alignNode1">
+    <dgm:fillClrLst meth="repeat">
+      <a:schemeClr val="accent1"/>
+    </dgm:fillClrLst>
+    <dgm:linClrLst meth="repeat">
+      <a:schemeClr val="accent1"/>
+    </dgm:linClrLst>
+    <dgm:effectClrLst/>
+    <dgm:txLinClrLst/>
+    <dgm:txFillClrLst/>
+    <dgm:txEffectClrLst/>
+  </dgm:styleLbl>
+  <dgm:styleLbl name="node1">
+    <dgm:fillClrLst meth="repeat">
+      <a:schemeClr val="accent1"/>
+    </dgm:fillClrLst>
+    <dgm:linClrLst meth="repeat">
+      <a:schemeClr val="lt1"/>
+    </dgm:linClrLst>
+    <dgm:effectClrLst/>
+    <dgm:txLinClrLst/>
+    <dgm:txFillClrLst/>
+    <dgm:txEffectClrLst/>
+  </dgm:styleLbl>
+  <dgm:styleLbl name="lnNode1">
+    <dgm:fillClrLst meth="repeat">
+      <a:schemeClr val="accent1"/>
+    </dgm:fillClrLst>
+    <dgm:linClrLst meth="repeat">
+      <a:schemeClr val="lt1"/>
+    </dgm:linClrLst>
+    <dgm:effectClrLst/>
+    <dgm:txLinClrLst/>
+    <dgm:txFillClrLst/>
+    <dgm:txEffectClrLst/>
+  </dgm:styleLbl>
+  <dgm:styleLbl name="vennNode1">
+    <dgm:fillClrLst meth="repeat">
+      <a:schemeClr val="accent1">
+        <a:alpha val="50000"/>
+      </a:schemeClr>
+    </dgm:fillClrLst>
+    <dgm:linClrLst meth="repeat">
+      <a:schemeClr val="lt1"/>
+    </dgm:linClrLst>
+    <dgm:effectClrLst/>
+    <dgm:txLinClrLst/>
+    <dgm:txFillClrLst/>
+    <dgm:txEffectClrLst/>
+  </dgm:styleLbl>
+  <dgm:styleLbl name="node2">
+    <dgm:fillClrLst meth="repeat">
+      <a:schemeClr val="accent1"/>
+    </dgm:fillClrLst>
+    <dgm:linClrLst meth="repeat">
+      <a:schemeClr val="lt1"/>
+    </dgm:linClrLst>
+    <dgm:effectClrLst/>
+    <dgm:txLinClrLst/>
+    <dgm:txFillClrLst/>
+    <dgm:txEffectClrLst/>
+  </dgm:styleLbl>
+  <dgm:styleLbl name="node3">
+    <dgm:fillClrLst meth="repeat">
+      <a:schemeClr val="accent1"/>
+    </dgm:fillClrLst>
+    <dgm:linClrLst meth="repeat">
+      <a:schemeClr val="lt1"/>
+    </dgm:linClrLst>
+    <dgm:effectClrLst/>
+    <dgm:txLinClrLst/>
+    <dgm:txFillClrLst/>
+    <dgm:txEffectClrLst/>
+  </dgm:styleLbl>
+  <dgm:styleLbl name="node4">
+    <dgm:fillClrLst meth="repeat">
+      <a:schemeClr val="accent1"/>
+    </dgm:fillClrLst>
+    <dgm:linClrLst meth="repeat">
+      <a:schemeClr val="lt1"/>
+    </dgm:linClrLst>
+    <dgm:effectClrLst/>
+    <dgm:txLinClrLst/>
+    <dgm:txFillClrLst/>
+    <dgm:txEffectClrLst/>
+  </dgm:styleLbl>
+  <dgm:styleLbl name="fgImgPlace1">
+    <dgm:fillClrLst meth="repeat">
+      <a:schemeClr val="accent1">
+        <a:tint val="50000"/>
+      </a:schemeClr>
+    </dgm:fillClrLst>
+    <dgm:linClrLst meth="repeat">
+      <a:schemeClr val="lt1"/>
+    </dgm:linClrLst>
+    <dgm:effectClrLst/>
+    <dgm:txLinClrLst/>
+    <dgm:txFillClrLst meth="repeat">
+      <a:schemeClr val="lt1"/>
+    </dgm:txFillClrLst>
+    <dgm:txEffectClrLst/>
+  </dgm:styleLbl>
+  <dgm:styleLbl name="alignImgPlace1">
+    <dgm:fillClrLst meth="repeat">
+      <a:schemeClr val="accent1">
+        <a:tint val="50000"/>
+      </a:schemeClr>
+    </dgm:fillClrLst>
+    <dgm:linClrLst meth="repeat">
+      <a:schemeClr val="lt1"/>
+    </dgm:linClrLst>
+    <dgm:effectClrLst/>
+    <dgm:txLinClrLst/>
+    <dgm:txFillClrLst meth="repeat">
+      <a:schemeClr val="lt1"/>
+    </dgm:txFillClrLst>
+    <dgm:txEffectClrLst/>
+  </dgm:styleLbl>
+  <dgm:styleLbl name="bgImgPlace1">
+    <dgm:fillClrLst meth="repeat">
+      <a:schemeClr val="accent1">
+        <a:tint val="50000"/>
+      </a:schemeClr>
+    </dgm:fillClrLst>
+    <dgm:linClrLst meth="repeat">
+      <a:schemeClr val="lt1"/>
+    </dgm:linClrLst>
+    <dgm:effectClrLst/>
+    <dgm:txLinClrLst/>
+    <dgm:txFillClrLst meth="repeat">
+      <a:schemeClr val="lt1"/>
+    </dgm:txFillClrLst>
+    <dgm:txEffectClrLst/>
+  </dgm:styleLbl>
+  <dgm:styleLbl name="sibTrans2D1">
+    <dgm:fillClrLst meth="repeat">
+      <a:schemeClr val="accent1">
+        <a:tint val="60000"/>
+      </a:schemeClr>
+    </dgm:fillClrLst>
+    <dgm:linClrLst meth="repeat">
+      <a:schemeClr val="accent1">
+        <a:tint val="60000"/>
+      </a:schemeClr>
+    </dgm:linClrLst>
+    <dgm:effectClrLst/>
+    <dgm:txLinClrLst/>
+    <dgm:txFillClrLst/>
+    <dgm:txEffectClrLst/>
+  </dgm:styleLbl>
+  <dgm:styleLbl name="fgSibTrans2D1">
+    <dgm:fillClrLst meth="repeat">
+      <a:schemeClr val="accent1">
+        <a:tint val="60000"/>
+      </a:schemeClr>
+    </dgm:fillClrLst>
+    <dgm:linClrLst meth="repeat">
+      <a:schemeClr val="accent1">
+        <a:tint val="60000"/>
+      </a:schemeClr>
+    </dgm:linClrLst>
+    <dgm:effectClrLst/>
+    <dgm:txLinClrLst/>
+    <dgm:txFillClrLst/>
+    <dgm:txEffectClrLst/>
+  </dgm:styleLbl>
+  <dgm:styleLbl name="bgSibTrans2D1">
+    <dgm:fillClrLst meth="repeat">
+      <a:schemeClr val="accent1">
+        <a:tint val="60000"/>
+      </a:schemeClr>
+    </dgm:fillClrLst>
+    <dgm:linClrLst meth="repeat">
+      <a:schemeClr val="accent1">
+        <a:tint val="60000"/>
+      </a:schemeClr>
+    </dgm:linClrLst>
+    <dgm:effectClrLst/>
+    <dgm:txLinClrLst/>
+    <dgm:txFillClrLst/>
+    <dgm:txEffectClrLst/>
+  </dgm:styleLbl>
+  <dgm:styleLbl name="sibTrans1D1">
+    <dgm:fillClrLst meth="repeat">
+      <a:schemeClr val="accent1"/>
+    </dgm:fillClrLst>
+    <dgm:linClrLst meth="repeat">
+      <a:schemeClr val="accent1"/>
+    </dgm:linClrLst>
+    <dgm:effectClrLst/>
+    <dgm:txLinClrLst/>
+    <dgm:txFillClrLst meth="repeat">
+      <a:schemeClr val="tx1"/>
+    </dgm:txFillClrLst>
+    <dgm:txEffectClrLst/>
+  </dgm:styleLbl>
+  <dgm:styleLbl name="callout">
+    <dgm:fillClrLst meth="repeat">
+      <a:schemeClr val="accent1"/>
+    </dgm:fillClrLst>
+    <dgm:linClrLst meth="repeat">
+      <a:schemeClr val="accent1">
+        <a:tint val="50000"/>
+      </a:schemeClr>
+    </dgm:linClrLst>
+    <dgm:effectClrLst/>
+    <dgm:txLinClrLst/>
+    <dgm:txFillClrLst meth="repeat">
+      <a:schemeClr val="tx1"/>
+    </dgm:txFillClrLst>
+    <dgm:txEffectClrLst/>
+  </dgm:styleLbl>
+  <dgm:styleLbl name="asst0">
+    <dgm:fillClrLst meth="repeat">
+      <a:schemeClr val="accent1"/>
+    </dgm:fillClrLst>
+    <dgm:linClrLst meth="repeat">
+      <a:schemeClr val="lt1"/>
+    </dgm:linClrLst>
+    <dgm:effectClrLst/>
+    <dgm:txLinClrLst/>
+    <dgm:txFillClrLst/>
+    <dgm:txEffectClrLst/>
+  </dgm:styleLbl>
+  <dgm:styleLbl name="asst1">
+    <dgm:fillClrLst meth="repeat">
+      <a:schemeClr val="accent1"/>
+    </dgm:fillClrLst>
+    <dgm:linClrLst meth="repeat">
+      <a:schemeClr val="lt1"/>
+    </dgm:linClrLst>
+    <dgm:effectClrLst/>
+    <dgm:txLinClrLst/>
+    <dgm:txFillClrLst/>
+    <dgm:txEffectClrLst/>
+  </dgm:styleLbl>
+  <dgm:styleLbl name="asst2">
+    <dgm:fillClrLst meth="repeat">
+      <a:schemeClr val="accent1"/>
+    </dgm:fillClrLst>
+    <dgm:linClrLst meth="repeat">
+      <a:schemeClr val="lt1"/>
+    </dgm:linClrLst>
+    <dgm:effectClrLst/>
+    <dgm:txLinClrLst/>
+    <dgm:txFillClrLst/>
+    <dgm:txEffectClrLst/>
+  </dgm:styleLbl>
+  <dgm:styleLbl name="asst3">
+    <dgm:fillClrLst meth="repeat">
+      <a:schemeClr val="accent1"/>
+    </dgm:fillClrLst>
+    <dgm:linClrLst meth="repeat">
+      <a:schemeClr val="lt1"/>
+    </dgm:linClrLst>
+    <dgm:effectClrLst/>
+    <dgm:txLinClrLst/>
+    <dgm:txFillClrLst/>
+    <dgm:txEffectClrLst/>
+  </dgm:styleLbl>
+  <dgm:styleLbl name="asst4">
+    <dgm:fillClrLst meth="repeat">
+      <a:schemeClr val="accent1"/>
+    </dgm:fillClrLst>
+    <dgm:linClrLst meth="repeat">
+      <a:schemeClr val="lt1"/>
+    </dgm:linClrLst>
+    <dgm:effectClrLst/>
+    <dgm:txLinClrLst/>
+    <dgm:txFillClrLst/>
+    <dgm:txEffectClrLst/>
+  </dgm:styleLbl>
+  <dgm:styleLbl name="parChTrans2D1">
+    <dgm:fillClrLst meth="repeat">
+      <a:schemeClr val="accent1">
+        <a:tint val="60000"/>
+      </a:schemeClr>
+    </dgm:fillClrLst>
+    <dgm:linClrLst meth="repeat">
+      <a:schemeClr val="accent1">
+        <a:tint val="60000"/>
+      </a:schemeClr>
+    </dgm:linClrLst>
+    <dgm:effectClrLst/>
+    <dgm:txLinClrLst/>
+    <dgm:txFillClrLst meth="repeat">
+      <a:schemeClr val="lt1"/>
+    </dgm:txFillClrLst>
+    <dgm:txEffectClrLst/>
+  </dgm:styleLbl>
+  <dgm:styleLbl name="parChTrans2D2">
+    <dgm:fillClrLst meth="repeat">
+      <a:schemeClr val="accent1"/>
+    </dgm:fillClrLst>
+    <dgm:linClrLst meth="repeat">
+      <a:schemeClr val="accent1"/>
+    </dgm:linClrLst>
+    <dgm:effectClrLst/>
+    <dgm:txLinClrLst/>
+    <dgm:txFillClrLst meth="repeat">
+      <a:schemeClr val="lt1"/>
+    </dgm:txFillClrLst>
+    <dgm:txEffectClrLst/>
+  </dgm:styleLbl>
+  <dgm:styleLbl name="parChTrans2D3">
+    <dgm:fillClrLst meth="repeat">
+      <a:schemeClr val="accent1"/>
+    </dgm:fillClrLst>
+    <dgm:linClrLst meth="repeat">
+      <a:schemeClr val="accent1"/>
+    </dgm:linClrLst>
+    <dgm:effectClrLst/>
+    <dgm:txLinClrLst/>
+    <dgm:txFillClrLst meth="repeat">
+      <a:schemeClr val="lt1"/>
+    </dgm:txFillClrLst>
+    <dgm:txEffectClrLst/>
+  </dgm:styleLbl>
+  <dgm:styleLbl name="parChTrans2D4">
+    <dgm:fillClrLst meth="repeat">
+      <a:schemeClr val="accent1"/>
+    </dgm:fillClrLst>
+    <dgm:linClrLst meth="repeat">
+      <a:schemeClr val="accent1"/>
+    </dgm:linClrLst>
+    <dgm:effectClrLst/>
+    <dgm:txLinClrLst/>
+    <dgm:txFillClrLst meth="repeat">
+      <a:schemeClr val="lt1"/>
+    </dgm:txFillClrLst>
+    <dgm:txEffectClrLst/>
+  </dgm:styleLbl>
+  <dgm:styleLbl name="parChTrans1D1">
+    <dgm:fillClrLst meth="repeat">
+      <a:schemeClr val="accent1"/>
+    </dgm:fillClrLst>
+    <dgm:linClrLst meth="repeat">
+      <a:schemeClr val="accent1">
+        <a:shade val="60000"/>
+      </a:schemeClr>
+    </dgm:linClrLst>
+    <dgm:effectClrLst/>
+    <dgm:txLinClrLst/>
+    <dgm:txFillClrLst meth="repeat">
+      <a:schemeClr val="tx1"/>
+    </dgm:txFillClrLst>
+    <dgm:txEffectClrLst/>
+  </dgm:styleLbl>
+  <dgm:styleLbl name="parChTrans1D2">
+    <dgm:fillClrLst meth="repeat">
+      <a:schemeClr val="accent1"/>
+    </dgm:fillClrLst>
+    <dgm:linClrLst meth="repeat">
+      <a:schemeClr val="accent1">
+        <a:shade val="60000"/>
+      </a:schemeClr>
+    </dgm:linClrLst>
+    <dgm:effectClrLst/>
+    <dgm:txLinClrLst/>
+    <dgm:txFillClrLst meth="repeat">
+      <a:schemeClr val="tx1"/>
+    </dgm:txFillClrLst>
+    <dgm:txEffectClrLst/>
+  </dgm:styleLbl>
+  <dgm:styleLbl name="parChTrans1D3">
+    <dgm:fillClrLst meth="repeat">
+      <a:schemeClr val="accent1"/>
+    </dgm:fillClrLst>
+    <dgm:linClrLst meth="repeat">
+      <a:schemeClr val="accent1">
+        <a:shade val="80000"/>
+      </a:schemeClr>
+    </dgm:linClrLst>
+    <dgm:effectClrLst/>
+    <dgm:txLinClrLst/>
+    <dgm:txFillClrLst meth="repeat">
+      <a:schemeClr val="tx1"/>
+    </dgm:txFillClrLst>
+    <dgm:txEffectClrLst/>
+  </dgm:styleLbl>
+  <dgm:styleLbl name="parChTrans1D4">
+    <dgm:fillClrLst meth="repeat">
+      <a:schemeClr val="accent1"/>
+    </dgm:fillClrLst>
+    <dgm:linClrLst meth="repeat">
+      <a:schemeClr val="accent1">
+        <a:shade val="80000"/>
+      </a:schemeClr>
+    </dgm:linClrLst>
+    <dgm:effectClrLst/>
+    <dgm:txLinClrLst/>
+    <dgm:txFillClrLst meth="repeat">
+      <a:schemeClr val="tx1"/>
+    </dgm:txFillClrLst>
+    <dgm:txEffectClrLst/>
+  </dgm:styleLbl>
+  <dgm:styleLbl name="fgAcc1">
+    <dgm:fillClrLst meth="repeat">
+      <a:schemeClr val="lt1">
+        <a:alpha val="90000"/>
+      </a:schemeClr>
+    </dgm:fillClrLst>
+    <dgm:linClrLst meth="repeat">
+      <a:schemeClr val="accent1"/>
+    </dgm:linClrLst>
+    <dgm:effectClrLst/>
+    <dgm:txLinClrLst/>
+    <dgm:txFillClrLst meth="repeat">
+      <a:schemeClr val="dk1"/>
+    </dgm:txFillClrLst>
+    <dgm:txEffectClrLst/>
+  </dgm:styleLbl>
+  <dgm:styleLbl name="conFgAcc1">
+    <dgm:fillClrLst meth="repeat">
+      <a:schemeClr val="lt1">
+        <a:alpha val="90000"/>
+      </a:schemeClr>
+    </dgm:fillClrLst>
+    <dgm:linClrLst meth="repeat">
+      <a:schemeClr val="accent1"/>
+    </dgm:linClrLst>
+    <dgm:effectClrLst/>
+    <dgm:txLinClrLst/>
+    <dgm:txFillClrLst meth="repeat">
+      <a:schemeClr val="dk1"/>
+    </dgm:txFillClrLst>
+    <dgm:txEffectClrLst/>
+  </dgm:styleLbl>
+  <dgm:styleLbl name="alignAcc1">
+    <dgm:fillClrLst meth="repeat">
+      <a:schemeClr val="lt1">
+        <a:alpha val="90000"/>
+      </a:schemeClr>
+    </dgm:fillClrLst>
+    <dgm:linClrLst meth="repeat">
+      <a:schemeClr val="accent1"/>
+    </dgm:linClrLst>
+    <dgm:effectClrLst/>
+    <dgm:txLinClrLst/>
+    <dgm:txFillClrLst meth="repeat">
+      <a:schemeClr val="dk1"/>
+    </dgm:txFillClrLst>
+    <dgm:txEffectClrLst/>
+  </dgm:styleLbl>
+  <dgm:styleLbl name="trAlignAcc1">
+    <dgm:fillClrLst meth="repeat">
+      <a:schemeClr val="lt1">
+        <a:alpha val="40000"/>
+      </a:schemeClr>
+    </dgm:fillClrLst>
+    <dgm:linClrLst meth="repeat">
+      <a:schemeClr val="accent1"/>
+    </dgm:linClrLst>
+    <dgm:effectClrLst/>
+    <dgm:txLinClrLst/>
+    <dgm:txFillClrLst meth="repeat">
+      <a:schemeClr val="dk1"/>
+    </dgm:txFillClrLst>
+    <dgm:txEffectClrLst/>
+  </dgm:styleLbl>
+  <dgm:styleLbl name="bgAcc1">
+    <dgm:fillClrLst meth="repeat">
+      <a:schemeClr val="lt1">
+        <a:alpha val="90000"/>
+      </a:schemeClr>
+    </dgm:fillClrLst>
+    <dgm:linClrLst meth="repeat">
+      <a:schemeClr val="accent1"/>
+    </dgm:linClrLst>
+    <dgm:effectClrLst/>
+    <dgm:txLinClrLst/>
+    <dgm:txFillClrLst meth="repeat">
+      <a:schemeClr val="dk1"/>
+    </dgm:txFillClrLst>
+    <dgm:txEffectClrLst/>
+  </dgm:styleLbl>
+  <dgm:styleLbl name="solidFgAcc1">
+    <dgm:fillClrLst meth="repeat">
+      <a:schemeClr val="lt1"/>
+    </dgm:fillClrLst>
+    <dgm:linClrLst meth="repeat">
+      <a:schemeClr val="accent1"/>
+    </dgm:linClrLst>
+    <dgm:effectClrLst/>
+    <dgm:txLinClrLst/>
+    <dgm:txFillClrLst meth="repeat">
+      <a:schemeClr val="dk1"/>
+    </dgm:txFillClrLst>
+    <dgm:txEffectClrLst/>
+  </dgm:styleLbl>
+  <dgm:styleLbl name="solidAlignAcc1">
+    <dgm:fillClrLst meth="repeat">
+      <a:schemeClr val="lt1"/>
+    </dgm:fillClrLst>
+    <dgm:linClrLst meth="repeat">
+      <a:schemeClr val="accent1"/>
+    </dgm:linClrLst>
+    <dgm:effectClrLst/>
+    <dgm:txLinClrLst/>
+    <dgm:txFillClrLst meth="repeat">
+      <a:schemeClr val="dk1"/>
+    </dgm:txFillClrLst>
+    <dgm:txEffectClrLst/>
+  </dgm:styleLbl>
+  <dgm:styleLbl name="solidBgAcc1">
+    <dgm:fillClrLst meth="repeat">
+      <a:schemeClr val="lt1"/>
+    </dgm:fillClrLst>
+    <dgm:linClrLst meth="repeat">
+      <a:schemeClr val="accent1"/>
+    </dgm:linClrLst>
+    <dgm:effectClrLst/>
+    <dgm:txLinClrLst/>
+    <dgm:txFillClrLst meth="repeat">
+      <a:schemeClr val="dk1"/>
+    </dgm:txFillClrLst>
+    <dgm:txEffectClrLst/>
+  </dgm:styleLbl>
+  <dgm:styleLbl name="fgAccFollowNode1">
+    <dgm:fillClrLst meth="repeat">
+      <a:schemeClr val="accent1">
+        <a:alpha val="90000"/>
+        <a:tint val="40000"/>
+      </a:schemeClr>
+    </dgm:fillClrLst>
+    <dgm:linClrLst meth="repeat">
+      <a:schemeClr val="accent1">
+        <a:alpha val="90000"/>
+        <a:tint val="40000"/>
+      </a:schemeClr>
+    </dgm:linClrLst>
+    <dgm:effectClrLst/>
+    <dgm:txLinClrLst/>
+    <dgm:txFillClrLst meth="repeat">
+      <a:schemeClr val="dk1"/>
+    </dgm:txFillClrLst>
+    <dgm:txEffectClrLst/>
+  </dgm:styleLbl>
+  <dgm:styleLbl name="alignAccFollowNode1">
+    <dgm:fillClrLst meth="repeat">
+      <a:schemeClr val="accent1">
+        <a:alpha val="90000"/>
+        <a:tint val="40000"/>
+      </a:schemeClr>
+    </dgm:fillClrLst>
+    <dgm:linClrLst meth="repeat">
+      <a:schemeClr val="accent1">
+        <a:alpha val="90000"/>
+        <a:tint val="40000"/>
+      </a:schemeClr>
+    </dgm:linClrLst>
+    <dgm:effectClrLst/>
+    <dgm:txLinClrLst/>
+    <dgm:txFillClrLst meth="repeat">
+      <a:schemeClr val="dk1"/>
+    </dgm:txFillClrLst>
+    <dgm:txEffectClrLst/>
+  </dgm:styleLbl>
+  <dgm:styleLbl name="bgAccFollowNode1">
+    <dgm:fillClrLst meth="repeat">
+      <a:schemeClr val="accent1">
+        <a:alpha val="90000"/>
+        <a:tint val="40000"/>
+      </a:schemeClr>
+    </dgm:fillClrLst>
+    <dgm:linClrLst meth="repeat">
+      <a:schemeClr val="accent1">
+        <a:alpha val="90000"/>
+        <a:tint val="40000"/>
+      </a:schemeClr>
+    </dgm:linClrLst>
+    <dgm:effectClrLst/>
+    <dgm:txLinClrLst/>
+    <dgm:txFillClrLst meth="repeat">
+      <a:schemeClr val="dk1"/>
+    </dgm:txFillClrLst>
+    <dgm:txEffectClrLst/>
+  </dgm:styleLbl>
+  <dgm:styleLbl name="fgAcc0">
+    <dgm:fillClrLst meth="repeat">
+      <a:schemeClr val="lt1">
+        <a:alpha val="90000"/>
+      </a:schemeClr>
+    </dgm:fillClrLst>
+    <dgm:linClrLst meth="repeat">
+      <a:schemeClr val="accent1"/>
+    </dgm:linClrLst>
+    <dgm:effectClrLst/>
+    <dgm:txLinClrLst/>
+    <dgm:txFillClrLst meth="repeat">
+      <a:schemeClr val="dk1"/>
+    </dgm:txFillClrLst>
+    <dgm:txEffectClrLst/>
+  </dgm:styleLbl>
+  <dgm:styleLbl name="fgAcc2">
+    <dgm:fillClrLst meth="repeat">
+      <a:schemeClr val="lt1">
+        <a:alpha val="90000"/>
+      </a:schemeClr>
+    </dgm:fillClrLst>
+    <dgm:linClrLst meth="repeat">
+      <a:schemeClr val="accent1"/>
+    </dgm:linClrLst>
+    <dgm:effectClrLst/>
+    <dgm:txLinClrLst/>
+    <dgm:txFillClrLst meth="repeat">
+      <a:schemeClr val="dk1"/>
+    </dgm:txFillClrLst>
+    <dgm:txEffectClrLst/>
+  </dgm:styleLbl>
+  <dgm:styleLbl name="fgAcc3">
+    <dgm:fillClrLst meth="repeat">
+      <a:schemeClr val="lt1">
+        <a:alpha val="90000"/>
+      </a:schemeClr>
+    </dgm:fillClrLst>
+    <dgm:linClrLst meth="repeat">
+      <a:schemeClr val="accent1"/>
+    </dgm:linClrLst>
+    <dgm:effectClrLst/>
+    <dgm:txLinClrLst/>
+    <dgm:txFillClrLst meth="repeat">
+      <a:schemeClr val="dk1"/>
+    </dgm:txFillClrLst>
+    <dgm:txEffectClrLst/>
+  </dgm:styleLbl>
+  <dgm:styleLbl name="fgAcc4">
+    <dgm:fillClrLst meth="repeat">
+      <a:schemeClr val="lt1">
+        <a:alpha val="90000"/>
+      </a:schemeClr>
+    </dgm:fillClrLst>
+    <dgm:linClrLst meth="repeat">
+      <a:schemeClr val="accent1"/>
+    </dgm:linClrLst>
+    <dgm:effectClrLst/>
+    <dgm:txLinClrLst/>
+    <dgm:txFillClrLst meth="repeat">
+      <a:schemeClr val="dk1"/>
+    </dgm:txFillClrLst>
+    <dgm:txEffectClrLst/>
+  </dgm:styleLbl>
+  <dgm:styleLbl name="bgShp">
+    <dgm:fillClrLst meth="repeat">
+      <a:schemeClr val="accent1">
+        <a:tint val="40000"/>
+      </a:schemeClr>
+    </dgm:fillClrLst>
+    <dgm:linClrLst meth="repeat">
+      <a:schemeClr val="accent1"/>
+    </dgm:linClrLst>
+    <dgm:effectClrLst/>
+    <dgm:txLinClrLst/>
+    <dgm:txFillClrLst meth="repeat">
+      <a:schemeClr val="dk1"/>
+    </dgm:txFillClrLst>
+    <dgm:txEffectClrLst/>
+  </dgm:styleLbl>
+  <dgm:styleLbl name="dkBgShp">
+    <dgm:fillClrLst meth="repeat">
+      <a:schemeClr val="accent1">
+        <a:shade val="80000"/>
+      </a:schemeClr>
+    </dgm:fillClrLst>
+    <dgm:linClrLst meth="repeat">
+      <a:schemeClr val="accent1"/>
+    </dgm:linClrLst>
+    <dgm:effectClrLst/>
+    <dgm:txLinClrLst/>
+    <dgm:txFillClrLst meth="repeat">
+      <a:schemeClr val="lt1"/>
+    </dgm:txFillClrLst>
+    <dgm:txEffectClrLst/>
+  </dgm:styleLbl>
+  <dgm:styleLbl name="trBgShp">
+    <dgm:fillClrLst meth="repeat">
+      <a:schemeClr val="accent1">
+        <a:tint val="50000"/>
+        <a:alpha val="40000"/>
+      </a:schemeClr>
+    </dgm:fillClrLst>
+    <dgm:linClrLst meth="repeat">
+      <a:schemeClr val="accent1"/>
+    </dgm:linClrLst>
+    <dgm:effectClrLst/>
+    <dgm:txLinClrLst/>
+    <dgm:txFillClrLst meth="repeat">
+      <a:schemeClr val="lt1"/>
+    </dgm:txFillClrLst>
+    <dgm:txEffectClrLst/>
+  </dgm:styleLbl>
+  <dgm:styleLbl name="fgShp">
+    <dgm:fillClrLst meth="repeat">
+      <a:schemeClr val="accent1">
+        <a:tint val="60000"/>
+      </a:schemeClr>
+    </dgm:fillClrLst>
+    <dgm:linClrLst meth="repeat">
+      <a:schemeClr val="lt1"/>
+    </dgm:linClrLst>
+    <dgm:effectClrLst/>
+    <dgm:txLinClrLst/>
+    <dgm:txFillClrLst meth="repeat">
+      <a:schemeClr val="dk1"/>
+    </dgm:txFillClrLst>
+    <dgm:txEffectClrLst/>
+  </dgm:styleLbl>
+  <dgm:styleLbl name="revTx">
+    <dgm:fillClrLst meth="repeat">
+      <a:schemeClr val="lt1">
+        <a:alpha val="0"/>
+      </a:schemeClr>
+    </dgm:fillClrLst>
+    <dgm:linClrLst meth="repeat">
+      <a:schemeClr val="dk1">
+        <a:alpha val="0"/>
+      </a:schemeClr>
+    </dgm:linClrLst>
+    <dgm:effectClrLst/>
+    <dgm:txLinClrLst/>
+    <dgm:txFillClrLst meth="repeat">
+      <a:schemeClr val="tx1"/>
+    </dgm:txFillClrLst>
+    <dgm:txEffectClrLst/>
+  </dgm:styleLbl>
+</dgm:colorsDef>
+</file>
+
+<file path=ppt/diagrams/colors9.xml><?xml version="1.0" encoding="utf-8"?>
 <dgm:colorsDef xmlns:dgm="http://schemas.openxmlformats.org/drawingml/2006/diagram" xmlns:a="http://schemas.openxmlformats.org/drawingml/2006/main" uniqueId="urn:microsoft.com/office/officeart/2005/8/colors/accent1_2">
   <dgm:title val=""/>
   <dgm:desc val=""/>
@@ -5903,7 +8148,7 @@
         <a:p>
           <a:r>
             <a:rPr lang="en-AU" dirty="0"/>
-            <a:t>3D development</a:t>
+            <a:t>Game development</a:t>
           </a:r>
         </a:p>
       </dgm:t>
@@ -6049,7 +8294,7 @@
       </dgm:spPr>
       <dgm:extLst>
         <a:ext uri="{E40237B7-FDA0-4F09-8148-C483321AD2D9}">
-          <dgm14:cNvPr xmlns:dgm14="http://schemas.microsoft.com/office/drawing/2010/diagram" id="0" name="" descr="Architecture with solid fill"/>
+          <dgm14:cNvPr xmlns:dgm14="http://schemas.microsoft.com/office/drawing/2010/diagram" id="0" name="" descr="Chess pieces outline"/>
         </a:ext>
       </dgm:extLst>
     </dgm:pt>
@@ -6086,7 +8331,7 @@
   <dgm:whole/>
   <dgm:extLst>
     <a:ext uri="http://schemas.microsoft.com/office/drawing/2008/diagram">
-      <dsp:dataModelExt xmlns:dsp="http://schemas.microsoft.com/office/drawing/2008/diagram" relId="rId8" minVer="http://schemas.openxmlformats.org/drawingml/2006/diagram"/>
+      <dsp:dataModelExt xmlns:dsp="http://schemas.microsoft.com/office/drawing/2008/diagram" relId="rId9" minVer="http://schemas.openxmlformats.org/drawingml/2006/diagram"/>
     </a:ext>
   </dgm:extLst>
 </dgm:dataModel>
@@ -6180,7 +8425,7 @@
         <a:p>
           <a:r>
             <a:rPr lang="en-AU" dirty="0"/>
-            <a:t>3D development</a:t>
+            <a:t>Game development</a:t>
           </a:r>
         </a:p>
       </dgm:t>
@@ -6324,7 +8569,7 @@
         <a:p>
           <a:r>
             <a:rPr lang="en-AU" dirty="0"/>
-            <a:t>B</a:t>
+            <a:t>Building and installing</a:t>
           </a:r>
         </a:p>
       </dgm:t>
@@ -6360,7 +8605,7 @@
         <a:p>
           <a:r>
             <a:rPr lang="en-AU" dirty="0"/>
-            <a:t>c</a:t>
+            <a:t>Monitoring and review</a:t>
           </a:r>
         </a:p>
       </dgm:t>
@@ -6631,7 +8876,7 @@
     <dgm:pt modelId="{76A64D2B-E04A-4B55-BA01-5FA1EEEE6335}" type="pres">
       <dgm:prSet presAssocID="{0FCD8E73-02B2-4877-8C22-1BA436C15E9A}" presName="imgShp" presStyleLbl="fgImgPlace1" presStyleIdx="2" presStyleCnt="3"/>
       <dgm:spPr>
-        <a:blipFill>
+        <a:blipFill rotWithShape="1">
           <a:blip xmlns:r="http://schemas.openxmlformats.org/officeDocument/2006/relationships" r:embed="rId5">
             <a:extLst>
               <a:ext uri="{96DAC541-7B7A-43D3-8B79-37D633B846F1}">
@@ -6712,6 +8957,49 @@
 </file>
 
 <file path=ppt/diagrams/data6.xml><?xml version="1.0" encoding="utf-8"?>
+<dgm:dataModel xmlns:dgm="http://schemas.openxmlformats.org/drawingml/2006/diagram" xmlns:a="http://schemas.openxmlformats.org/drawingml/2006/main">
+  <dgm:ptLst>
+    <dgm:pt modelId="{B8BEE4BA-0747-4FB4-AD09-FEA58D4F2A28}" type="doc">
+      <dgm:prSet loTypeId="urn:microsoft.com/office/officeart/2005/8/layout/vList3" loCatId="list" qsTypeId="urn:microsoft.com/office/officeart/2005/8/quickstyle/simple1" qsCatId="simple" csTypeId="urn:microsoft.com/office/officeart/2005/8/colors/accent1_2" csCatId="accent1" phldr="1"/>
+      <dgm:spPr/>
+    </dgm:pt>
+    <dgm:pt modelId="{97A349F9-DA7F-4827-81C8-E7F0D42095C1}" type="pres">
+      <dgm:prSet presAssocID="{B8BEE4BA-0747-4FB4-AD09-FEA58D4F2A28}" presName="linearFlow" presStyleCnt="0">
+        <dgm:presLayoutVars>
+          <dgm:dir/>
+          <dgm:resizeHandles val="exact"/>
+        </dgm:presLayoutVars>
+      </dgm:prSet>
+      <dgm:spPr/>
+    </dgm:pt>
+  </dgm:ptLst>
+  <dgm:cxnLst>
+    <dgm:cxn modelId="{F45650F3-A727-4C5D-91AC-E37CE1CF9166}" type="presOf" srcId="{B8BEE4BA-0747-4FB4-AD09-FEA58D4F2A28}" destId="{97A349F9-DA7F-4827-81C8-E7F0D42095C1}" srcOrd="0" destOrd="0" presId="urn:microsoft.com/office/officeart/2005/8/layout/vList3"/>
+  </dgm:cxnLst>
+  <dgm:bg>
+    <a:blipFill>
+      <a:blip xmlns:r="http://schemas.openxmlformats.org/officeDocument/2006/relationships" r:embed="rId1"/>
+      <a:stretch>
+        <a:fillRect/>
+      </a:stretch>
+    </a:blipFill>
+  </dgm:bg>
+  <dgm:whole>
+    <a:ln w="76200">
+      <a:solidFill>
+        <a:schemeClr val="accent1"/>
+      </a:solidFill>
+    </a:ln>
+  </dgm:whole>
+  <dgm:extLst>
+    <a:ext uri="http://schemas.microsoft.com/office/drawing/2008/diagram">
+      <dsp:dataModelExt xmlns:dsp="http://schemas.microsoft.com/office/drawing/2008/diagram" relId="rId9" minVer="http://schemas.openxmlformats.org/drawingml/2006/diagram"/>
+    </a:ext>
+  </dgm:extLst>
+</dgm:dataModel>
+</file>
+
+<file path=ppt/diagrams/data7.xml><?xml version="1.0" encoding="utf-8"?>
 <dgm:dataModel xmlns:dgm="http://schemas.openxmlformats.org/drawingml/2006/diagram" xmlns:a="http://schemas.openxmlformats.org/drawingml/2006/main">
   <dgm:ptLst>
     <dgm:pt modelId="{B8BEE4BA-0747-4FB4-AD09-FEA58D4F2A28}" type="doc">
@@ -6982,7 +9270,93 @@
   <dgm:whole/>
   <dgm:extLst>
     <a:ext uri="http://schemas.microsoft.com/office/drawing/2008/diagram">
-      <dsp:dataModelExt xmlns:dsp="http://schemas.microsoft.com/office/drawing/2008/diagram" relId="rId8" minVer="http://schemas.openxmlformats.org/drawingml/2006/diagram"/>
+      <dsp:dataModelExt xmlns:dsp="http://schemas.microsoft.com/office/drawing/2008/diagram" relId="rId9" minVer="http://schemas.openxmlformats.org/drawingml/2006/diagram"/>
+    </a:ext>
+  </dgm:extLst>
+</dgm:dataModel>
+</file>
+
+<file path=ppt/diagrams/data8.xml><?xml version="1.0" encoding="utf-8"?>
+<dgm:dataModel xmlns:dgm="http://schemas.openxmlformats.org/drawingml/2006/diagram" xmlns:a="http://schemas.openxmlformats.org/drawingml/2006/main">
+  <dgm:ptLst>
+    <dgm:pt modelId="{B8BEE4BA-0747-4FB4-AD09-FEA58D4F2A28}" type="doc">
+      <dgm:prSet loTypeId="urn:microsoft.com/office/officeart/2005/8/layout/vList3" loCatId="list" qsTypeId="urn:microsoft.com/office/officeart/2005/8/quickstyle/simple1" qsCatId="simple" csTypeId="urn:microsoft.com/office/officeart/2005/8/colors/accent1_2" csCatId="accent1" phldr="1"/>
+      <dgm:spPr/>
+    </dgm:pt>
+    <dgm:pt modelId="{97A349F9-DA7F-4827-81C8-E7F0D42095C1}" type="pres">
+      <dgm:prSet presAssocID="{B8BEE4BA-0747-4FB4-AD09-FEA58D4F2A28}" presName="linearFlow" presStyleCnt="0">
+        <dgm:presLayoutVars>
+          <dgm:dir/>
+          <dgm:resizeHandles val="exact"/>
+        </dgm:presLayoutVars>
+      </dgm:prSet>
+      <dgm:spPr/>
+    </dgm:pt>
+  </dgm:ptLst>
+  <dgm:cxnLst>
+    <dgm:cxn modelId="{F45650F3-A727-4C5D-91AC-E37CE1CF9166}" type="presOf" srcId="{B8BEE4BA-0747-4FB4-AD09-FEA58D4F2A28}" destId="{97A349F9-DA7F-4827-81C8-E7F0D42095C1}" srcOrd="0" destOrd="0" presId="urn:microsoft.com/office/officeart/2005/8/layout/vList3"/>
+  </dgm:cxnLst>
+  <dgm:bg>
+    <a:blipFill>
+      <a:blip xmlns:r="http://schemas.openxmlformats.org/officeDocument/2006/relationships" r:embed="rId1"/>
+      <a:stretch>
+        <a:fillRect/>
+      </a:stretch>
+    </a:blipFill>
+  </dgm:bg>
+  <dgm:whole>
+    <a:ln w="76200">
+      <a:solidFill>
+        <a:schemeClr val="accent1"/>
+      </a:solidFill>
+    </a:ln>
+  </dgm:whole>
+  <dgm:extLst>
+    <a:ext uri="http://schemas.microsoft.com/office/drawing/2008/diagram">
+      <dsp:dataModelExt xmlns:dsp="http://schemas.microsoft.com/office/drawing/2008/diagram" relId="rId9" minVer="http://schemas.openxmlformats.org/drawingml/2006/diagram"/>
+    </a:ext>
+  </dgm:extLst>
+</dgm:dataModel>
+</file>
+
+<file path=ppt/diagrams/data9.xml><?xml version="1.0" encoding="utf-8"?>
+<dgm:dataModel xmlns:dgm="http://schemas.openxmlformats.org/drawingml/2006/diagram" xmlns:a="http://schemas.openxmlformats.org/drawingml/2006/main">
+  <dgm:ptLst>
+    <dgm:pt modelId="{B8BEE4BA-0747-4FB4-AD09-FEA58D4F2A28}" type="doc">
+      <dgm:prSet loTypeId="urn:microsoft.com/office/officeart/2005/8/layout/vList3" loCatId="list" qsTypeId="urn:microsoft.com/office/officeart/2005/8/quickstyle/simple1" qsCatId="simple" csTypeId="urn:microsoft.com/office/officeart/2005/8/colors/accent1_2" csCatId="accent1" phldr="1"/>
+      <dgm:spPr/>
+    </dgm:pt>
+    <dgm:pt modelId="{97A349F9-DA7F-4827-81C8-E7F0D42095C1}" type="pres">
+      <dgm:prSet presAssocID="{B8BEE4BA-0747-4FB4-AD09-FEA58D4F2A28}" presName="linearFlow" presStyleCnt="0">
+        <dgm:presLayoutVars>
+          <dgm:dir/>
+          <dgm:resizeHandles val="exact"/>
+        </dgm:presLayoutVars>
+      </dgm:prSet>
+      <dgm:spPr/>
+    </dgm:pt>
+  </dgm:ptLst>
+  <dgm:cxnLst>
+    <dgm:cxn modelId="{F45650F3-A727-4C5D-91AC-E37CE1CF9166}" type="presOf" srcId="{B8BEE4BA-0747-4FB4-AD09-FEA58D4F2A28}" destId="{97A349F9-DA7F-4827-81C8-E7F0D42095C1}" srcOrd="0" destOrd="0" presId="urn:microsoft.com/office/officeart/2005/8/layout/vList3"/>
+  </dgm:cxnLst>
+  <dgm:bg>
+    <a:blipFill>
+      <a:blip xmlns:r="http://schemas.openxmlformats.org/officeDocument/2006/relationships" r:embed="rId1"/>
+      <a:stretch>
+        <a:fillRect/>
+      </a:stretch>
+    </a:blipFill>
+  </dgm:bg>
+  <dgm:whole>
+    <a:ln w="76200">
+      <a:solidFill>
+        <a:schemeClr val="accent1"/>
+      </a:solidFill>
+    </a:ln>
+  </dgm:whole>
+  <dgm:extLst>
+    <a:ext uri="http://schemas.microsoft.com/office/drawing/2008/diagram">
+      <dsp:dataModelExt xmlns:dsp="http://schemas.microsoft.com/office/drawing/2008/diagram" relId="rId9" minVer="http://schemas.openxmlformats.org/drawingml/2006/diagram"/>
     </a:ext>
   </dgm:extLst>
 </dgm:dataModel>
@@ -8421,12 +10795,12 @@
         </a:fontRef>
       </dsp:style>
       <dsp:txBody>
-        <a:bodyPr spcFirstLastPara="0" vert="horz" wrap="square" lIns="663676" tIns="171450" rIns="320040" bIns="171450" numCol="1" spcCol="1270" anchor="ctr" anchorCtr="0">
+        <a:bodyPr spcFirstLastPara="0" vert="horz" wrap="square" lIns="663676" tIns="160020" rIns="298704" bIns="160020" numCol="1" spcCol="1270" anchor="ctr" anchorCtr="0">
           <a:noAutofit/>
         </a:bodyPr>
         <a:lstStyle/>
         <a:p>
-          <a:pPr marL="0" lvl="0" indent="0" algn="ctr" defTabSz="2000250">
+          <a:pPr marL="0" lvl="0" indent="0" algn="ctr" defTabSz="1866900">
             <a:lnSpc>
               <a:spcPct val="90000"/>
             </a:lnSpc>
@@ -8439,7 +10813,7 @@
             <a:buNone/>
           </a:pPr>
           <a:r>
-            <a:rPr lang="en-AU" sz="4500" kern="1200" dirty="0"/>
+            <a:rPr lang="en-AU" sz="4200" kern="1200" dirty="0"/>
             <a:t>Conceptual plan</a:t>
           </a:r>
         </a:p>
@@ -8543,12 +10917,12 @@
         </a:fontRef>
       </dsp:style>
       <dsp:txBody>
-        <a:bodyPr spcFirstLastPara="0" vert="horz" wrap="square" lIns="663676" tIns="171450" rIns="320040" bIns="171450" numCol="1" spcCol="1270" anchor="ctr" anchorCtr="0">
+        <a:bodyPr spcFirstLastPara="0" vert="horz" wrap="square" lIns="663676" tIns="160020" rIns="298704" bIns="160020" numCol="1" spcCol="1270" anchor="ctr" anchorCtr="0">
           <a:noAutofit/>
         </a:bodyPr>
         <a:lstStyle/>
         <a:p>
-          <a:pPr marL="0" lvl="0" indent="0" algn="ctr" defTabSz="2000250">
+          <a:pPr marL="0" lvl="0" indent="0" algn="ctr" defTabSz="1866900">
             <a:lnSpc>
               <a:spcPct val="90000"/>
             </a:lnSpc>
@@ -8561,7 +10935,7 @@
             <a:buNone/>
           </a:pPr>
           <a:r>
-            <a:rPr lang="en-AU" sz="4500" kern="1200" dirty="0"/>
+            <a:rPr lang="en-AU" sz="4200" kern="1200" dirty="0"/>
             <a:t>UI development</a:t>
           </a:r>
         </a:p>
@@ -8665,12 +11039,12 @@
         </a:fontRef>
       </dsp:style>
       <dsp:txBody>
-        <a:bodyPr spcFirstLastPara="0" vert="horz" wrap="square" lIns="663676" tIns="171450" rIns="320040" bIns="171450" numCol="1" spcCol="1270" anchor="ctr" anchorCtr="0">
+        <a:bodyPr spcFirstLastPara="0" vert="horz" wrap="square" lIns="663676" tIns="160020" rIns="298704" bIns="160020" numCol="1" spcCol="1270" anchor="ctr" anchorCtr="0">
           <a:noAutofit/>
         </a:bodyPr>
         <a:lstStyle/>
         <a:p>
-          <a:pPr marL="0" lvl="0" indent="0" algn="ctr" defTabSz="2000250">
+          <a:pPr marL="0" lvl="0" indent="0" algn="ctr" defTabSz="1866900">
             <a:lnSpc>
               <a:spcPct val="90000"/>
             </a:lnSpc>
@@ -8683,8 +11057,8 @@
             <a:buNone/>
           </a:pPr>
           <a:r>
-            <a:rPr lang="en-AU" sz="4500" kern="1200" dirty="0"/>
-            <a:t>3D development</a:t>
+            <a:rPr lang="en-AU" sz="4200" kern="1200" dirty="0"/>
+            <a:t>Game development</a:t>
           </a:r>
         </a:p>
       </dsp:txBody>
@@ -9170,7 +11544,7 @@
           </a:pPr>
           <a:r>
             <a:rPr lang="en-AU" sz="2300" kern="1200" dirty="0"/>
-            <a:t>3D development</a:t>
+            <a:t>Game development</a:t>
           </a:r>
         </a:p>
         <a:p>
@@ -9206,7 +11580,7 @@
           </a:pPr>
           <a:r>
             <a:rPr lang="en-AU" sz="1800" kern="1200" dirty="0"/>
-            <a:t>B</a:t>
+            <a:t>Building and installing</a:t>
           </a:r>
         </a:p>
         <a:p>
@@ -9224,7 +11598,7 @@
           </a:pPr>
           <a:r>
             <a:rPr lang="en-AU" sz="1800" kern="1200" dirty="0"/>
-            <a:t>c</a:t>
+            <a:t>Monitoring and review</a:t>
           </a:r>
         </a:p>
       </dsp:txBody>
@@ -9246,7 +11620,7 @@
         <a:prstGeom prst="ellipse">
           <a:avLst/>
         </a:prstGeom>
-        <a:blipFill>
+        <a:blipFill rotWithShape="1">
           <a:blip xmlns:r="http://schemas.openxmlformats.org/officeDocument/2006/relationships" r:embed="rId5">
             <a:extLst>
               <a:ext uri="{96DAC541-7B7A-43D3-8B79-37D633B846F1}">
@@ -9283,6 +11657,18 @@
 </file>
 
 <file path=ppt/diagrams/drawing6.xml><?xml version="1.0" encoding="utf-8"?>
+<dsp:drawing xmlns:dgm="http://schemas.openxmlformats.org/drawingml/2006/diagram" xmlns:dsp="http://schemas.microsoft.com/office/drawing/2008/diagram" xmlns:a="http://schemas.openxmlformats.org/drawingml/2006/main">
+  <dsp:spTree>
+    <dsp:nvGrpSpPr>
+      <dsp:cNvPr id="0" name=""/>
+      <dsp:cNvGrpSpPr/>
+    </dsp:nvGrpSpPr>
+    <dsp:grpSpPr/>
+  </dsp:spTree>
+</dsp:drawing>
+</file>
+
+<file path=ppt/diagrams/drawing7.xml><?xml version="1.0" encoding="utf-8"?>
 <dsp:drawing xmlns:dgm="http://schemas.openxmlformats.org/drawingml/2006/diagram" xmlns:dsp="http://schemas.microsoft.com/office/drawing/2008/diagram" xmlns:a="http://schemas.openxmlformats.org/drawingml/2006/main">
   <dsp:spTree>
     <dsp:nvGrpSpPr>
@@ -9656,6 +12042,30 @@
         <a:fontRef idx="minor"/>
       </dsp:style>
     </dsp:sp>
+  </dsp:spTree>
+</dsp:drawing>
+</file>
+
+<file path=ppt/diagrams/drawing8.xml><?xml version="1.0" encoding="utf-8"?>
+<dsp:drawing xmlns:dgm="http://schemas.openxmlformats.org/drawingml/2006/diagram" xmlns:dsp="http://schemas.microsoft.com/office/drawing/2008/diagram" xmlns:a="http://schemas.openxmlformats.org/drawingml/2006/main">
+  <dsp:spTree>
+    <dsp:nvGrpSpPr>
+      <dsp:cNvPr id="0" name=""/>
+      <dsp:cNvGrpSpPr/>
+    </dsp:nvGrpSpPr>
+    <dsp:grpSpPr/>
+  </dsp:spTree>
+</dsp:drawing>
+</file>
+
+<file path=ppt/diagrams/drawing9.xml><?xml version="1.0" encoding="utf-8"?>
+<dsp:drawing xmlns:dgm="http://schemas.openxmlformats.org/drawingml/2006/diagram" xmlns:dsp="http://schemas.microsoft.com/office/drawing/2008/diagram" xmlns:a="http://schemas.openxmlformats.org/drawingml/2006/main">
+  <dsp:spTree>
+    <dsp:nvGrpSpPr>
+      <dsp:cNvPr id="0" name=""/>
+      <dsp:cNvGrpSpPr/>
+    </dsp:nvGrpSpPr>
+    <dsp:grpSpPr/>
   </dsp:spTree>
 </dsp:drawing>
 </file>
@@ -10664,6 +13074,495 @@
 </dgm:layoutDef>
 </file>
 
+<file path=ppt/diagrams/layout7.xml><?xml version="1.0" encoding="utf-8"?>
+<dgm:layoutDef xmlns:dgm="http://schemas.openxmlformats.org/drawingml/2006/diagram" xmlns:a="http://schemas.openxmlformats.org/drawingml/2006/main" uniqueId="urn:microsoft.com/office/officeart/2005/8/layout/vList3">
+  <dgm:title val=""/>
+  <dgm:desc val=""/>
+  <dgm:catLst>
+    <dgm:cat type="list" pri="14000"/>
+    <dgm:cat type="convert" pri="3000"/>
+    <dgm:cat type="picture" pri="27000"/>
+    <dgm:cat type="pictureconvert" pri="27000"/>
+  </dgm:catLst>
+  <dgm:sampData useDef="1">
+    <dgm:dataModel>
+      <dgm:ptLst/>
+      <dgm:bg/>
+      <dgm:whole/>
+    </dgm:dataModel>
+  </dgm:sampData>
+  <dgm:styleData>
+    <dgm:dataModel>
+      <dgm:ptLst>
+        <dgm:pt modelId="0" type="doc"/>
+        <dgm:pt modelId="1"/>
+        <dgm:pt modelId="2"/>
+      </dgm:ptLst>
+      <dgm:cxnLst>
+        <dgm:cxn modelId="3" srcId="0" destId="1" srcOrd="0" destOrd="0"/>
+        <dgm:cxn modelId="4" srcId="0" destId="2" srcOrd="1" destOrd="0"/>
+      </dgm:cxnLst>
+      <dgm:bg/>
+      <dgm:whole/>
+    </dgm:dataModel>
+  </dgm:styleData>
+  <dgm:clrData>
+    <dgm:dataModel>
+      <dgm:ptLst>
+        <dgm:pt modelId="0" type="doc"/>
+        <dgm:pt modelId="1"/>
+        <dgm:pt modelId="2"/>
+        <dgm:pt modelId="3"/>
+        <dgm:pt modelId="4"/>
+      </dgm:ptLst>
+      <dgm:cxnLst>
+        <dgm:cxn modelId="5" srcId="0" destId="1" srcOrd="0" destOrd="0"/>
+        <dgm:cxn modelId="6" srcId="0" destId="2" srcOrd="1" destOrd="0"/>
+        <dgm:cxn modelId="7" srcId="0" destId="3" srcOrd="2" destOrd="0"/>
+        <dgm:cxn modelId="8" srcId="0" destId="4" srcOrd="3" destOrd="0"/>
+      </dgm:cxnLst>
+      <dgm:bg/>
+      <dgm:whole/>
+    </dgm:dataModel>
+  </dgm:clrData>
+  <dgm:layoutNode name="linearFlow">
+    <dgm:varLst>
+      <dgm:dir/>
+      <dgm:resizeHandles val="exact"/>
+    </dgm:varLst>
+    <dgm:alg type="lin">
+      <dgm:param type="linDir" val="fromT"/>
+      <dgm:param type="vertAlign" val="mid"/>
+      <dgm:param type="horzAlign" val="ctr"/>
+    </dgm:alg>
+    <dgm:shape xmlns:r="http://schemas.openxmlformats.org/officeDocument/2006/relationships" r:blip="">
+      <dgm:adjLst/>
+    </dgm:shape>
+    <dgm:presOf/>
+    <dgm:constrLst>
+      <dgm:constr type="w" for="ch" forName="composite" refType="w"/>
+      <dgm:constr type="h" for="ch" forName="composite" refType="h"/>
+      <dgm:constr type="h" for="ch" forName="spacing" refType="h" refFor="ch" refForName="composite" fact="0.25"/>
+      <dgm:constr type="h" for="ch" forName="spacing" refType="w" op="lte" fact="0.1"/>
+      <dgm:constr type="primFontSz" for="des" ptType="node" op="equ" val="65"/>
+    </dgm:constrLst>
+    <dgm:ruleLst/>
+    <dgm:forEach name="Name0" axis="ch" ptType="node">
+      <dgm:layoutNode name="composite">
+        <dgm:alg type="composite"/>
+        <dgm:shape xmlns:r="http://schemas.openxmlformats.org/officeDocument/2006/relationships" r:blip="">
+          <dgm:adjLst/>
+        </dgm:shape>
+        <dgm:presOf/>
+        <dgm:choose name="Name1">
+          <dgm:if name="Name2" func="var" arg="dir" op="equ" val="norm">
+            <dgm:constrLst>
+              <dgm:constr type="w" for="ch" forName="imgShp" refType="w" fact="0.335"/>
+              <dgm:constr type="h" for="ch" forName="imgShp" refType="w" refFor="ch" refForName="imgShp" op="equ"/>
+              <dgm:constr type="h" for="ch" forName="imgShp" refType="h" op="lte"/>
+              <dgm:constr type="ctrY" for="ch" forName="imgShp" refType="h" fact="0.5"/>
+              <dgm:constr type="l" for="ch" forName="imgShp"/>
+              <dgm:constr type="w" for="ch" forName="txShp" refType="w" op="equ" fact="0.665"/>
+              <dgm:constr type="h" for="ch" forName="txShp" refType="h" refFor="ch" refForName="imgShp" op="equ"/>
+              <dgm:constr type="ctrY" for="ch" forName="txShp" refType="h" fact="0.5"/>
+              <dgm:constr type="l" for="ch" forName="txShp" refType="w" refFor="ch" refForName="imgShp" fact="0.5"/>
+              <dgm:constr type="lMarg" for="ch" forName="txShp" refType="w" refFor="ch" refForName="imgShp" fact="1.25"/>
+            </dgm:constrLst>
+          </dgm:if>
+          <dgm:else name="Name3">
+            <dgm:constrLst>
+              <dgm:constr type="w" for="ch" forName="imgShp" refType="w" fact="0.335"/>
+              <dgm:constr type="h" for="ch" forName="imgShp" refType="w" refFor="ch" refForName="imgShp" op="equ"/>
+              <dgm:constr type="h" for="ch" forName="imgShp" refType="h" op="lte"/>
+              <dgm:constr type="ctrY" for="ch" forName="imgShp" refType="h" fact="0.5"/>
+              <dgm:constr type="r" for="ch" forName="imgShp" refType="w"/>
+              <dgm:constr type="w" for="ch" forName="txShp" refType="w" op="equ" fact="0.665"/>
+              <dgm:constr type="h" for="ch" forName="txShp" refType="h" refFor="ch" refForName="imgShp" op="equ"/>
+              <dgm:constr type="ctrY" for="ch" forName="txShp" refType="h" fact="0.5"/>
+              <dgm:constr type="r" for="ch" forName="txShp" refType="ctrX" refFor="ch" refForName="imgShp"/>
+              <dgm:constr type="rMarg" for="ch" forName="txShp" refType="w" refFor="ch" refForName="imgShp" fact="1.25"/>
+            </dgm:constrLst>
+          </dgm:else>
+        </dgm:choose>
+        <dgm:ruleLst/>
+        <dgm:layoutNode name="imgShp" styleLbl="fgImgPlace1">
+          <dgm:alg type="sp"/>
+          <dgm:shape xmlns:r="http://schemas.openxmlformats.org/officeDocument/2006/relationships" type="ellipse" r:blip="" blipPhldr="1">
+            <dgm:adjLst/>
+          </dgm:shape>
+          <dgm:presOf/>
+          <dgm:constrLst/>
+          <dgm:ruleLst/>
+        </dgm:layoutNode>
+        <dgm:layoutNode name="txShp">
+          <dgm:varLst>
+            <dgm:bulletEnabled val="1"/>
+          </dgm:varLst>
+          <dgm:alg type="tx"/>
+          <dgm:choose name="Name4">
+            <dgm:if name="Name5" func="var" arg="dir" op="equ" val="norm">
+              <dgm:shape xmlns:r="http://schemas.openxmlformats.org/officeDocument/2006/relationships" rot="180" type="homePlate" r:blip="" zOrderOff="-1">
+                <dgm:adjLst/>
+              </dgm:shape>
+            </dgm:if>
+            <dgm:else name="Name6">
+              <dgm:shape xmlns:r="http://schemas.openxmlformats.org/officeDocument/2006/relationships" type="homePlate" r:blip="" zOrderOff="-1">
+                <dgm:adjLst/>
+              </dgm:shape>
+            </dgm:else>
+          </dgm:choose>
+          <dgm:presOf axis="desOrSelf" ptType="node"/>
+          <dgm:constrLst>
+            <dgm:constr type="tMarg" refType="primFontSz" fact="0.3"/>
+            <dgm:constr type="bMarg" refType="primFontSz" fact="0.3"/>
+          </dgm:constrLst>
+          <dgm:ruleLst>
+            <dgm:rule type="primFontSz" val="5" fact="NaN" max="NaN"/>
+          </dgm:ruleLst>
+        </dgm:layoutNode>
+      </dgm:layoutNode>
+      <dgm:forEach name="Name7" axis="followSib" ptType="sibTrans" cnt="1">
+        <dgm:layoutNode name="spacing">
+          <dgm:alg type="sp"/>
+          <dgm:shape xmlns:r="http://schemas.openxmlformats.org/officeDocument/2006/relationships" r:blip="">
+            <dgm:adjLst/>
+          </dgm:shape>
+          <dgm:presOf axis="self"/>
+          <dgm:constrLst/>
+          <dgm:ruleLst/>
+        </dgm:layoutNode>
+      </dgm:forEach>
+    </dgm:forEach>
+  </dgm:layoutNode>
+</dgm:layoutDef>
+</file>
+
+<file path=ppt/diagrams/layout8.xml><?xml version="1.0" encoding="utf-8"?>
+<dgm:layoutDef xmlns:dgm="http://schemas.openxmlformats.org/drawingml/2006/diagram" xmlns:a="http://schemas.openxmlformats.org/drawingml/2006/main" uniqueId="urn:microsoft.com/office/officeart/2005/8/layout/vList3">
+  <dgm:title val=""/>
+  <dgm:desc val=""/>
+  <dgm:catLst>
+    <dgm:cat type="list" pri="14000"/>
+    <dgm:cat type="convert" pri="3000"/>
+    <dgm:cat type="picture" pri="27000"/>
+    <dgm:cat type="pictureconvert" pri="27000"/>
+  </dgm:catLst>
+  <dgm:sampData useDef="1">
+    <dgm:dataModel>
+      <dgm:ptLst/>
+      <dgm:bg/>
+      <dgm:whole/>
+    </dgm:dataModel>
+  </dgm:sampData>
+  <dgm:styleData>
+    <dgm:dataModel>
+      <dgm:ptLst>
+        <dgm:pt modelId="0" type="doc"/>
+        <dgm:pt modelId="1"/>
+        <dgm:pt modelId="2"/>
+      </dgm:ptLst>
+      <dgm:cxnLst>
+        <dgm:cxn modelId="3" srcId="0" destId="1" srcOrd="0" destOrd="0"/>
+        <dgm:cxn modelId="4" srcId="0" destId="2" srcOrd="1" destOrd="0"/>
+      </dgm:cxnLst>
+      <dgm:bg/>
+      <dgm:whole/>
+    </dgm:dataModel>
+  </dgm:styleData>
+  <dgm:clrData>
+    <dgm:dataModel>
+      <dgm:ptLst>
+        <dgm:pt modelId="0" type="doc"/>
+        <dgm:pt modelId="1"/>
+        <dgm:pt modelId="2"/>
+        <dgm:pt modelId="3"/>
+        <dgm:pt modelId="4"/>
+      </dgm:ptLst>
+      <dgm:cxnLst>
+        <dgm:cxn modelId="5" srcId="0" destId="1" srcOrd="0" destOrd="0"/>
+        <dgm:cxn modelId="6" srcId="0" destId="2" srcOrd="1" destOrd="0"/>
+        <dgm:cxn modelId="7" srcId="0" destId="3" srcOrd="2" destOrd="0"/>
+        <dgm:cxn modelId="8" srcId="0" destId="4" srcOrd="3" destOrd="0"/>
+      </dgm:cxnLst>
+      <dgm:bg/>
+      <dgm:whole/>
+    </dgm:dataModel>
+  </dgm:clrData>
+  <dgm:layoutNode name="linearFlow">
+    <dgm:varLst>
+      <dgm:dir/>
+      <dgm:resizeHandles val="exact"/>
+    </dgm:varLst>
+    <dgm:alg type="lin">
+      <dgm:param type="linDir" val="fromT"/>
+      <dgm:param type="vertAlign" val="mid"/>
+      <dgm:param type="horzAlign" val="ctr"/>
+    </dgm:alg>
+    <dgm:shape xmlns:r="http://schemas.openxmlformats.org/officeDocument/2006/relationships" r:blip="">
+      <dgm:adjLst/>
+    </dgm:shape>
+    <dgm:presOf/>
+    <dgm:constrLst>
+      <dgm:constr type="w" for="ch" forName="composite" refType="w"/>
+      <dgm:constr type="h" for="ch" forName="composite" refType="h"/>
+      <dgm:constr type="h" for="ch" forName="spacing" refType="h" refFor="ch" refForName="composite" fact="0.25"/>
+      <dgm:constr type="h" for="ch" forName="spacing" refType="w" op="lte" fact="0.1"/>
+      <dgm:constr type="primFontSz" for="des" ptType="node" op="equ" val="65"/>
+    </dgm:constrLst>
+    <dgm:ruleLst/>
+    <dgm:forEach name="Name0" axis="ch" ptType="node">
+      <dgm:layoutNode name="composite">
+        <dgm:alg type="composite"/>
+        <dgm:shape xmlns:r="http://schemas.openxmlformats.org/officeDocument/2006/relationships" r:blip="">
+          <dgm:adjLst/>
+        </dgm:shape>
+        <dgm:presOf/>
+        <dgm:choose name="Name1">
+          <dgm:if name="Name2" func="var" arg="dir" op="equ" val="norm">
+            <dgm:constrLst>
+              <dgm:constr type="w" for="ch" forName="imgShp" refType="w" fact="0.335"/>
+              <dgm:constr type="h" for="ch" forName="imgShp" refType="w" refFor="ch" refForName="imgShp" op="equ"/>
+              <dgm:constr type="h" for="ch" forName="imgShp" refType="h" op="lte"/>
+              <dgm:constr type="ctrY" for="ch" forName="imgShp" refType="h" fact="0.5"/>
+              <dgm:constr type="l" for="ch" forName="imgShp"/>
+              <dgm:constr type="w" for="ch" forName="txShp" refType="w" op="equ" fact="0.665"/>
+              <dgm:constr type="h" for="ch" forName="txShp" refType="h" refFor="ch" refForName="imgShp" op="equ"/>
+              <dgm:constr type="ctrY" for="ch" forName="txShp" refType="h" fact="0.5"/>
+              <dgm:constr type="l" for="ch" forName="txShp" refType="w" refFor="ch" refForName="imgShp" fact="0.5"/>
+              <dgm:constr type="lMarg" for="ch" forName="txShp" refType="w" refFor="ch" refForName="imgShp" fact="1.25"/>
+            </dgm:constrLst>
+          </dgm:if>
+          <dgm:else name="Name3">
+            <dgm:constrLst>
+              <dgm:constr type="w" for="ch" forName="imgShp" refType="w" fact="0.335"/>
+              <dgm:constr type="h" for="ch" forName="imgShp" refType="w" refFor="ch" refForName="imgShp" op="equ"/>
+              <dgm:constr type="h" for="ch" forName="imgShp" refType="h" op="lte"/>
+              <dgm:constr type="ctrY" for="ch" forName="imgShp" refType="h" fact="0.5"/>
+              <dgm:constr type="r" for="ch" forName="imgShp" refType="w"/>
+              <dgm:constr type="w" for="ch" forName="txShp" refType="w" op="equ" fact="0.665"/>
+              <dgm:constr type="h" for="ch" forName="txShp" refType="h" refFor="ch" refForName="imgShp" op="equ"/>
+              <dgm:constr type="ctrY" for="ch" forName="txShp" refType="h" fact="0.5"/>
+              <dgm:constr type="r" for="ch" forName="txShp" refType="ctrX" refFor="ch" refForName="imgShp"/>
+              <dgm:constr type="rMarg" for="ch" forName="txShp" refType="w" refFor="ch" refForName="imgShp" fact="1.25"/>
+            </dgm:constrLst>
+          </dgm:else>
+        </dgm:choose>
+        <dgm:ruleLst/>
+        <dgm:layoutNode name="imgShp" styleLbl="fgImgPlace1">
+          <dgm:alg type="sp"/>
+          <dgm:shape xmlns:r="http://schemas.openxmlformats.org/officeDocument/2006/relationships" type="ellipse" r:blip="" blipPhldr="1">
+            <dgm:adjLst/>
+          </dgm:shape>
+          <dgm:presOf/>
+          <dgm:constrLst/>
+          <dgm:ruleLst/>
+        </dgm:layoutNode>
+        <dgm:layoutNode name="txShp">
+          <dgm:varLst>
+            <dgm:bulletEnabled val="1"/>
+          </dgm:varLst>
+          <dgm:alg type="tx"/>
+          <dgm:choose name="Name4">
+            <dgm:if name="Name5" func="var" arg="dir" op="equ" val="norm">
+              <dgm:shape xmlns:r="http://schemas.openxmlformats.org/officeDocument/2006/relationships" rot="180" type="homePlate" r:blip="" zOrderOff="-1">
+                <dgm:adjLst/>
+              </dgm:shape>
+            </dgm:if>
+            <dgm:else name="Name6">
+              <dgm:shape xmlns:r="http://schemas.openxmlformats.org/officeDocument/2006/relationships" type="homePlate" r:blip="" zOrderOff="-1">
+                <dgm:adjLst/>
+              </dgm:shape>
+            </dgm:else>
+          </dgm:choose>
+          <dgm:presOf axis="desOrSelf" ptType="node"/>
+          <dgm:constrLst>
+            <dgm:constr type="tMarg" refType="primFontSz" fact="0.3"/>
+            <dgm:constr type="bMarg" refType="primFontSz" fact="0.3"/>
+          </dgm:constrLst>
+          <dgm:ruleLst>
+            <dgm:rule type="primFontSz" val="5" fact="NaN" max="NaN"/>
+          </dgm:ruleLst>
+        </dgm:layoutNode>
+      </dgm:layoutNode>
+      <dgm:forEach name="Name7" axis="followSib" ptType="sibTrans" cnt="1">
+        <dgm:layoutNode name="spacing">
+          <dgm:alg type="sp"/>
+          <dgm:shape xmlns:r="http://schemas.openxmlformats.org/officeDocument/2006/relationships" r:blip="">
+            <dgm:adjLst/>
+          </dgm:shape>
+          <dgm:presOf axis="self"/>
+          <dgm:constrLst/>
+          <dgm:ruleLst/>
+        </dgm:layoutNode>
+      </dgm:forEach>
+    </dgm:forEach>
+  </dgm:layoutNode>
+</dgm:layoutDef>
+</file>
+
+<file path=ppt/diagrams/layout9.xml><?xml version="1.0" encoding="utf-8"?>
+<dgm:layoutDef xmlns:dgm="http://schemas.openxmlformats.org/drawingml/2006/diagram" xmlns:a="http://schemas.openxmlformats.org/drawingml/2006/main" uniqueId="urn:microsoft.com/office/officeart/2005/8/layout/vList3">
+  <dgm:title val=""/>
+  <dgm:desc val=""/>
+  <dgm:catLst>
+    <dgm:cat type="list" pri="14000"/>
+    <dgm:cat type="convert" pri="3000"/>
+    <dgm:cat type="picture" pri="27000"/>
+    <dgm:cat type="pictureconvert" pri="27000"/>
+  </dgm:catLst>
+  <dgm:sampData useDef="1">
+    <dgm:dataModel>
+      <dgm:ptLst/>
+      <dgm:bg/>
+      <dgm:whole/>
+    </dgm:dataModel>
+  </dgm:sampData>
+  <dgm:styleData>
+    <dgm:dataModel>
+      <dgm:ptLst>
+        <dgm:pt modelId="0" type="doc"/>
+        <dgm:pt modelId="1"/>
+        <dgm:pt modelId="2"/>
+      </dgm:ptLst>
+      <dgm:cxnLst>
+        <dgm:cxn modelId="3" srcId="0" destId="1" srcOrd="0" destOrd="0"/>
+        <dgm:cxn modelId="4" srcId="0" destId="2" srcOrd="1" destOrd="0"/>
+      </dgm:cxnLst>
+      <dgm:bg/>
+      <dgm:whole/>
+    </dgm:dataModel>
+  </dgm:styleData>
+  <dgm:clrData>
+    <dgm:dataModel>
+      <dgm:ptLst>
+        <dgm:pt modelId="0" type="doc"/>
+        <dgm:pt modelId="1"/>
+        <dgm:pt modelId="2"/>
+        <dgm:pt modelId="3"/>
+        <dgm:pt modelId="4"/>
+      </dgm:ptLst>
+      <dgm:cxnLst>
+        <dgm:cxn modelId="5" srcId="0" destId="1" srcOrd="0" destOrd="0"/>
+        <dgm:cxn modelId="6" srcId="0" destId="2" srcOrd="1" destOrd="0"/>
+        <dgm:cxn modelId="7" srcId="0" destId="3" srcOrd="2" destOrd="0"/>
+        <dgm:cxn modelId="8" srcId="0" destId="4" srcOrd="3" destOrd="0"/>
+      </dgm:cxnLst>
+      <dgm:bg/>
+      <dgm:whole/>
+    </dgm:dataModel>
+  </dgm:clrData>
+  <dgm:layoutNode name="linearFlow">
+    <dgm:varLst>
+      <dgm:dir/>
+      <dgm:resizeHandles val="exact"/>
+    </dgm:varLst>
+    <dgm:alg type="lin">
+      <dgm:param type="linDir" val="fromT"/>
+      <dgm:param type="vertAlign" val="mid"/>
+      <dgm:param type="horzAlign" val="ctr"/>
+    </dgm:alg>
+    <dgm:shape xmlns:r="http://schemas.openxmlformats.org/officeDocument/2006/relationships" r:blip="">
+      <dgm:adjLst/>
+    </dgm:shape>
+    <dgm:presOf/>
+    <dgm:constrLst>
+      <dgm:constr type="w" for="ch" forName="composite" refType="w"/>
+      <dgm:constr type="h" for="ch" forName="composite" refType="h"/>
+      <dgm:constr type="h" for="ch" forName="spacing" refType="h" refFor="ch" refForName="composite" fact="0.25"/>
+      <dgm:constr type="h" for="ch" forName="spacing" refType="w" op="lte" fact="0.1"/>
+      <dgm:constr type="primFontSz" for="des" ptType="node" op="equ" val="65"/>
+    </dgm:constrLst>
+    <dgm:ruleLst/>
+    <dgm:forEach name="Name0" axis="ch" ptType="node">
+      <dgm:layoutNode name="composite">
+        <dgm:alg type="composite"/>
+        <dgm:shape xmlns:r="http://schemas.openxmlformats.org/officeDocument/2006/relationships" r:blip="">
+          <dgm:adjLst/>
+        </dgm:shape>
+        <dgm:presOf/>
+        <dgm:choose name="Name1">
+          <dgm:if name="Name2" func="var" arg="dir" op="equ" val="norm">
+            <dgm:constrLst>
+              <dgm:constr type="w" for="ch" forName="imgShp" refType="w" fact="0.335"/>
+              <dgm:constr type="h" for="ch" forName="imgShp" refType="w" refFor="ch" refForName="imgShp" op="equ"/>
+              <dgm:constr type="h" for="ch" forName="imgShp" refType="h" op="lte"/>
+              <dgm:constr type="ctrY" for="ch" forName="imgShp" refType="h" fact="0.5"/>
+              <dgm:constr type="l" for="ch" forName="imgShp"/>
+              <dgm:constr type="w" for="ch" forName="txShp" refType="w" op="equ" fact="0.665"/>
+              <dgm:constr type="h" for="ch" forName="txShp" refType="h" refFor="ch" refForName="imgShp" op="equ"/>
+              <dgm:constr type="ctrY" for="ch" forName="txShp" refType="h" fact="0.5"/>
+              <dgm:constr type="l" for="ch" forName="txShp" refType="w" refFor="ch" refForName="imgShp" fact="0.5"/>
+              <dgm:constr type="lMarg" for="ch" forName="txShp" refType="w" refFor="ch" refForName="imgShp" fact="1.25"/>
+            </dgm:constrLst>
+          </dgm:if>
+          <dgm:else name="Name3">
+            <dgm:constrLst>
+              <dgm:constr type="w" for="ch" forName="imgShp" refType="w" fact="0.335"/>
+              <dgm:constr type="h" for="ch" forName="imgShp" refType="w" refFor="ch" refForName="imgShp" op="equ"/>
+              <dgm:constr type="h" for="ch" forName="imgShp" refType="h" op="lte"/>
+              <dgm:constr type="ctrY" for="ch" forName="imgShp" refType="h" fact="0.5"/>
+              <dgm:constr type="r" for="ch" forName="imgShp" refType="w"/>
+              <dgm:constr type="w" for="ch" forName="txShp" refType="w" op="equ" fact="0.665"/>
+              <dgm:constr type="h" for="ch" forName="txShp" refType="h" refFor="ch" refForName="imgShp" op="equ"/>
+              <dgm:constr type="ctrY" for="ch" forName="txShp" refType="h" fact="0.5"/>
+              <dgm:constr type="r" for="ch" forName="txShp" refType="ctrX" refFor="ch" refForName="imgShp"/>
+              <dgm:constr type="rMarg" for="ch" forName="txShp" refType="w" refFor="ch" refForName="imgShp" fact="1.25"/>
+            </dgm:constrLst>
+          </dgm:else>
+        </dgm:choose>
+        <dgm:ruleLst/>
+        <dgm:layoutNode name="imgShp" styleLbl="fgImgPlace1">
+          <dgm:alg type="sp"/>
+          <dgm:shape xmlns:r="http://schemas.openxmlformats.org/officeDocument/2006/relationships" type="ellipse" r:blip="" blipPhldr="1">
+            <dgm:adjLst/>
+          </dgm:shape>
+          <dgm:presOf/>
+          <dgm:constrLst/>
+          <dgm:ruleLst/>
+        </dgm:layoutNode>
+        <dgm:layoutNode name="txShp">
+          <dgm:varLst>
+            <dgm:bulletEnabled val="1"/>
+          </dgm:varLst>
+          <dgm:alg type="tx"/>
+          <dgm:choose name="Name4">
+            <dgm:if name="Name5" func="var" arg="dir" op="equ" val="norm">
+              <dgm:shape xmlns:r="http://schemas.openxmlformats.org/officeDocument/2006/relationships" rot="180" type="homePlate" r:blip="" zOrderOff="-1">
+                <dgm:adjLst/>
+              </dgm:shape>
+            </dgm:if>
+            <dgm:else name="Name6">
+              <dgm:shape xmlns:r="http://schemas.openxmlformats.org/officeDocument/2006/relationships" type="homePlate" r:blip="" zOrderOff="-1">
+                <dgm:adjLst/>
+              </dgm:shape>
+            </dgm:else>
+          </dgm:choose>
+          <dgm:presOf axis="desOrSelf" ptType="node"/>
+          <dgm:constrLst>
+            <dgm:constr type="tMarg" refType="primFontSz" fact="0.3"/>
+            <dgm:constr type="bMarg" refType="primFontSz" fact="0.3"/>
+          </dgm:constrLst>
+          <dgm:ruleLst>
+            <dgm:rule type="primFontSz" val="5" fact="NaN" max="NaN"/>
+          </dgm:ruleLst>
+        </dgm:layoutNode>
+      </dgm:layoutNode>
+      <dgm:forEach name="Name7" axis="followSib" ptType="sibTrans" cnt="1">
+        <dgm:layoutNode name="spacing">
+          <dgm:alg type="sp"/>
+          <dgm:shape xmlns:r="http://schemas.openxmlformats.org/officeDocument/2006/relationships" r:blip="">
+            <dgm:adjLst/>
+          </dgm:shape>
+          <dgm:presOf axis="self"/>
+          <dgm:constrLst/>
+          <dgm:ruleLst/>
+        </dgm:layoutNode>
+      </dgm:forEach>
+    </dgm:forEach>
+  </dgm:layoutNode>
+</dgm:layoutDef>
+</file>
+
 <file path=ppt/diagrams/quickStyle1.xml><?xml version="1.0" encoding="utf-8"?>
 <dgm:styleDef xmlns:dgm="http://schemas.openxmlformats.org/drawingml/2006/diagram" xmlns:a="http://schemas.openxmlformats.org/drawingml/2006/main" uniqueId="urn:microsoft.com/office/officeart/2005/8/quickstyle/simple2">
   <dgm:title val=""/>
@@ -15835,6 +18734,3108 @@
 </file>
 
 <file path=ppt/diagrams/quickStyle6.xml><?xml version="1.0" encoding="utf-8"?>
+<dgm:styleDef xmlns:dgm="http://schemas.openxmlformats.org/drawingml/2006/diagram" xmlns:a="http://schemas.openxmlformats.org/drawingml/2006/main" uniqueId="urn:microsoft.com/office/officeart/2005/8/quickstyle/simple1">
+  <dgm:title val=""/>
+  <dgm:desc val=""/>
+  <dgm:catLst>
+    <dgm:cat type="simple" pri="10100"/>
+  </dgm:catLst>
+  <dgm:scene3d>
+    <a:camera prst="orthographicFront"/>
+    <a:lightRig rig="threePt" dir="t"/>
+  </dgm:scene3d>
+  <dgm:styleLbl name="node0">
+    <dgm:scene3d>
+      <a:camera prst="orthographicFront"/>
+      <a:lightRig rig="threePt" dir="t"/>
+    </dgm:scene3d>
+    <dgm:sp3d/>
+    <dgm:txPr/>
+    <dgm:style>
+      <a:lnRef idx="2">
+        <a:scrgbClr r="0" g="0" b="0"/>
+      </a:lnRef>
+      <a:fillRef idx="1">
+        <a:scrgbClr r="0" g="0" b="0"/>
+      </a:fillRef>
+      <a:effectRef idx="0">
+        <a:scrgbClr r="0" g="0" b="0"/>
+      </a:effectRef>
+      <a:fontRef idx="minor">
+        <a:schemeClr val="lt1"/>
+      </a:fontRef>
+    </dgm:style>
+  </dgm:styleLbl>
+  <dgm:styleLbl name="lnNode1">
+    <dgm:scene3d>
+      <a:camera prst="orthographicFront"/>
+      <a:lightRig rig="threePt" dir="t"/>
+    </dgm:scene3d>
+    <dgm:sp3d/>
+    <dgm:txPr/>
+    <dgm:style>
+      <a:lnRef idx="2">
+        <a:scrgbClr r="0" g="0" b="0"/>
+      </a:lnRef>
+      <a:fillRef idx="1">
+        <a:scrgbClr r="0" g="0" b="0"/>
+      </a:fillRef>
+      <a:effectRef idx="0">
+        <a:scrgbClr r="0" g="0" b="0"/>
+      </a:effectRef>
+      <a:fontRef idx="minor">
+        <a:schemeClr val="lt1"/>
+      </a:fontRef>
+    </dgm:style>
+  </dgm:styleLbl>
+  <dgm:styleLbl name="vennNode1">
+    <dgm:scene3d>
+      <a:camera prst="orthographicFront"/>
+      <a:lightRig rig="threePt" dir="t"/>
+    </dgm:scene3d>
+    <dgm:sp3d/>
+    <dgm:txPr/>
+    <dgm:style>
+      <a:lnRef idx="2">
+        <a:scrgbClr r="0" g="0" b="0"/>
+      </a:lnRef>
+      <a:fillRef idx="1">
+        <a:scrgbClr r="0" g="0" b="0"/>
+      </a:fillRef>
+      <a:effectRef idx="0">
+        <a:scrgbClr r="0" g="0" b="0"/>
+      </a:effectRef>
+      <a:fontRef idx="minor">
+        <a:schemeClr val="tx1"/>
+      </a:fontRef>
+    </dgm:style>
+  </dgm:styleLbl>
+  <dgm:styleLbl name="alignNode1">
+    <dgm:scene3d>
+      <a:camera prst="orthographicFront"/>
+      <a:lightRig rig="threePt" dir="t"/>
+    </dgm:scene3d>
+    <dgm:sp3d/>
+    <dgm:txPr/>
+    <dgm:style>
+      <a:lnRef idx="2">
+        <a:scrgbClr r="0" g="0" b="0"/>
+      </a:lnRef>
+      <a:fillRef idx="1">
+        <a:scrgbClr r="0" g="0" b="0"/>
+      </a:fillRef>
+      <a:effectRef idx="0">
+        <a:scrgbClr r="0" g="0" b="0"/>
+      </a:effectRef>
+      <a:fontRef idx="minor">
+        <a:schemeClr val="lt1"/>
+      </a:fontRef>
+    </dgm:style>
+  </dgm:styleLbl>
+  <dgm:styleLbl name="node1">
+    <dgm:scene3d>
+      <a:camera prst="orthographicFront"/>
+      <a:lightRig rig="threePt" dir="t"/>
+    </dgm:scene3d>
+    <dgm:sp3d/>
+    <dgm:txPr/>
+    <dgm:style>
+      <a:lnRef idx="2">
+        <a:scrgbClr r="0" g="0" b="0"/>
+      </a:lnRef>
+      <a:fillRef idx="1">
+        <a:scrgbClr r="0" g="0" b="0"/>
+      </a:fillRef>
+      <a:effectRef idx="0">
+        <a:scrgbClr r="0" g="0" b="0"/>
+      </a:effectRef>
+      <a:fontRef idx="minor">
+        <a:schemeClr val="lt1"/>
+      </a:fontRef>
+    </dgm:style>
+  </dgm:styleLbl>
+  <dgm:styleLbl name="node2">
+    <dgm:scene3d>
+      <a:camera prst="orthographicFront"/>
+      <a:lightRig rig="threePt" dir="t"/>
+    </dgm:scene3d>
+    <dgm:sp3d/>
+    <dgm:txPr/>
+    <dgm:style>
+      <a:lnRef idx="2">
+        <a:scrgbClr r="0" g="0" b="0"/>
+      </a:lnRef>
+      <a:fillRef idx="1">
+        <a:scrgbClr r="0" g="0" b="0"/>
+      </a:fillRef>
+      <a:effectRef idx="0">
+        <a:scrgbClr r="0" g="0" b="0"/>
+      </a:effectRef>
+      <a:fontRef idx="minor">
+        <a:schemeClr val="lt1"/>
+      </a:fontRef>
+    </dgm:style>
+  </dgm:styleLbl>
+  <dgm:styleLbl name="node3">
+    <dgm:scene3d>
+      <a:camera prst="orthographicFront"/>
+      <a:lightRig rig="threePt" dir="t"/>
+    </dgm:scene3d>
+    <dgm:sp3d/>
+    <dgm:txPr/>
+    <dgm:style>
+      <a:lnRef idx="2">
+        <a:scrgbClr r="0" g="0" b="0"/>
+      </a:lnRef>
+      <a:fillRef idx="1">
+        <a:scrgbClr r="0" g="0" b="0"/>
+      </a:fillRef>
+      <a:effectRef idx="0">
+        <a:scrgbClr r="0" g="0" b="0"/>
+      </a:effectRef>
+      <a:fontRef idx="minor">
+        <a:schemeClr val="lt1"/>
+      </a:fontRef>
+    </dgm:style>
+  </dgm:styleLbl>
+  <dgm:styleLbl name="node4">
+    <dgm:scene3d>
+      <a:camera prst="orthographicFront"/>
+      <a:lightRig rig="threePt" dir="t"/>
+    </dgm:scene3d>
+    <dgm:sp3d/>
+    <dgm:txPr/>
+    <dgm:style>
+      <a:lnRef idx="2">
+        <a:scrgbClr r="0" g="0" b="0"/>
+      </a:lnRef>
+      <a:fillRef idx="1">
+        <a:scrgbClr r="0" g="0" b="0"/>
+      </a:fillRef>
+      <a:effectRef idx="0">
+        <a:scrgbClr r="0" g="0" b="0"/>
+      </a:effectRef>
+      <a:fontRef idx="minor">
+        <a:schemeClr val="lt1"/>
+      </a:fontRef>
+    </dgm:style>
+  </dgm:styleLbl>
+  <dgm:styleLbl name="fgImgPlace1">
+    <dgm:scene3d>
+      <a:camera prst="orthographicFront"/>
+      <a:lightRig rig="threePt" dir="t"/>
+    </dgm:scene3d>
+    <dgm:sp3d/>
+    <dgm:txPr/>
+    <dgm:style>
+      <a:lnRef idx="2">
+        <a:scrgbClr r="0" g="0" b="0"/>
+      </a:lnRef>
+      <a:fillRef idx="1">
+        <a:scrgbClr r="0" g="0" b="0"/>
+      </a:fillRef>
+      <a:effectRef idx="0">
+        <a:scrgbClr r="0" g="0" b="0"/>
+      </a:effectRef>
+      <a:fontRef idx="minor"/>
+    </dgm:style>
+  </dgm:styleLbl>
+  <dgm:styleLbl name="alignImgPlace1">
+    <dgm:scene3d>
+      <a:camera prst="orthographicFront"/>
+      <a:lightRig rig="threePt" dir="t"/>
+    </dgm:scene3d>
+    <dgm:sp3d/>
+    <dgm:txPr/>
+    <dgm:style>
+      <a:lnRef idx="2">
+        <a:scrgbClr r="0" g="0" b="0"/>
+      </a:lnRef>
+      <a:fillRef idx="1">
+        <a:scrgbClr r="0" g="0" b="0"/>
+      </a:fillRef>
+      <a:effectRef idx="0">
+        <a:scrgbClr r="0" g="0" b="0"/>
+      </a:effectRef>
+      <a:fontRef idx="minor"/>
+    </dgm:style>
+  </dgm:styleLbl>
+  <dgm:styleLbl name="bgImgPlace1">
+    <dgm:scene3d>
+      <a:camera prst="orthographicFront"/>
+      <a:lightRig rig="threePt" dir="t"/>
+    </dgm:scene3d>
+    <dgm:sp3d/>
+    <dgm:txPr/>
+    <dgm:style>
+      <a:lnRef idx="2">
+        <a:scrgbClr r="0" g="0" b="0"/>
+      </a:lnRef>
+      <a:fillRef idx="1">
+        <a:scrgbClr r="0" g="0" b="0"/>
+      </a:fillRef>
+      <a:effectRef idx="0">
+        <a:scrgbClr r="0" g="0" b="0"/>
+      </a:effectRef>
+      <a:fontRef idx="minor"/>
+    </dgm:style>
+  </dgm:styleLbl>
+  <dgm:styleLbl name="sibTrans2D1">
+    <dgm:scene3d>
+      <a:camera prst="orthographicFront"/>
+      <a:lightRig rig="threePt" dir="t"/>
+    </dgm:scene3d>
+    <dgm:sp3d/>
+    <dgm:txPr/>
+    <dgm:style>
+      <a:lnRef idx="0">
+        <a:scrgbClr r="0" g="0" b="0"/>
+      </a:lnRef>
+      <a:fillRef idx="1">
+        <a:scrgbClr r="0" g="0" b="0"/>
+      </a:fillRef>
+      <a:effectRef idx="0">
+        <a:scrgbClr r="0" g="0" b="0"/>
+      </a:effectRef>
+      <a:fontRef idx="minor">
+        <a:schemeClr val="lt1"/>
+      </a:fontRef>
+    </dgm:style>
+  </dgm:styleLbl>
+  <dgm:styleLbl name="fgSibTrans2D1">
+    <dgm:scene3d>
+      <a:camera prst="orthographicFront"/>
+      <a:lightRig rig="threePt" dir="t"/>
+    </dgm:scene3d>
+    <dgm:sp3d/>
+    <dgm:txPr/>
+    <dgm:style>
+      <a:lnRef idx="0">
+        <a:scrgbClr r="0" g="0" b="0"/>
+      </a:lnRef>
+      <a:fillRef idx="1">
+        <a:scrgbClr r="0" g="0" b="0"/>
+      </a:fillRef>
+      <a:effectRef idx="0">
+        <a:scrgbClr r="0" g="0" b="0"/>
+      </a:effectRef>
+      <a:fontRef idx="minor">
+        <a:schemeClr val="lt1"/>
+      </a:fontRef>
+    </dgm:style>
+  </dgm:styleLbl>
+  <dgm:styleLbl name="bgSibTrans2D1">
+    <dgm:scene3d>
+      <a:camera prst="orthographicFront"/>
+      <a:lightRig rig="threePt" dir="t"/>
+    </dgm:scene3d>
+    <dgm:sp3d/>
+    <dgm:txPr/>
+    <dgm:style>
+      <a:lnRef idx="0">
+        <a:scrgbClr r="0" g="0" b="0"/>
+      </a:lnRef>
+      <a:fillRef idx="1">
+        <a:scrgbClr r="0" g="0" b="0"/>
+      </a:fillRef>
+      <a:effectRef idx="0">
+        <a:scrgbClr r="0" g="0" b="0"/>
+      </a:effectRef>
+      <a:fontRef idx="minor">
+        <a:schemeClr val="lt1"/>
+      </a:fontRef>
+    </dgm:style>
+  </dgm:styleLbl>
+  <dgm:styleLbl name="sibTrans1D1">
+    <dgm:scene3d>
+      <a:camera prst="orthographicFront"/>
+      <a:lightRig rig="threePt" dir="t"/>
+    </dgm:scene3d>
+    <dgm:sp3d/>
+    <dgm:txPr/>
+    <dgm:style>
+      <a:lnRef idx="1">
+        <a:scrgbClr r="0" g="0" b="0"/>
+      </a:lnRef>
+      <a:fillRef idx="0">
+        <a:scrgbClr r="0" g="0" b="0"/>
+      </a:fillRef>
+      <a:effectRef idx="0">
+        <a:scrgbClr r="0" g="0" b="0"/>
+      </a:effectRef>
+      <a:fontRef idx="minor"/>
+    </dgm:style>
+  </dgm:styleLbl>
+  <dgm:styleLbl name="callout">
+    <dgm:scene3d>
+      <a:camera prst="orthographicFront"/>
+      <a:lightRig rig="threePt" dir="t"/>
+    </dgm:scene3d>
+    <dgm:sp3d/>
+    <dgm:txPr/>
+    <dgm:style>
+      <a:lnRef idx="2">
+        <a:scrgbClr r="0" g="0" b="0"/>
+      </a:lnRef>
+      <a:fillRef idx="1">
+        <a:scrgbClr r="0" g="0" b="0"/>
+      </a:fillRef>
+      <a:effectRef idx="0">
+        <a:scrgbClr r="0" g="0" b="0"/>
+      </a:effectRef>
+      <a:fontRef idx="minor"/>
+    </dgm:style>
+  </dgm:styleLbl>
+  <dgm:styleLbl name="asst0">
+    <dgm:scene3d>
+      <a:camera prst="orthographicFront"/>
+      <a:lightRig rig="threePt" dir="t"/>
+    </dgm:scene3d>
+    <dgm:sp3d/>
+    <dgm:txPr/>
+    <dgm:style>
+      <a:lnRef idx="2">
+        <a:scrgbClr r="0" g="0" b="0"/>
+      </a:lnRef>
+      <a:fillRef idx="1">
+        <a:scrgbClr r="0" g="0" b="0"/>
+      </a:fillRef>
+      <a:effectRef idx="0">
+        <a:scrgbClr r="0" g="0" b="0"/>
+      </a:effectRef>
+      <a:fontRef idx="minor">
+        <a:schemeClr val="lt1"/>
+      </a:fontRef>
+    </dgm:style>
+  </dgm:styleLbl>
+  <dgm:styleLbl name="asst1">
+    <dgm:scene3d>
+      <a:camera prst="orthographicFront"/>
+      <a:lightRig rig="threePt" dir="t"/>
+    </dgm:scene3d>
+    <dgm:sp3d/>
+    <dgm:txPr/>
+    <dgm:style>
+      <a:lnRef idx="2">
+        <a:scrgbClr r="0" g="0" b="0"/>
+      </a:lnRef>
+      <a:fillRef idx="1">
+        <a:scrgbClr r="0" g="0" b="0"/>
+      </a:fillRef>
+      <a:effectRef idx="0">
+        <a:scrgbClr r="0" g="0" b="0"/>
+      </a:effectRef>
+      <a:fontRef idx="minor">
+        <a:schemeClr val="lt1"/>
+      </a:fontRef>
+    </dgm:style>
+  </dgm:styleLbl>
+  <dgm:styleLbl name="asst2">
+    <dgm:scene3d>
+      <a:camera prst="orthographicFront"/>
+      <a:lightRig rig="threePt" dir="t"/>
+    </dgm:scene3d>
+    <dgm:sp3d/>
+    <dgm:txPr/>
+    <dgm:style>
+      <a:lnRef idx="2">
+        <a:scrgbClr r="0" g="0" b="0"/>
+      </a:lnRef>
+      <a:fillRef idx="1">
+        <a:scrgbClr r="0" g="0" b="0"/>
+      </a:fillRef>
+      <a:effectRef idx="0">
+        <a:scrgbClr r="0" g="0" b="0"/>
+      </a:effectRef>
+      <a:fontRef idx="minor">
+        <a:schemeClr val="lt1"/>
+      </a:fontRef>
+    </dgm:style>
+  </dgm:styleLbl>
+  <dgm:styleLbl name="asst3">
+    <dgm:scene3d>
+      <a:camera prst="orthographicFront"/>
+      <a:lightRig rig="threePt" dir="t"/>
+    </dgm:scene3d>
+    <dgm:sp3d/>
+    <dgm:txPr/>
+    <dgm:style>
+      <a:lnRef idx="2">
+        <a:scrgbClr r="0" g="0" b="0"/>
+      </a:lnRef>
+      <a:fillRef idx="1">
+        <a:scrgbClr r="0" g="0" b="0"/>
+      </a:fillRef>
+      <a:effectRef idx="0">
+        <a:scrgbClr r="0" g="0" b="0"/>
+      </a:effectRef>
+      <a:fontRef idx="minor">
+        <a:schemeClr val="lt1"/>
+      </a:fontRef>
+    </dgm:style>
+  </dgm:styleLbl>
+  <dgm:styleLbl name="asst4">
+    <dgm:scene3d>
+      <a:camera prst="orthographicFront"/>
+      <a:lightRig rig="threePt" dir="t"/>
+    </dgm:scene3d>
+    <dgm:sp3d/>
+    <dgm:txPr/>
+    <dgm:style>
+      <a:lnRef idx="2">
+        <a:scrgbClr r="0" g="0" b="0"/>
+      </a:lnRef>
+      <a:fillRef idx="1">
+        <a:scrgbClr r="0" g="0" b="0"/>
+      </a:fillRef>
+      <a:effectRef idx="0">
+        <a:scrgbClr r="0" g="0" b="0"/>
+      </a:effectRef>
+      <a:fontRef idx="minor">
+        <a:schemeClr val="lt1"/>
+      </a:fontRef>
+    </dgm:style>
+  </dgm:styleLbl>
+  <dgm:styleLbl name="parChTrans2D1">
+    <dgm:scene3d>
+      <a:camera prst="orthographicFront"/>
+      <a:lightRig rig="threePt" dir="t"/>
+    </dgm:scene3d>
+    <dgm:sp3d/>
+    <dgm:txPr/>
+    <dgm:style>
+      <a:lnRef idx="2">
+        <a:scrgbClr r="0" g="0" b="0"/>
+      </a:lnRef>
+      <a:fillRef idx="1">
+        <a:scrgbClr r="0" g="0" b="0"/>
+      </a:fillRef>
+      <a:effectRef idx="0">
+        <a:scrgbClr r="0" g="0" b="0"/>
+      </a:effectRef>
+      <a:fontRef idx="minor">
+        <a:schemeClr val="lt1"/>
+      </a:fontRef>
+    </dgm:style>
+  </dgm:styleLbl>
+  <dgm:styleLbl name="parChTrans2D2">
+    <dgm:scene3d>
+      <a:camera prst="orthographicFront"/>
+      <a:lightRig rig="threePt" dir="t"/>
+    </dgm:scene3d>
+    <dgm:sp3d/>
+    <dgm:txPr/>
+    <dgm:style>
+      <a:lnRef idx="2">
+        <a:scrgbClr r="0" g="0" b="0"/>
+      </a:lnRef>
+      <a:fillRef idx="1">
+        <a:scrgbClr r="0" g="0" b="0"/>
+      </a:fillRef>
+      <a:effectRef idx="0">
+        <a:scrgbClr r="0" g="0" b="0"/>
+      </a:effectRef>
+      <a:fontRef idx="minor">
+        <a:schemeClr val="lt1"/>
+      </a:fontRef>
+    </dgm:style>
+  </dgm:styleLbl>
+  <dgm:styleLbl name="parChTrans2D3">
+    <dgm:scene3d>
+      <a:camera prst="orthographicFront"/>
+      <a:lightRig rig="threePt" dir="t"/>
+    </dgm:scene3d>
+    <dgm:sp3d/>
+    <dgm:txPr/>
+    <dgm:style>
+      <a:lnRef idx="2">
+        <a:scrgbClr r="0" g="0" b="0"/>
+      </a:lnRef>
+      <a:fillRef idx="1">
+        <a:scrgbClr r="0" g="0" b="0"/>
+      </a:fillRef>
+      <a:effectRef idx="0">
+        <a:scrgbClr r="0" g="0" b="0"/>
+      </a:effectRef>
+      <a:fontRef idx="minor">
+        <a:schemeClr val="lt1"/>
+      </a:fontRef>
+    </dgm:style>
+  </dgm:styleLbl>
+  <dgm:styleLbl name="parChTrans2D4">
+    <dgm:scene3d>
+      <a:camera prst="orthographicFront"/>
+      <a:lightRig rig="threePt" dir="t"/>
+    </dgm:scene3d>
+    <dgm:sp3d/>
+    <dgm:txPr/>
+    <dgm:style>
+      <a:lnRef idx="2">
+        <a:scrgbClr r="0" g="0" b="0"/>
+      </a:lnRef>
+      <a:fillRef idx="1">
+        <a:scrgbClr r="0" g="0" b="0"/>
+      </a:fillRef>
+      <a:effectRef idx="0">
+        <a:scrgbClr r="0" g="0" b="0"/>
+      </a:effectRef>
+      <a:fontRef idx="minor">
+        <a:schemeClr val="lt1"/>
+      </a:fontRef>
+    </dgm:style>
+  </dgm:styleLbl>
+  <dgm:styleLbl name="parChTrans1D1">
+    <dgm:scene3d>
+      <a:camera prst="orthographicFront"/>
+      <a:lightRig rig="threePt" dir="t"/>
+    </dgm:scene3d>
+    <dgm:sp3d/>
+    <dgm:txPr/>
+    <dgm:style>
+      <a:lnRef idx="2">
+        <a:scrgbClr r="0" g="0" b="0"/>
+      </a:lnRef>
+      <a:fillRef idx="0">
+        <a:scrgbClr r="0" g="0" b="0"/>
+      </a:fillRef>
+      <a:effectRef idx="0">
+        <a:scrgbClr r="0" g="0" b="0"/>
+      </a:effectRef>
+      <a:fontRef idx="minor"/>
+    </dgm:style>
+  </dgm:styleLbl>
+  <dgm:styleLbl name="parChTrans1D2">
+    <dgm:scene3d>
+      <a:camera prst="orthographicFront"/>
+      <a:lightRig rig="threePt" dir="t"/>
+    </dgm:scene3d>
+    <dgm:sp3d/>
+    <dgm:txPr/>
+    <dgm:style>
+      <a:lnRef idx="2">
+        <a:scrgbClr r="0" g="0" b="0"/>
+      </a:lnRef>
+      <a:fillRef idx="0">
+        <a:scrgbClr r="0" g="0" b="0"/>
+      </a:fillRef>
+      <a:effectRef idx="0">
+        <a:scrgbClr r="0" g="0" b="0"/>
+      </a:effectRef>
+      <a:fontRef idx="minor"/>
+    </dgm:style>
+  </dgm:styleLbl>
+  <dgm:styleLbl name="parChTrans1D3">
+    <dgm:scene3d>
+      <a:camera prst="orthographicFront"/>
+      <a:lightRig rig="threePt" dir="t"/>
+    </dgm:scene3d>
+    <dgm:sp3d/>
+    <dgm:txPr/>
+    <dgm:style>
+      <a:lnRef idx="2">
+        <a:scrgbClr r="0" g="0" b="0"/>
+      </a:lnRef>
+      <a:fillRef idx="0">
+        <a:scrgbClr r="0" g="0" b="0"/>
+      </a:fillRef>
+      <a:effectRef idx="0">
+        <a:scrgbClr r="0" g="0" b="0"/>
+      </a:effectRef>
+      <a:fontRef idx="minor"/>
+    </dgm:style>
+  </dgm:styleLbl>
+  <dgm:styleLbl name="parChTrans1D4">
+    <dgm:scene3d>
+      <a:camera prst="orthographicFront"/>
+      <a:lightRig rig="threePt" dir="t"/>
+    </dgm:scene3d>
+    <dgm:sp3d/>
+    <dgm:txPr/>
+    <dgm:style>
+      <a:lnRef idx="2">
+        <a:scrgbClr r="0" g="0" b="0"/>
+      </a:lnRef>
+      <a:fillRef idx="0">
+        <a:scrgbClr r="0" g="0" b="0"/>
+      </a:fillRef>
+      <a:effectRef idx="0">
+        <a:scrgbClr r="0" g="0" b="0"/>
+      </a:effectRef>
+      <a:fontRef idx="minor"/>
+    </dgm:style>
+  </dgm:styleLbl>
+  <dgm:styleLbl name="fgAcc1">
+    <dgm:scene3d>
+      <a:camera prst="orthographicFront"/>
+      <a:lightRig rig="threePt" dir="t"/>
+    </dgm:scene3d>
+    <dgm:sp3d/>
+    <dgm:txPr/>
+    <dgm:style>
+      <a:lnRef idx="2">
+        <a:scrgbClr r="0" g="0" b="0"/>
+      </a:lnRef>
+      <a:fillRef idx="1">
+        <a:scrgbClr r="0" g="0" b="0"/>
+      </a:fillRef>
+      <a:effectRef idx="0">
+        <a:scrgbClr r="0" g="0" b="0"/>
+      </a:effectRef>
+      <a:fontRef idx="minor"/>
+    </dgm:style>
+  </dgm:styleLbl>
+  <dgm:styleLbl name="conFgAcc1">
+    <dgm:scene3d>
+      <a:camera prst="orthographicFront"/>
+      <a:lightRig rig="threePt" dir="t"/>
+    </dgm:scene3d>
+    <dgm:sp3d/>
+    <dgm:txPr/>
+    <dgm:style>
+      <a:lnRef idx="2">
+        <a:scrgbClr r="0" g="0" b="0"/>
+      </a:lnRef>
+      <a:fillRef idx="1">
+        <a:scrgbClr r="0" g="0" b="0"/>
+      </a:fillRef>
+      <a:effectRef idx="0">
+        <a:scrgbClr r="0" g="0" b="0"/>
+      </a:effectRef>
+      <a:fontRef idx="minor"/>
+    </dgm:style>
+  </dgm:styleLbl>
+  <dgm:styleLbl name="alignAcc1">
+    <dgm:scene3d>
+      <a:camera prst="orthographicFront"/>
+      <a:lightRig rig="threePt" dir="t"/>
+    </dgm:scene3d>
+    <dgm:sp3d/>
+    <dgm:txPr/>
+    <dgm:style>
+      <a:lnRef idx="2">
+        <a:scrgbClr r="0" g="0" b="0"/>
+      </a:lnRef>
+      <a:fillRef idx="1">
+        <a:scrgbClr r="0" g="0" b="0"/>
+      </a:fillRef>
+      <a:effectRef idx="0">
+        <a:scrgbClr r="0" g="0" b="0"/>
+      </a:effectRef>
+      <a:fontRef idx="minor"/>
+    </dgm:style>
+  </dgm:styleLbl>
+  <dgm:styleLbl name="trAlignAcc1">
+    <dgm:scene3d>
+      <a:camera prst="orthographicFront"/>
+      <a:lightRig rig="threePt" dir="t"/>
+    </dgm:scene3d>
+    <dgm:sp3d/>
+    <dgm:txPr/>
+    <dgm:style>
+      <a:lnRef idx="1">
+        <a:scrgbClr r="0" g="0" b="0"/>
+      </a:lnRef>
+      <a:fillRef idx="1">
+        <a:scrgbClr r="0" g="0" b="0"/>
+      </a:fillRef>
+      <a:effectRef idx="0">
+        <a:scrgbClr r="0" g="0" b="0"/>
+      </a:effectRef>
+      <a:fontRef idx="minor"/>
+    </dgm:style>
+  </dgm:styleLbl>
+  <dgm:styleLbl name="bgAcc1">
+    <dgm:scene3d>
+      <a:camera prst="orthographicFront"/>
+      <a:lightRig rig="threePt" dir="t"/>
+    </dgm:scene3d>
+    <dgm:sp3d/>
+    <dgm:txPr/>
+    <dgm:style>
+      <a:lnRef idx="2">
+        <a:scrgbClr r="0" g="0" b="0"/>
+      </a:lnRef>
+      <a:fillRef idx="1">
+        <a:scrgbClr r="0" g="0" b="0"/>
+      </a:fillRef>
+      <a:effectRef idx="0">
+        <a:scrgbClr r="0" g="0" b="0"/>
+      </a:effectRef>
+      <a:fontRef idx="minor"/>
+    </dgm:style>
+  </dgm:styleLbl>
+  <dgm:styleLbl name="solidFgAcc1">
+    <dgm:scene3d>
+      <a:camera prst="orthographicFront"/>
+      <a:lightRig rig="threePt" dir="t"/>
+    </dgm:scene3d>
+    <dgm:sp3d/>
+    <dgm:txPr/>
+    <dgm:style>
+      <a:lnRef idx="2">
+        <a:scrgbClr r="0" g="0" b="0"/>
+      </a:lnRef>
+      <a:fillRef idx="1">
+        <a:scrgbClr r="0" g="0" b="0"/>
+      </a:fillRef>
+      <a:effectRef idx="0">
+        <a:scrgbClr r="0" g="0" b="0"/>
+      </a:effectRef>
+      <a:fontRef idx="minor"/>
+    </dgm:style>
+  </dgm:styleLbl>
+  <dgm:styleLbl name="solidAlignAcc1">
+    <dgm:scene3d>
+      <a:camera prst="orthographicFront"/>
+      <a:lightRig rig="threePt" dir="t"/>
+    </dgm:scene3d>
+    <dgm:sp3d/>
+    <dgm:txPr/>
+    <dgm:style>
+      <a:lnRef idx="2">
+        <a:scrgbClr r="0" g="0" b="0"/>
+      </a:lnRef>
+      <a:fillRef idx="1">
+        <a:scrgbClr r="0" g="0" b="0"/>
+      </a:fillRef>
+      <a:effectRef idx="0">
+        <a:scrgbClr r="0" g="0" b="0"/>
+      </a:effectRef>
+      <a:fontRef idx="minor"/>
+    </dgm:style>
+  </dgm:styleLbl>
+  <dgm:styleLbl name="solidBgAcc1">
+    <dgm:scene3d>
+      <a:camera prst="orthographicFront"/>
+      <a:lightRig rig="threePt" dir="t"/>
+    </dgm:scene3d>
+    <dgm:sp3d/>
+    <dgm:txPr/>
+    <dgm:style>
+      <a:lnRef idx="2">
+        <a:scrgbClr r="0" g="0" b="0"/>
+      </a:lnRef>
+      <a:fillRef idx="1">
+        <a:scrgbClr r="0" g="0" b="0"/>
+      </a:fillRef>
+      <a:effectRef idx="0">
+        <a:scrgbClr r="0" g="0" b="0"/>
+      </a:effectRef>
+      <a:fontRef idx="minor"/>
+    </dgm:style>
+  </dgm:styleLbl>
+  <dgm:styleLbl name="fgAccFollowNode1">
+    <dgm:scene3d>
+      <a:camera prst="orthographicFront"/>
+      <a:lightRig rig="threePt" dir="t"/>
+    </dgm:scene3d>
+    <dgm:sp3d/>
+    <dgm:txPr/>
+    <dgm:style>
+      <a:lnRef idx="2">
+        <a:scrgbClr r="0" g="0" b="0"/>
+      </a:lnRef>
+      <a:fillRef idx="1">
+        <a:scrgbClr r="0" g="0" b="0"/>
+      </a:fillRef>
+      <a:effectRef idx="0">
+        <a:scrgbClr r="0" g="0" b="0"/>
+      </a:effectRef>
+      <a:fontRef idx="minor"/>
+    </dgm:style>
+  </dgm:styleLbl>
+  <dgm:styleLbl name="alignAccFollowNode1">
+    <dgm:scene3d>
+      <a:camera prst="orthographicFront"/>
+      <a:lightRig rig="threePt" dir="t"/>
+    </dgm:scene3d>
+    <dgm:sp3d/>
+    <dgm:txPr/>
+    <dgm:style>
+      <a:lnRef idx="2">
+        <a:scrgbClr r="0" g="0" b="0"/>
+      </a:lnRef>
+      <a:fillRef idx="1">
+        <a:scrgbClr r="0" g="0" b="0"/>
+      </a:fillRef>
+      <a:effectRef idx="0">
+        <a:scrgbClr r="0" g="0" b="0"/>
+      </a:effectRef>
+      <a:fontRef idx="minor"/>
+    </dgm:style>
+  </dgm:styleLbl>
+  <dgm:styleLbl name="bgAccFollowNode1">
+    <dgm:scene3d>
+      <a:camera prst="orthographicFront"/>
+      <a:lightRig rig="threePt" dir="t"/>
+    </dgm:scene3d>
+    <dgm:sp3d/>
+    <dgm:txPr/>
+    <dgm:style>
+      <a:lnRef idx="2">
+        <a:scrgbClr r="0" g="0" b="0"/>
+      </a:lnRef>
+      <a:fillRef idx="1">
+        <a:scrgbClr r="0" g="0" b="0"/>
+      </a:fillRef>
+      <a:effectRef idx="0">
+        <a:scrgbClr r="0" g="0" b="0"/>
+      </a:effectRef>
+      <a:fontRef idx="minor"/>
+    </dgm:style>
+  </dgm:styleLbl>
+  <dgm:styleLbl name="fgAcc0">
+    <dgm:scene3d>
+      <a:camera prst="orthographicFront"/>
+      <a:lightRig rig="threePt" dir="t"/>
+    </dgm:scene3d>
+    <dgm:sp3d/>
+    <dgm:txPr/>
+    <dgm:style>
+      <a:lnRef idx="2">
+        <a:scrgbClr r="0" g="0" b="0"/>
+      </a:lnRef>
+      <a:fillRef idx="1">
+        <a:scrgbClr r="0" g="0" b="0"/>
+      </a:fillRef>
+      <a:effectRef idx="0">
+        <a:scrgbClr r="0" g="0" b="0"/>
+      </a:effectRef>
+      <a:fontRef idx="minor"/>
+    </dgm:style>
+  </dgm:styleLbl>
+  <dgm:styleLbl name="fgAcc2">
+    <dgm:scene3d>
+      <a:camera prst="orthographicFront"/>
+      <a:lightRig rig="threePt" dir="t"/>
+    </dgm:scene3d>
+    <dgm:sp3d/>
+    <dgm:txPr/>
+    <dgm:style>
+      <a:lnRef idx="2">
+        <a:scrgbClr r="0" g="0" b="0"/>
+      </a:lnRef>
+      <a:fillRef idx="1">
+        <a:scrgbClr r="0" g="0" b="0"/>
+      </a:fillRef>
+      <a:effectRef idx="0">
+        <a:scrgbClr r="0" g="0" b="0"/>
+      </a:effectRef>
+      <a:fontRef idx="minor"/>
+    </dgm:style>
+  </dgm:styleLbl>
+  <dgm:styleLbl name="fgAcc3">
+    <dgm:scene3d>
+      <a:camera prst="orthographicFront"/>
+      <a:lightRig rig="threePt" dir="t"/>
+    </dgm:scene3d>
+    <dgm:sp3d/>
+    <dgm:txPr/>
+    <dgm:style>
+      <a:lnRef idx="2">
+        <a:scrgbClr r="0" g="0" b="0"/>
+      </a:lnRef>
+      <a:fillRef idx="1">
+        <a:scrgbClr r="0" g="0" b="0"/>
+      </a:fillRef>
+      <a:effectRef idx="0">
+        <a:scrgbClr r="0" g="0" b="0"/>
+      </a:effectRef>
+      <a:fontRef idx="minor"/>
+    </dgm:style>
+  </dgm:styleLbl>
+  <dgm:styleLbl name="fgAcc4">
+    <dgm:scene3d>
+      <a:camera prst="orthographicFront"/>
+      <a:lightRig rig="threePt" dir="t"/>
+    </dgm:scene3d>
+    <dgm:sp3d/>
+    <dgm:txPr/>
+    <dgm:style>
+      <a:lnRef idx="2">
+        <a:scrgbClr r="0" g="0" b="0"/>
+      </a:lnRef>
+      <a:fillRef idx="1">
+        <a:scrgbClr r="0" g="0" b="0"/>
+      </a:fillRef>
+      <a:effectRef idx="0">
+        <a:scrgbClr r="0" g="0" b="0"/>
+      </a:effectRef>
+      <a:fontRef idx="minor"/>
+    </dgm:style>
+  </dgm:styleLbl>
+  <dgm:styleLbl name="bgShp">
+    <dgm:scene3d>
+      <a:camera prst="orthographicFront"/>
+      <a:lightRig rig="threePt" dir="t"/>
+    </dgm:scene3d>
+    <dgm:sp3d/>
+    <dgm:txPr/>
+    <dgm:style>
+      <a:lnRef idx="0">
+        <a:scrgbClr r="0" g="0" b="0"/>
+      </a:lnRef>
+      <a:fillRef idx="1">
+        <a:scrgbClr r="0" g="0" b="0"/>
+      </a:fillRef>
+      <a:effectRef idx="0">
+        <a:scrgbClr r="0" g="0" b="0"/>
+      </a:effectRef>
+      <a:fontRef idx="minor"/>
+    </dgm:style>
+  </dgm:styleLbl>
+  <dgm:styleLbl name="dkBgShp">
+    <dgm:scene3d>
+      <a:camera prst="orthographicFront"/>
+      <a:lightRig rig="threePt" dir="t"/>
+    </dgm:scene3d>
+    <dgm:sp3d/>
+    <dgm:txPr/>
+    <dgm:style>
+      <a:lnRef idx="0">
+        <a:scrgbClr r="0" g="0" b="0"/>
+      </a:lnRef>
+      <a:fillRef idx="1">
+        <a:scrgbClr r="0" g="0" b="0"/>
+      </a:fillRef>
+      <a:effectRef idx="0">
+        <a:scrgbClr r="0" g="0" b="0"/>
+      </a:effectRef>
+      <a:fontRef idx="minor"/>
+    </dgm:style>
+  </dgm:styleLbl>
+  <dgm:styleLbl name="trBgShp">
+    <dgm:scene3d>
+      <a:camera prst="orthographicFront"/>
+      <a:lightRig rig="threePt" dir="t"/>
+    </dgm:scene3d>
+    <dgm:sp3d/>
+    <dgm:txPr/>
+    <dgm:style>
+      <a:lnRef idx="0">
+        <a:scrgbClr r="0" g="0" b="0"/>
+      </a:lnRef>
+      <a:fillRef idx="1">
+        <a:scrgbClr r="0" g="0" b="0"/>
+      </a:fillRef>
+      <a:effectRef idx="0">
+        <a:scrgbClr r="0" g="0" b="0"/>
+      </a:effectRef>
+      <a:fontRef idx="minor"/>
+    </dgm:style>
+  </dgm:styleLbl>
+  <dgm:styleLbl name="fgShp">
+    <dgm:scene3d>
+      <a:camera prst="orthographicFront"/>
+      <a:lightRig rig="threePt" dir="t"/>
+    </dgm:scene3d>
+    <dgm:sp3d/>
+    <dgm:txPr/>
+    <dgm:style>
+      <a:lnRef idx="2">
+        <a:scrgbClr r="0" g="0" b="0"/>
+      </a:lnRef>
+      <a:fillRef idx="1">
+        <a:scrgbClr r="0" g="0" b="0"/>
+      </a:fillRef>
+      <a:effectRef idx="0">
+        <a:scrgbClr r="0" g="0" b="0"/>
+      </a:effectRef>
+      <a:fontRef idx="minor"/>
+    </dgm:style>
+  </dgm:styleLbl>
+  <dgm:styleLbl name="revTx">
+    <dgm:scene3d>
+      <a:camera prst="orthographicFront"/>
+      <a:lightRig rig="threePt" dir="t"/>
+    </dgm:scene3d>
+    <dgm:sp3d/>
+    <dgm:txPr/>
+    <dgm:style>
+      <a:lnRef idx="0">
+        <a:scrgbClr r="0" g="0" b="0"/>
+      </a:lnRef>
+      <a:fillRef idx="0">
+        <a:scrgbClr r="0" g="0" b="0"/>
+      </a:fillRef>
+      <a:effectRef idx="0">
+        <a:scrgbClr r="0" g="0" b="0"/>
+      </a:effectRef>
+      <a:fontRef idx="minor"/>
+    </dgm:style>
+  </dgm:styleLbl>
+</dgm:styleDef>
+</file>
+
+<file path=ppt/diagrams/quickStyle7.xml><?xml version="1.0" encoding="utf-8"?>
+<dgm:styleDef xmlns:dgm="http://schemas.openxmlformats.org/drawingml/2006/diagram" xmlns:a="http://schemas.openxmlformats.org/drawingml/2006/main" uniqueId="urn:microsoft.com/office/officeart/2005/8/quickstyle/simple1">
+  <dgm:title val=""/>
+  <dgm:desc val=""/>
+  <dgm:catLst>
+    <dgm:cat type="simple" pri="10100"/>
+  </dgm:catLst>
+  <dgm:scene3d>
+    <a:camera prst="orthographicFront"/>
+    <a:lightRig rig="threePt" dir="t"/>
+  </dgm:scene3d>
+  <dgm:styleLbl name="node0">
+    <dgm:scene3d>
+      <a:camera prst="orthographicFront"/>
+      <a:lightRig rig="threePt" dir="t"/>
+    </dgm:scene3d>
+    <dgm:sp3d/>
+    <dgm:txPr/>
+    <dgm:style>
+      <a:lnRef idx="2">
+        <a:scrgbClr r="0" g="0" b="0"/>
+      </a:lnRef>
+      <a:fillRef idx="1">
+        <a:scrgbClr r="0" g="0" b="0"/>
+      </a:fillRef>
+      <a:effectRef idx="0">
+        <a:scrgbClr r="0" g="0" b="0"/>
+      </a:effectRef>
+      <a:fontRef idx="minor">
+        <a:schemeClr val="lt1"/>
+      </a:fontRef>
+    </dgm:style>
+  </dgm:styleLbl>
+  <dgm:styleLbl name="lnNode1">
+    <dgm:scene3d>
+      <a:camera prst="orthographicFront"/>
+      <a:lightRig rig="threePt" dir="t"/>
+    </dgm:scene3d>
+    <dgm:sp3d/>
+    <dgm:txPr/>
+    <dgm:style>
+      <a:lnRef idx="2">
+        <a:scrgbClr r="0" g="0" b="0"/>
+      </a:lnRef>
+      <a:fillRef idx="1">
+        <a:scrgbClr r="0" g="0" b="0"/>
+      </a:fillRef>
+      <a:effectRef idx="0">
+        <a:scrgbClr r="0" g="0" b="0"/>
+      </a:effectRef>
+      <a:fontRef idx="minor">
+        <a:schemeClr val="lt1"/>
+      </a:fontRef>
+    </dgm:style>
+  </dgm:styleLbl>
+  <dgm:styleLbl name="vennNode1">
+    <dgm:scene3d>
+      <a:camera prst="orthographicFront"/>
+      <a:lightRig rig="threePt" dir="t"/>
+    </dgm:scene3d>
+    <dgm:sp3d/>
+    <dgm:txPr/>
+    <dgm:style>
+      <a:lnRef idx="2">
+        <a:scrgbClr r="0" g="0" b="0"/>
+      </a:lnRef>
+      <a:fillRef idx="1">
+        <a:scrgbClr r="0" g="0" b="0"/>
+      </a:fillRef>
+      <a:effectRef idx="0">
+        <a:scrgbClr r="0" g="0" b="0"/>
+      </a:effectRef>
+      <a:fontRef idx="minor">
+        <a:schemeClr val="tx1"/>
+      </a:fontRef>
+    </dgm:style>
+  </dgm:styleLbl>
+  <dgm:styleLbl name="alignNode1">
+    <dgm:scene3d>
+      <a:camera prst="orthographicFront"/>
+      <a:lightRig rig="threePt" dir="t"/>
+    </dgm:scene3d>
+    <dgm:sp3d/>
+    <dgm:txPr/>
+    <dgm:style>
+      <a:lnRef idx="2">
+        <a:scrgbClr r="0" g="0" b="0"/>
+      </a:lnRef>
+      <a:fillRef idx="1">
+        <a:scrgbClr r="0" g="0" b="0"/>
+      </a:fillRef>
+      <a:effectRef idx="0">
+        <a:scrgbClr r="0" g="0" b="0"/>
+      </a:effectRef>
+      <a:fontRef idx="minor">
+        <a:schemeClr val="lt1"/>
+      </a:fontRef>
+    </dgm:style>
+  </dgm:styleLbl>
+  <dgm:styleLbl name="node1">
+    <dgm:scene3d>
+      <a:camera prst="orthographicFront"/>
+      <a:lightRig rig="threePt" dir="t"/>
+    </dgm:scene3d>
+    <dgm:sp3d/>
+    <dgm:txPr/>
+    <dgm:style>
+      <a:lnRef idx="2">
+        <a:scrgbClr r="0" g="0" b="0"/>
+      </a:lnRef>
+      <a:fillRef idx="1">
+        <a:scrgbClr r="0" g="0" b="0"/>
+      </a:fillRef>
+      <a:effectRef idx="0">
+        <a:scrgbClr r="0" g="0" b="0"/>
+      </a:effectRef>
+      <a:fontRef idx="minor">
+        <a:schemeClr val="lt1"/>
+      </a:fontRef>
+    </dgm:style>
+  </dgm:styleLbl>
+  <dgm:styleLbl name="node2">
+    <dgm:scene3d>
+      <a:camera prst="orthographicFront"/>
+      <a:lightRig rig="threePt" dir="t"/>
+    </dgm:scene3d>
+    <dgm:sp3d/>
+    <dgm:txPr/>
+    <dgm:style>
+      <a:lnRef idx="2">
+        <a:scrgbClr r="0" g="0" b="0"/>
+      </a:lnRef>
+      <a:fillRef idx="1">
+        <a:scrgbClr r="0" g="0" b="0"/>
+      </a:fillRef>
+      <a:effectRef idx="0">
+        <a:scrgbClr r="0" g="0" b="0"/>
+      </a:effectRef>
+      <a:fontRef idx="minor">
+        <a:schemeClr val="lt1"/>
+      </a:fontRef>
+    </dgm:style>
+  </dgm:styleLbl>
+  <dgm:styleLbl name="node3">
+    <dgm:scene3d>
+      <a:camera prst="orthographicFront"/>
+      <a:lightRig rig="threePt" dir="t"/>
+    </dgm:scene3d>
+    <dgm:sp3d/>
+    <dgm:txPr/>
+    <dgm:style>
+      <a:lnRef idx="2">
+        <a:scrgbClr r="0" g="0" b="0"/>
+      </a:lnRef>
+      <a:fillRef idx="1">
+        <a:scrgbClr r="0" g="0" b="0"/>
+      </a:fillRef>
+      <a:effectRef idx="0">
+        <a:scrgbClr r="0" g="0" b="0"/>
+      </a:effectRef>
+      <a:fontRef idx="minor">
+        <a:schemeClr val="lt1"/>
+      </a:fontRef>
+    </dgm:style>
+  </dgm:styleLbl>
+  <dgm:styleLbl name="node4">
+    <dgm:scene3d>
+      <a:camera prst="orthographicFront"/>
+      <a:lightRig rig="threePt" dir="t"/>
+    </dgm:scene3d>
+    <dgm:sp3d/>
+    <dgm:txPr/>
+    <dgm:style>
+      <a:lnRef idx="2">
+        <a:scrgbClr r="0" g="0" b="0"/>
+      </a:lnRef>
+      <a:fillRef idx="1">
+        <a:scrgbClr r="0" g="0" b="0"/>
+      </a:fillRef>
+      <a:effectRef idx="0">
+        <a:scrgbClr r="0" g="0" b="0"/>
+      </a:effectRef>
+      <a:fontRef idx="minor">
+        <a:schemeClr val="lt1"/>
+      </a:fontRef>
+    </dgm:style>
+  </dgm:styleLbl>
+  <dgm:styleLbl name="fgImgPlace1">
+    <dgm:scene3d>
+      <a:camera prst="orthographicFront"/>
+      <a:lightRig rig="threePt" dir="t"/>
+    </dgm:scene3d>
+    <dgm:sp3d/>
+    <dgm:txPr/>
+    <dgm:style>
+      <a:lnRef idx="2">
+        <a:scrgbClr r="0" g="0" b="0"/>
+      </a:lnRef>
+      <a:fillRef idx="1">
+        <a:scrgbClr r="0" g="0" b="0"/>
+      </a:fillRef>
+      <a:effectRef idx="0">
+        <a:scrgbClr r="0" g="0" b="0"/>
+      </a:effectRef>
+      <a:fontRef idx="minor"/>
+    </dgm:style>
+  </dgm:styleLbl>
+  <dgm:styleLbl name="alignImgPlace1">
+    <dgm:scene3d>
+      <a:camera prst="orthographicFront"/>
+      <a:lightRig rig="threePt" dir="t"/>
+    </dgm:scene3d>
+    <dgm:sp3d/>
+    <dgm:txPr/>
+    <dgm:style>
+      <a:lnRef idx="2">
+        <a:scrgbClr r="0" g="0" b="0"/>
+      </a:lnRef>
+      <a:fillRef idx="1">
+        <a:scrgbClr r="0" g="0" b="0"/>
+      </a:fillRef>
+      <a:effectRef idx="0">
+        <a:scrgbClr r="0" g="0" b="0"/>
+      </a:effectRef>
+      <a:fontRef idx="minor"/>
+    </dgm:style>
+  </dgm:styleLbl>
+  <dgm:styleLbl name="bgImgPlace1">
+    <dgm:scene3d>
+      <a:camera prst="orthographicFront"/>
+      <a:lightRig rig="threePt" dir="t"/>
+    </dgm:scene3d>
+    <dgm:sp3d/>
+    <dgm:txPr/>
+    <dgm:style>
+      <a:lnRef idx="2">
+        <a:scrgbClr r="0" g="0" b="0"/>
+      </a:lnRef>
+      <a:fillRef idx="1">
+        <a:scrgbClr r="0" g="0" b="0"/>
+      </a:fillRef>
+      <a:effectRef idx="0">
+        <a:scrgbClr r="0" g="0" b="0"/>
+      </a:effectRef>
+      <a:fontRef idx="minor"/>
+    </dgm:style>
+  </dgm:styleLbl>
+  <dgm:styleLbl name="sibTrans2D1">
+    <dgm:scene3d>
+      <a:camera prst="orthographicFront"/>
+      <a:lightRig rig="threePt" dir="t"/>
+    </dgm:scene3d>
+    <dgm:sp3d/>
+    <dgm:txPr/>
+    <dgm:style>
+      <a:lnRef idx="0">
+        <a:scrgbClr r="0" g="0" b="0"/>
+      </a:lnRef>
+      <a:fillRef idx="1">
+        <a:scrgbClr r="0" g="0" b="0"/>
+      </a:fillRef>
+      <a:effectRef idx="0">
+        <a:scrgbClr r="0" g="0" b="0"/>
+      </a:effectRef>
+      <a:fontRef idx="minor">
+        <a:schemeClr val="lt1"/>
+      </a:fontRef>
+    </dgm:style>
+  </dgm:styleLbl>
+  <dgm:styleLbl name="fgSibTrans2D1">
+    <dgm:scene3d>
+      <a:camera prst="orthographicFront"/>
+      <a:lightRig rig="threePt" dir="t"/>
+    </dgm:scene3d>
+    <dgm:sp3d/>
+    <dgm:txPr/>
+    <dgm:style>
+      <a:lnRef idx="0">
+        <a:scrgbClr r="0" g="0" b="0"/>
+      </a:lnRef>
+      <a:fillRef idx="1">
+        <a:scrgbClr r="0" g="0" b="0"/>
+      </a:fillRef>
+      <a:effectRef idx="0">
+        <a:scrgbClr r="0" g="0" b="0"/>
+      </a:effectRef>
+      <a:fontRef idx="minor">
+        <a:schemeClr val="lt1"/>
+      </a:fontRef>
+    </dgm:style>
+  </dgm:styleLbl>
+  <dgm:styleLbl name="bgSibTrans2D1">
+    <dgm:scene3d>
+      <a:camera prst="orthographicFront"/>
+      <a:lightRig rig="threePt" dir="t"/>
+    </dgm:scene3d>
+    <dgm:sp3d/>
+    <dgm:txPr/>
+    <dgm:style>
+      <a:lnRef idx="0">
+        <a:scrgbClr r="0" g="0" b="0"/>
+      </a:lnRef>
+      <a:fillRef idx="1">
+        <a:scrgbClr r="0" g="0" b="0"/>
+      </a:fillRef>
+      <a:effectRef idx="0">
+        <a:scrgbClr r="0" g="0" b="0"/>
+      </a:effectRef>
+      <a:fontRef idx="minor">
+        <a:schemeClr val="lt1"/>
+      </a:fontRef>
+    </dgm:style>
+  </dgm:styleLbl>
+  <dgm:styleLbl name="sibTrans1D1">
+    <dgm:scene3d>
+      <a:camera prst="orthographicFront"/>
+      <a:lightRig rig="threePt" dir="t"/>
+    </dgm:scene3d>
+    <dgm:sp3d/>
+    <dgm:txPr/>
+    <dgm:style>
+      <a:lnRef idx="1">
+        <a:scrgbClr r="0" g="0" b="0"/>
+      </a:lnRef>
+      <a:fillRef idx="0">
+        <a:scrgbClr r="0" g="0" b="0"/>
+      </a:fillRef>
+      <a:effectRef idx="0">
+        <a:scrgbClr r="0" g="0" b="0"/>
+      </a:effectRef>
+      <a:fontRef idx="minor"/>
+    </dgm:style>
+  </dgm:styleLbl>
+  <dgm:styleLbl name="callout">
+    <dgm:scene3d>
+      <a:camera prst="orthographicFront"/>
+      <a:lightRig rig="threePt" dir="t"/>
+    </dgm:scene3d>
+    <dgm:sp3d/>
+    <dgm:txPr/>
+    <dgm:style>
+      <a:lnRef idx="2">
+        <a:scrgbClr r="0" g="0" b="0"/>
+      </a:lnRef>
+      <a:fillRef idx="1">
+        <a:scrgbClr r="0" g="0" b="0"/>
+      </a:fillRef>
+      <a:effectRef idx="0">
+        <a:scrgbClr r="0" g="0" b="0"/>
+      </a:effectRef>
+      <a:fontRef idx="minor"/>
+    </dgm:style>
+  </dgm:styleLbl>
+  <dgm:styleLbl name="asst0">
+    <dgm:scene3d>
+      <a:camera prst="orthographicFront"/>
+      <a:lightRig rig="threePt" dir="t"/>
+    </dgm:scene3d>
+    <dgm:sp3d/>
+    <dgm:txPr/>
+    <dgm:style>
+      <a:lnRef idx="2">
+        <a:scrgbClr r="0" g="0" b="0"/>
+      </a:lnRef>
+      <a:fillRef idx="1">
+        <a:scrgbClr r="0" g="0" b="0"/>
+      </a:fillRef>
+      <a:effectRef idx="0">
+        <a:scrgbClr r="0" g="0" b="0"/>
+      </a:effectRef>
+      <a:fontRef idx="minor">
+        <a:schemeClr val="lt1"/>
+      </a:fontRef>
+    </dgm:style>
+  </dgm:styleLbl>
+  <dgm:styleLbl name="asst1">
+    <dgm:scene3d>
+      <a:camera prst="orthographicFront"/>
+      <a:lightRig rig="threePt" dir="t"/>
+    </dgm:scene3d>
+    <dgm:sp3d/>
+    <dgm:txPr/>
+    <dgm:style>
+      <a:lnRef idx="2">
+        <a:scrgbClr r="0" g="0" b="0"/>
+      </a:lnRef>
+      <a:fillRef idx="1">
+        <a:scrgbClr r="0" g="0" b="0"/>
+      </a:fillRef>
+      <a:effectRef idx="0">
+        <a:scrgbClr r="0" g="0" b="0"/>
+      </a:effectRef>
+      <a:fontRef idx="minor">
+        <a:schemeClr val="lt1"/>
+      </a:fontRef>
+    </dgm:style>
+  </dgm:styleLbl>
+  <dgm:styleLbl name="asst2">
+    <dgm:scene3d>
+      <a:camera prst="orthographicFront"/>
+      <a:lightRig rig="threePt" dir="t"/>
+    </dgm:scene3d>
+    <dgm:sp3d/>
+    <dgm:txPr/>
+    <dgm:style>
+      <a:lnRef idx="2">
+        <a:scrgbClr r="0" g="0" b="0"/>
+      </a:lnRef>
+      <a:fillRef idx="1">
+        <a:scrgbClr r="0" g="0" b="0"/>
+      </a:fillRef>
+      <a:effectRef idx="0">
+        <a:scrgbClr r="0" g="0" b="0"/>
+      </a:effectRef>
+      <a:fontRef idx="minor">
+        <a:schemeClr val="lt1"/>
+      </a:fontRef>
+    </dgm:style>
+  </dgm:styleLbl>
+  <dgm:styleLbl name="asst3">
+    <dgm:scene3d>
+      <a:camera prst="orthographicFront"/>
+      <a:lightRig rig="threePt" dir="t"/>
+    </dgm:scene3d>
+    <dgm:sp3d/>
+    <dgm:txPr/>
+    <dgm:style>
+      <a:lnRef idx="2">
+        <a:scrgbClr r="0" g="0" b="0"/>
+      </a:lnRef>
+      <a:fillRef idx="1">
+        <a:scrgbClr r="0" g="0" b="0"/>
+      </a:fillRef>
+      <a:effectRef idx="0">
+        <a:scrgbClr r="0" g="0" b="0"/>
+      </a:effectRef>
+      <a:fontRef idx="minor">
+        <a:schemeClr val="lt1"/>
+      </a:fontRef>
+    </dgm:style>
+  </dgm:styleLbl>
+  <dgm:styleLbl name="asst4">
+    <dgm:scene3d>
+      <a:camera prst="orthographicFront"/>
+      <a:lightRig rig="threePt" dir="t"/>
+    </dgm:scene3d>
+    <dgm:sp3d/>
+    <dgm:txPr/>
+    <dgm:style>
+      <a:lnRef idx="2">
+        <a:scrgbClr r="0" g="0" b="0"/>
+      </a:lnRef>
+      <a:fillRef idx="1">
+        <a:scrgbClr r="0" g="0" b="0"/>
+      </a:fillRef>
+      <a:effectRef idx="0">
+        <a:scrgbClr r="0" g="0" b="0"/>
+      </a:effectRef>
+      <a:fontRef idx="minor">
+        <a:schemeClr val="lt1"/>
+      </a:fontRef>
+    </dgm:style>
+  </dgm:styleLbl>
+  <dgm:styleLbl name="parChTrans2D1">
+    <dgm:scene3d>
+      <a:camera prst="orthographicFront"/>
+      <a:lightRig rig="threePt" dir="t"/>
+    </dgm:scene3d>
+    <dgm:sp3d/>
+    <dgm:txPr/>
+    <dgm:style>
+      <a:lnRef idx="2">
+        <a:scrgbClr r="0" g="0" b="0"/>
+      </a:lnRef>
+      <a:fillRef idx="1">
+        <a:scrgbClr r="0" g="0" b="0"/>
+      </a:fillRef>
+      <a:effectRef idx="0">
+        <a:scrgbClr r="0" g="0" b="0"/>
+      </a:effectRef>
+      <a:fontRef idx="minor">
+        <a:schemeClr val="lt1"/>
+      </a:fontRef>
+    </dgm:style>
+  </dgm:styleLbl>
+  <dgm:styleLbl name="parChTrans2D2">
+    <dgm:scene3d>
+      <a:camera prst="orthographicFront"/>
+      <a:lightRig rig="threePt" dir="t"/>
+    </dgm:scene3d>
+    <dgm:sp3d/>
+    <dgm:txPr/>
+    <dgm:style>
+      <a:lnRef idx="2">
+        <a:scrgbClr r="0" g="0" b="0"/>
+      </a:lnRef>
+      <a:fillRef idx="1">
+        <a:scrgbClr r="0" g="0" b="0"/>
+      </a:fillRef>
+      <a:effectRef idx="0">
+        <a:scrgbClr r="0" g="0" b="0"/>
+      </a:effectRef>
+      <a:fontRef idx="minor">
+        <a:schemeClr val="lt1"/>
+      </a:fontRef>
+    </dgm:style>
+  </dgm:styleLbl>
+  <dgm:styleLbl name="parChTrans2D3">
+    <dgm:scene3d>
+      <a:camera prst="orthographicFront"/>
+      <a:lightRig rig="threePt" dir="t"/>
+    </dgm:scene3d>
+    <dgm:sp3d/>
+    <dgm:txPr/>
+    <dgm:style>
+      <a:lnRef idx="2">
+        <a:scrgbClr r="0" g="0" b="0"/>
+      </a:lnRef>
+      <a:fillRef idx="1">
+        <a:scrgbClr r="0" g="0" b="0"/>
+      </a:fillRef>
+      <a:effectRef idx="0">
+        <a:scrgbClr r="0" g="0" b="0"/>
+      </a:effectRef>
+      <a:fontRef idx="minor">
+        <a:schemeClr val="lt1"/>
+      </a:fontRef>
+    </dgm:style>
+  </dgm:styleLbl>
+  <dgm:styleLbl name="parChTrans2D4">
+    <dgm:scene3d>
+      <a:camera prst="orthographicFront"/>
+      <a:lightRig rig="threePt" dir="t"/>
+    </dgm:scene3d>
+    <dgm:sp3d/>
+    <dgm:txPr/>
+    <dgm:style>
+      <a:lnRef idx="2">
+        <a:scrgbClr r="0" g="0" b="0"/>
+      </a:lnRef>
+      <a:fillRef idx="1">
+        <a:scrgbClr r="0" g="0" b="0"/>
+      </a:fillRef>
+      <a:effectRef idx="0">
+        <a:scrgbClr r="0" g="0" b="0"/>
+      </a:effectRef>
+      <a:fontRef idx="minor">
+        <a:schemeClr val="lt1"/>
+      </a:fontRef>
+    </dgm:style>
+  </dgm:styleLbl>
+  <dgm:styleLbl name="parChTrans1D1">
+    <dgm:scene3d>
+      <a:camera prst="orthographicFront"/>
+      <a:lightRig rig="threePt" dir="t"/>
+    </dgm:scene3d>
+    <dgm:sp3d/>
+    <dgm:txPr/>
+    <dgm:style>
+      <a:lnRef idx="2">
+        <a:scrgbClr r="0" g="0" b="0"/>
+      </a:lnRef>
+      <a:fillRef idx="0">
+        <a:scrgbClr r="0" g="0" b="0"/>
+      </a:fillRef>
+      <a:effectRef idx="0">
+        <a:scrgbClr r="0" g="0" b="0"/>
+      </a:effectRef>
+      <a:fontRef idx="minor"/>
+    </dgm:style>
+  </dgm:styleLbl>
+  <dgm:styleLbl name="parChTrans1D2">
+    <dgm:scene3d>
+      <a:camera prst="orthographicFront"/>
+      <a:lightRig rig="threePt" dir="t"/>
+    </dgm:scene3d>
+    <dgm:sp3d/>
+    <dgm:txPr/>
+    <dgm:style>
+      <a:lnRef idx="2">
+        <a:scrgbClr r="0" g="0" b="0"/>
+      </a:lnRef>
+      <a:fillRef idx="0">
+        <a:scrgbClr r="0" g="0" b="0"/>
+      </a:fillRef>
+      <a:effectRef idx="0">
+        <a:scrgbClr r="0" g="0" b="0"/>
+      </a:effectRef>
+      <a:fontRef idx="minor"/>
+    </dgm:style>
+  </dgm:styleLbl>
+  <dgm:styleLbl name="parChTrans1D3">
+    <dgm:scene3d>
+      <a:camera prst="orthographicFront"/>
+      <a:lightRig rig="threePt" dir="t"/>
+    </dgm:scene3d>
+    <dgm:sp3d/>
+    <dgm:txPr/>
+    <dgm:style>
+      <a:lnRef idx="2">
+        <a:scrgbClr r="0" g="0" b="0"/>
+      </a:lnRef>
+      <a:fillRef idx="0">
+        <a:scrgbClr r="0" g="0" b="0"/>
+      </a:fillRef>
+      <a:effectRef idx="0">
+        <a:scrgbClr r="0" g="0" b="0"/>
+      </a:effectRef>
+      <a:fontRef idx="minor"/>
+    </dgm:style>
+  </dgm:styleLbl>
+  <dgm:styleLbl name="parChTrans1D4">
+    <dgm:scene3d>
+      <a:camera prst="orthographicFront"/>
+      <a:lightRig rig="threePt" dir="t"/>
+    </dgm:scene3d>
+    <dgm:sp3d/>
+    <dgm:txPr/>
+    <dgm:style>
+      <a:lnRef idx="2">
+        <a:scrgbClr r="0" g="0" b="0"/>
+      </a:lnRef>
+      <a:fillRef idx="0">
+        <a:scrgbClr r="0" g="0" b="0"/>
+      </a:fillRef>
+      <a:effectRef idx="0">
+        <a:scrgbClr r="0" g="0" b="0"/>
+      </a:effectRef>
+      <a:fontRef idx="minor"/>
+    </dgm:style>
+  </dgm:styleLbl>
+  <dgm:styleLbl name="fgAcc1">
+    <dgm:scene3d>
+      <a:camera prst="orthographicFront"/>
+      <a:lightRig rig="threePt" dir="t"/>
+    </dgm:scene3d>
+    <dgm:sp3d/>
+    <dgm:txPr/>
+    <dgm:style>
+      <a:lnRef idx="2">
+        <a:scrgbClr r="0" g="0" b="0"/>
+      </a:lnRef>
+      <a:fillRef idx="1">
+        <a:scrgbClr r="0" g="0" b="0"/>
+      </a:fillRef>
+      <a:effectRef idx="0">
+        <a:scrgbClr r="0" g="0" b="0"/>
+      </a:effectRef>
+      <a:fontRef idx="minor"/>
+    </dgm:style>
+  </dgm:styleLbl>
+  <dgm:styleLbl name="conFgAcc1">
+    <dgm:scene3d>
+      <a:camera prst="orthographicFront"/>
+      <a:lightRig rig="threePt" dir="t"/>
+    </dgm:scene3d>
+    <dgm:sp3d/>
+    <dgm:txPr/>
+    <dgm:style>
+      <a:lnRef idx="2">
+        <a:scrgbClr r="0" g="0" b="0"/>
+      </a:lnRef>
+      <a:fillRef idx="1">
+        <a:scrgbClr r="0" g="0" b="0"/>
+      </a:fillRef>
+      <a:effectRef idx="0">
+        <a:scrgbClr r="0" g="0" b="0"/>
+      </a:effectRef>
+      <a:fontRef idx="minor"/>
+    </dgm:style>
+  </dgm:styleLbl>
+  <dgm:styleLbl name="alignAcc1">
+    <dgm:scene3d>
+      <a:camera prst="orthographicFront"/>
+      <a:lightRig rig="threePt" dir="t"/>
+    </dgm:scene3d>
+    <dgm:sp3d/>
+    <dgm:txPr/>
+    <dgm:style>
+      <a:lnRef idx="2">
+        <a:scrgbClr r="0" g="0" b="0"/>
+      </a:lnRef>
+      <a:fillRef idx="1">
+        <a:scrgbClr r="0" g="0" b="0"/>
+      </a:fillRef>
+      <a:effectRef idx="0">
+        <a:scrgbClr r="0" g="0" b="0"/>
+      </a:effectRef>
+      <a:fontRef idx="minor"/>
+    </dgm:style>
+  </dgm:styleLbl>
+  <dgm:styleLbl name="trAlignAcc1">
+    <dgm:scene3d>
+      <a:camera prst="orthographicFront"/>
+      <a:lightRig rig="threePt" dir="t"/>
+    </dgm:scene3d>
+    <dgm:sp3d/>
+    <dgm:txPr/>
+    <dgm:style>
+      <a:lnRef idx="1">
+        <a:scrgbClr r="0" g="0" b="0"/>
+      </a:lnRef>
+      <a:fillRef idx="1">
+        <a:scrgbClr r="0" g="0" b="0"/>
+      </a:fillRef>
+      <a:effectRef idx="0">
+        <a:scrgbClr r="0" g="0" b="0"/>
+      </a:effectRef>
+      <a:fontRef idx="minor"/>
+    </dgm:style>
+  </dgm:styleLbl>
+  <dgm:styleLbl name="bgAcc1">
+    <dgm:scene3d>
+      <a:camera prst="orthographicFront"/>
+      <a:lightRig rig="threePt" dir="t"/>
+    </dgm:scene3d>
+    <dgm:sp3d/>
+    <dgm:txPr/>
+    <dgm:style>
+      <a:lnRef idx="2">
+        <a:scrgbClr r="0" g="0" b="0"/>
+      </a:lnRef>
+      <a:fillRef idx="1">
+        <a:scrgbClr r="0" g="0" b="0"/>
+      </a:fillRef>
+      <a:effectRef idx="0">
+        <a:scrgbClr r="0" g="0" b="0"/>
+      </a:effectRef>
+      <a:fontRef idx="minor"/>
+    </dgm:style>
+  </dgm:styleLbl>
+  <dgm:styleLbl name="solidFgAcc1">
+    <dgm:scene3d>
+      <a:camera prst="orthographicFront"/>
+      <a:lightRig rig="threePt" dir="t"/>
+    </dgm:scene3d>
+    <dgm:sp3d/>
+    <dgm:txPr/>
+    <dgm:style>
+      <a:lnRef idx="2">
+        <a:scrgbClr r="0" g="0" b="0"/>
+      </a:lnRef>
+      <a:fillRef idx="1">
+        <a:scrgbClr r="0" g="0" b="0"/>
+      </a:fillRef>
+      <a:effectRef idx="0">
+        <a:scrgbClr r="0" g="0" b="0"/>
+      </a:effectRef>
+      <a:fontRef idx="minor"/>
+    </dgm:style>
+  </dgm:styleLbl>
+  <dgm:styleLbl name="solidAlignAcc1">
+    <dgm:scene3d>
+      <a:camera prst="orthographicFront"/>
+      <a:lightRig rig="threePt" dir="t"/>
+    </dgm:scene3d>
+    <dgm:sp3d/>
+    <dgm:txPr/>
+    <dgm:style>
+      <a:lnRef idx="2">
+        <a:scrgbClr r="0" g="0" b="0"/>
+      </a:lnRef>
+      <a:fillRef idx="1">
+        <a:scrgbClr r="0" g="0" b="0"/>
+      </a:fillRef>
+      <a:effectRef idx="0">
+        <a:scrgbClr r="0" g="0" b="0"/>
+      </a:effectRef>
+      <a:fontRef idx="minor"/>
+    </dgm:style>
+  </dgm:styleLbl>
+  <dgm:styleLbl name="solidBgAcc1">
+    <dgm:scene3d>
+      <a:camera prst="orthographicFront"/>
+      <a:lightRig rig="threePt" dir="t"/>
+    </dgm:scene3d>
+    <dgm:sp3d/>
+    <dgm:txPr/>
+    <dgm:style>
+      <a:lnRef idx="2">
+        <a:scrgbClr r="0" g="0" b="0"/>
+      </a:lnRef>
+      <a:fillRef idx="1">
+        <a:scrgbClr r="0" g="0" b="0"/>
+      </a:fillRef>
+      <a:effectRef idx="0">
+        <a:scrgbClr r="0" g="0" b="0"/>
+      </a:effectRef>
+      <a:fontRef idx="minor"/>
+    </dgm:style>
+  </dgm:styleLbl>
+  <dgm:styleLbl name="fgAccFollowNode1">
+    <dgm:scene3d>
+      <a:camera prst="orthographicFront"/>
+      <a:lightRig rig="threePt" dir="t"/>
+    </dgm:scene3d>
+    <dgm:sp3d/>
+    <dgm:txPr/>
+    <dgm:style>
+      <a:lnRef idx="2">
+        <a:scrgbClr r="0" g="0" b="0"/>
+      </a:lnRef>
+      <a:fillRef idx="1">
+        <a:scrgbClr r="0" g="0" b="0"/>
+      </a:fillRef>
+      <a:effectRef idx="0">
+        <a:scrgbClr r="0" g="0" b="0"/>
+      </a:effectRef>
+      <a:fontRef idx="minor"/>
+    </dgm:style>
+  </dgm:styleLbl>
+  <dgm:styleLbl name="alignAccFollowNode1">
+    <dgm:scene3d>
+      <a:camera prst="orthographicFront"/>
+      <a:lightRig rig="threePt" dir="t"/>
+    </dgm:scene3d>
+    <dgm:sp3d/>
+    <dgm:txPr/>
+    <dgm:style>
+      <a:lnRef idx="2">
+        <a:scrgbClr r="0" g="0" b="0"/>
+      </a:lnRef>
+      <a:fillRef idx="1">
+        <a:scrgbClr r="0" g="0" b="0"/>
+      </a:fillRef>
+      <a:effectRef idx="0">
+        <a:scrgbClr r="0" g="0" b="0"/>
+      </a:effectRef>
+      <a:fontRef idx="minor"/>
+    </dgm:style>
+  </dgm:styleLbl>
+  <dgm:styleLbl name="bgAccFollowNode1">
+    <dgm:scene3d>
+      <a:camera prst="orthographicFront"/>
+      <a:lightRig rig="threePt" dir="t"/>
+    </dgm:scene3d>
+    <dgm:sp3d/>
+    <dgm:txPr/>
+    <dgm:style>
+      <a:lnRef idx="2">
+        <a:scrgbClr r="0" g="0" b="0"/>
+      </a:lnRef>
+      <a:fillRef idx="1">
+        <a:scrgbClr r="0" g="0" b="0"/>
+      </a:fillRef>
+      <a:effectRef idx="0">
+        <a:scrgbClr r="0" g="0" b="0"/>
+      </a:effectRef>
+      <a:fontRef idx="minor"/>
+    </dgm:style>
+  </dgm:styleLbl>
+  <dgm:styleLbl name="fgAcc0">
+    <dgm:scene3d>
+      <a:camera prst="orthographicFront"/>
+      <a:lightRig rig="threePt" dir="t"/>
+    </dgm:scene3d>
+    <dgm:sp3d/>
+    <dgm:txPr/>
+    <dgm:style>
+      <a:lnRef idx="2">
+        <a:scrgbClr r="0" g="0" b="0"/>
+      </a:lnRef>
+      <a:fillRef idx="1">
+        <a:scrgbClr r="0" g="0" b="0"/>
+      </a:fillRef>
+      <a:effectRef idx="0">
+        <a:scrgbClr r="0" g="0" b="0"/>
+      </a:effectRef>
+      <a:fontRef idx="minor"/>
+    </dgm:style>
+  </dgm:styleLbl>
+  <dgm:styleLbl name="fgAcc2">
+    <dgm:scene3d>
+      <a:camera prst="orthographicFront"/>
+      <a:lightRig rig="threePt" dir="t"/>
+    </dgm:scene3d>
+    <dgm:sp3d/>
+    <dgm:txPr/>
+    <dgm:style>
+      <a:lnRef idx="2">
+        <a:scrgbClr r="0" g="0" b="0"/>
+      </a:lnRef>
+      <a:fillRef idx="1">
+        <a:scrgbClr r="0" g="0" b="0"/>
+      </a:fillRef>
+      <a:effectRef idx="0">
+        <a:scrgbClr r="0" g="0" b="0"/>
+      </a:effectRef>
+      <a:fontRef idx="minor"/>
+    </dgm:style>
+  </dgm:styleLbl>
+  <dgm:styleLbl name="fgAcc3">
+    <dgm:scene3d>
+      <a:camera prst="orthographicFront"/>
+      <a:lightRig rig="threePt" dir="t"/>
+    </dgm:scene3d>
+    <dgm:sp3d/>
+    <dgm:txPr/>
+    <dgm:style>
+      <a:lnRef idx="2">
+        <a:scrgbClr r="0" g="0" b="0"/>
+      </a:lnRef>
+      <a:fillRef idx="1">
+        <a:scrgbClr r="0" g="0" b="0"/>
+      </a:fillRef>
+      <a:effectRef idx="0">
+        <a:scrgbClr r="0" g="0" b="0"/>
+      </a:effectRef>
+      <a:fontRef idx="minor"/>
+    </dgm:style>
+  </dgm:styleLbl>
+  <dgm:styleLbl name="fgAcc4">
+    <dgm:scene3d>
+      <a:camera prst="orthographicFront"/>
+      <a:lightRig rig="threePt" dir="t"/>
+    </dgm:scene3d>
+    <dgm:sp3d/>
+    <dgm:txPr/>
+    <dgm:style>
+      <a:lnRef idx="2">
+        <a:scrgbClr r="0" g="0" b="0"/>
+      </a:lnRef>
+      <a:fillRef idx="1">
+        <a:scrgbClr r="0" g="0" b="0"/>
+      </a:fillRef>
+      <a:effectRef idx="0">
+        <a:scrgbClr r="0" g="0" b="0"/>
+      </a:effectRef>
+      <a:fontRef idx="minor"/>
+    </dgm:style>
+  </dgm:styleLbl>
+  <dgm:styleLbl name="bgShp">
+    <dgm:scene3d>
+      <a:camera prst="orthographicFront"/>
+      <a:lightRig rig="threePt" dir="t"/>
+    </dgm:scene3d>
+    <dgm:sp3d/>
+    <dgm:txPr/>
+    <dgm:style>
+      <a:lnRef idx="0">
+        <a:scrgbClr r="0" g="0" b="0"/>
+      </a:lnRef>
+      <a:fillRef idx="1">
+        <a:scrgbClr r="0" g="0" b="0"/>
+      </a:fillRef>
+      <a:effectRef idx="0">
+        <a:scrgbClr r="0" g="0" b="0"/>
+      </a:effectRef>
+      <a:fontRef idx="minor"/>
+    </dgm:style>
+  </dgm:styleLbl>
+  <dgm:styleLbl name="dkBgShp">
+    <dgm:scene3d>
+      <a:camera prst="orthographicFront"/>
+      <a:lightRig rig="threePt" dir="t"/>
+    </dgm:scene3d>
+    <dgm:sp3d/>
+    <dgm:txPr/>
+    <dgm:style>
+      <a:lnRef idx="0">
+        <a:scrgbClr r="0" g="0" b="0"/>
+      </a:lnRef>
+      <a:fillRef idx="1">
+        <a:scrgbClr r="0" g="0" b="0"/>
+      </a:fillRef>
+      <a:effectRef idx="0">
+        <a:scrgbClr r="0" g="0" b="0"/>
+      </a:effectRef>
+      <a:fontRef idx="minor"/>
+    </dgm:style>
+  </dgm:styleLbl>
+  <dgm:styleLbl name="trBgShp">
+    <dgm:scene3d>
+      <a:camera prst="orthographicFront"/>
+      <a:lightRig rig="threePt" dir="t"/>
+    </dgm:scene3d>
+    <dgm:sp3d/>
+    <dgm:txPr/>
+    <dgm:style>
+      <a:lnRef idx="0">
+        <a:scrgbClr r="0" g="0" b="0"/>
+      </a:lnRef>
+      <a:fillRef idx="1">
+        <a:scrgbClr r="0" g="0" b="0"/>
+      </a:fillRef>
+      <a:effectRef idx="0">
+        <a:scrgbClr r="0" g="0" b="0"/>
+      </a:effectRef>
+      <a:fontRef idx="minor"/>
+    </dgm:style>
+  </dgm:styleLbl>
+  <dgm:styleLbl name="fgShp">
+    <dgm:scene3d>
+      <a:camera prst="orthographicFront"/>
+      <a:lightRig rig="threePt" dir="t"/>
+    </dgm:scene3d>
+    <dgm:sp3d/>
+    <dgm:txPr/>
+    <dgm:style>
+      <a:lnRef idx="2">
+        <a:scrgbClr r="0" g="0" b="0"/>
+      </a:lnRef>
+      <a:fillRef idx="1">
+        <a:scrgbClr r="0" g="0" b="0"/>
+      </a:fillRef>
+      <a:effectRef idx="0">
+        <a:scrgbClr r="0" g="0" b="0"/>
+      </a:effectRef>
+      <a:fontRef idx="minor"/>
+    </dgm:style>
+  </dgm:styleLbl>
+  <dgm:styleLbl name="revTx">
+    <dgm:scene3d>
+      <a:camera prst="orthographicFront"/>
+      <a:lightRig rig="threePt" dir="t"/>
+    </dgm:scene3d>
+    <dgm:sp3d/>
+    <dgm:txPr/>
+    <dgm:style>
+      <a:lnRef idx="0">
+        <a:scrgbClr r="0" g="0" b="0"/>
+      </a:lnRef>
+      <a:fillRef idx="0">
+        <a:scrgbClr r="0" g="0" b="0"/>
+      </a:fillRef>
+      <a:effectRef idx="0">
+        <a:scrgbClr r="0" g="0" b="0"/>
+      </a:effectRef>
+      <a:fontRef idx="minor"/>
+    </dgm:style>
+  </dgm:styleLbl>
+</dgm:styleDef>
+</file>
+
+<file path=ppt/diagrams/quickStyle8.xml><?xml version="1.0" encoding="utf-8"?>
+<dgm:styleDef xmlns:dgm="http://schemas.openxmlformats.org/drawingml/2006/diagram" xmlns:a="http://schemas.openxmlformats.org/drawingml/2006/main" uniqueId="urn:microsoft.com/office/officeart/2005/8/quickstyle/simple1">
+  <dgm:title val=""/>
+  <dgm:desc val=""/>
+  <dgm:catLst>
+    <dgm:cat type="simple" pri="10100"/>
+  </dgm:catLst>
+  <dgm:scene3d>
+    <a:camera prst="orthographicFront"/>
+    <a:lightRig rig="threePt" dir="t"/>
+  </dgm:scene3d>
+  <dgm:styleLbl name="node0">
+    <dgm:scene3d>
+      <a:camera prst="orthographicFront"/>
+      <a:lightRig rig="threePt" dir="t"/>
+    </dgm:scene3d>
+    <dgm:sp3d/>
+    <dgm:txPr/>
+    <dgm:style>
+      <a:lnRef idx="2">
+        <a:scrgbClr r="0" g="0" b="0"/>
+      </a:lnRef>
+      <a:fillRef idx="1">
+        <a:scrgbClr r="0" g="0" b="0"/>
+      </a:fillRef>
+      <a:effectRef idx="0">
+        <a:scrgbClr r="0" g="0" b="0"/>
+      </a:effectRef>
+      <a:fontRef idx="minor">
+        <a:schemeClr val="lt1"/>
+      </a:fontRef>
+    </dgm:style>
+  </dgm:styleLbl>
+  <dgm:styleLbl name="lnNode1">
+    <dgm:scene3d>
+      <a:camera prst="orthographicFront"/>
+      <a:lightRig rig="threePt" dir="t"/>
+    </dgm:scene3d>
+    <dgm:sp3d/>
+    <dgm:txPr/>
+    <dgm:style>
+      <a:lnRef idx="2">
+        <a:scrgbClr r="0" g="0" b="0"/>
+      </a:lnRef>
+      <a:fillRef idx="1">
+        <a:scrgbClr r="0" g="0" b="0"/>
+      </a:fillRef>
+      <a:effectRef idx="0">
+        <a:scrgbClr r="0" g="0" b="0"/>
+      </a:effectRef>
+      <a:fontRef idx="minor">
+        <a:schemeClr val="lt1"/>
+      </a:fontRef>
+    </dgm:style>
+  </dgm:styleLbl>
+  <dgm:styleLbl name="vennNode1">
+    <dgm:scene3d>
+      <a:camera prst="orthographicFront"/>
+      <a:lightRig rig="threePt" dir="t"/>
+    </dgm:scene3d>
+    <dgm:sp3d/>
+    <dgm:txPr/>
+    <dgm:style>
+      <a:lnRef idx="2">
+        <a:scrgbClr r="0" g="0" b="0"/>
+      </a:lnRef>
+      <a:fillRef idx="1">
+        <a:scrgbClr r="0" g="0" b="0"/>
+      </a:fillRef>
+      <a:effectRef idx="0">
+        <a:scrgbClr r="0" g="0" b="0"/>
+      </a:effectRef>
+      <a:fontRef idx="minor">
+        <a:schemeClr val="tx1"/>
+      </a:fontRef>
+    </dgm:style>
+  </dgm:styleLbl>
+  <dgm:styleLbl name="alignNode1">
+    <dgm:scene3d>
+      <a:camera prst="orthographicFront"/>
+      <a:lightRig rig="threePt" dir="t"/>
+    </dgm:scene3d>
+    <dgm:sp3d/>
+    <dgm:txPr/>
+    <dgm:style>
+      <a:lnRef idx="2">
+        <a:scrgbClr r="0" g="0" b="0"/>
+      </a:lnRef>
+      <a:fillRef idx="1">
+        <a:scrgbClr r="0" g="0" b="0"/>
+      </a:fillRef>
+      <a:effectRef idx="0">
+        <a:scrgbClr r="0" g="0" b="0"/>
+      </a:effectRef>
+      <a:fontRef idx="minor">
+        <a:schemeClr val="lt1"/>
+      </a:fontRef>
+    </dgm:style>
+  </dgm:styleLbl>
+  <dgm:styleLbl name="node1">
+    <dgm:scene3d>
+      <a:camera prst="orthographicFront"/>
+      <a:lightRig rig="threePt" dir="t"/>
+    </dgm:scene3d>
+    <dgm:sp3d/>
+    <dgm:txPr/>
+    <dgm:style>
+      <a:lnRef idx="2">
+        <a:scrgbClr r="0" g="0" b="0"/>
+      </a:lnRef>
+      <a:fillRef idx="1">
+        <a:scrgbClr r="0" g="0" b="0"/>
+      </a:fillRef>
+      <a:effectRef idx="0">
+        <a:scrgbClr r="0" g="0" b="0"/>
+      </a:effectRef>
+      <a:fontRef idx="minor">
+        <a:schemeClr val="lt1"/>
+      </a:fontRef>
+    </dgm:style>
+  </dgm:styleLbl>
+  <dgm:styleLbl name="node2">
+    <dgm:scene3d>
+      <a:camera prst="orthographicFront"/>
+      <a:lightRig rig="threePt" dir="t"/>
+    </dgm:scene3d>
+    <dgm:sp3d/>
+    <dgm:txPr/>
+    <dgm:style>
+      <a:lnRef idx="2">
+        <a:scrgbClr r="0" g="0" b="0"/>
+      </a:lnRef>
+      <a:fillRef idx="1">
+        <a:scrgbClr r="0" g="0" b="0"/>
+      </a:fillRef>
+      <a:effectRef idx="0">
+        <a:scrgbClr r="0" g="0" b="0"/>
+      </a:effectRef>
+      <a:fontRef idx="minor">
+        <a:schemeClr val="lt1"/>
+      </a:fontRef>
+    </dgm:style>
+  </dgm:styleLbl>
+  <dgm:styleLbl name="node3">
+    <dgm:scene3d>
+      <a:camera prst="orthographicFront"/>
+      <a:lightRig rig="threePt" dir="t"/>
+    </dgm:scene3d>
+    <dgm:sp3d/>
+    <dgm:txPr/>
+    <dgm:style>
+      <a:lnRef idx="2">
+        <a:scrgbClr r="0" g="0" b="0"/>
+      </a:lnRef>
+      <a:fillRef idx="1">
+        <a:scrgbClr r="0" g="0" b="0"/>
+      </a:fillRef>
+      <a:effectRef idx="0">
+        <a:scrgbClr r="0" g="0" b="0"/>
+      </a:effectRef>
+      <a:fontRef idx="minor">
+        <a:schemeClr val="lt1"/>
+      </a:fontRef>
+    </dgm:style>
+  </dgm:styleLbl>
+  <dgm:styleLbl name="node4">
+    <dgm:scene3d>
+      <a:camera prst="orthographicFront"/>
+      <a:lightRig rig="threePt" dir="t"/>
+    </dgm:scene3d>
+    <dgm:sp3d/>
+    <dgm:txPr/>
+    <dgm:style>
+      <a:lnRef idx="2">
+        <a:scrgbClr r="0" g="0" b="0"/>
+      </a:lnRef>
+      <a:fillRef idx="1">
+        <a:scrgbClr r="0" g="0" b="0"/>
+      </a:fillRef>
+      <a:effectRef idx="0">
+        <a:scrgbClr r="0" g="0" b="0"/>
+      </a:effectRef>
+      <a:fontRef idx="minor">
+        <a:schemeClr val="lt1"/>
+      </a:fontRef>
+    </dgm:style>
+  </dgm:styleLbl>
+  <dgm:styleLbl name="fgImgPlace1">
+    <dgm:scene3d>
+      <a:camera prst="orthographicFront"/>
+      <a:lightRig rig="threePt" dir="t"/>
+    </dgm:scene3d>
+    <dgm:sp3d/>
+    <dgm:txPr/>
+    <dgm:style>
+      <a:lnRef idx="2">
+        <a:scrgbClr r="0" g="0" b="0"/>
+      </a:lnRef>
+      <a:fillRef idx="1">
+        <a:scrgbClr r="0" g="0" b="0"/>
+      </a:fillRef>
+      <a:effectRef idx="0">
+        <a:scrgbClr r="0" g="0" b="0"/>
+      </a:effectRef>
+      <a:fontRef idx="minor"/>
+    </dgm:style>
+  </dgm:styleLbl>
+  <dgm:styleLbl name="alignImgPlace1">
+    <dgm:scene3d>
+      <a:camera prst="orthographicFront"/>
+      <a:lightRig rig="threePt" dir="t"/>
+    </dgm:scene3d>
+    <dgm:sp3d/>
+    <dgm:txPr/>
+    <dgm:style>
+      <a:lnRef idx="2">
+        <a:scrgbClr r="0" g="0" b="0"/>
+      </a:lnRef>
+      <a:fillRef idx="1">
+        <a:scrgbClr r="0" g="0" b="0"/>
+      </a:fillRef>
+      <a:effectRef idx="0">
+        <a:scrgbClr r="0" g="0" b="0"/>
+      </a:effectRef>
+      <a:fontRef idx="minor"/>
+    </dgm:style>
+  </dgm:styleLbl>
+  <dgm:styleLbl name="bgImgPlace1">
+    <dgm:scene3d>
+      <a:camera prst="orthographicFront"/>
+      <a:lightRig rig="threePt" dir="t"/>
+    </dgm:scene3d>
+    <dgm:sp3d/>
+    <dgm:txPr/>
+    <dgm:style>
+      <a:lnRef idx="2">
+        <a:scrgbClr r="0" g="0" b="0"/>
+      </a:lnRef>
+      <a:fillRef idx="1">
+        <a:scrgbClr r="0" g="0" b="0"/>
+      </a:fillRef>
+      <a:effectRef idx="0">
+        <a:scrgbClr r="0" g="0" b="0"/>
+      </a:effectRef>
+      <a:fontRef idx="minor"/>
+    </dgm:style>
+  </dgm:styleLbl>
+  <dgm:styleLbl name="sibTrans2D1">
+    <dgm:scene3d>
+      <a:camera prst="orthographicFront"/>
+      <a:lightRig rig="threePt" dir="t"/>
+    </dgm:scene3d>
+    <dgm:sp3d/>
+    <dgm:txPr/>
+    <dgm:style>
+      <a:lnRef idx="0">
+        <a:scrgbClr r="0" g="0" b="0"/>
+      </a:lnRef>
+      <a:fillRef idx="1">
+        <a:scrgbClr r="0" g="0" b="0"/>
+      </a:fillRef>
+      <a:effectRef idx="0">
+        <a:scrgbClr r="0" g="0" b="0"/>
+      </a:effectRef>
+      <a:fontRef idx="minor">
+        <a:schemeClr val="lt1"/>
+      </a:fontRef>
+    </dgm:style>
+  </dgm:styleLbl>
+  <dgm:styleLbl name="fgSibTrans2D1">
+    <dgm:scene3d>
+      <a:camera prst="orthographicFront"/>
+      <a:lightRig rig="threePt" dir="t"/>
+    </dgm:scene3d>
+    <dgm:sp3d/>
+    <dgm:txPr/>
+    <dgm:style>
+      <a:lnRef idx="0">
+        <a:scrgbClr r="0" g="0" b="0"/>
+      </a:lnRef>
+      <a:fillRef idx="1">
+        <a:scrgbClr r="0" g="0" b="0"/>
+      </a:fillRef>
+      <a:effectRef idx="0">
+        <a:scrgbClr r="0" g="0" b="0"/>
+      </a:effectRef>
+      <a:fontRef idx="minor">
+        <a:schemeClr val="lt1"/>
+      </a:fontRef>
+    </dgm:style>
+  </dgm:styleLbl>
+  <dgm:styleLbl name="bgSibTrans2D1">
+    <dgm:scene3d>
+      <a:camera prst="orthographicFront"/>
+      <a:lightRig rig="threePt" dir="t"/>
+    </dgm:scene3d>
+    <dgm:sp3d/>
+    <dgm:txPr/>
+    <dgm:style>
+      <a:lnRef idx="0">
+        <a:scrgbClr r="0" g="0" b="0"/>
+      </a:lnRef>
+      <a:fillRef idx="1">
+        <a:scrgbClr r="0" g="0" b="0"/>
+      </a:fillRef>
+      <a:effectRef idx="0">
+        <a:scrgbClr r="0" g="0" b="0"/>
+      </a:effectRef>
+      <a:fontRef idx="minor">
+        <a:schemeClr val="lt1"/>
+      </a:fontRef>
+    </dgm:style>
+  </dgm:styleLbl>
+  <dgm:styleLbl name="sibTrans1D1">
+    <dgm:scene3d>
+      <a:camera prst="orthographicFront"/>
+      <a:lightRig rig="threePt" dir="t"/>
+    </dgm:scene3d>
+    <dgm:sp3d/>
+    <dgm:txPr/>
+    <dgm:style>
+      <a:lnRef idx="1">
+        <a:scrgbClr r="0" g="0" b="0"/>
+      </a:lnRef>
+      <a:fillRef idx="0">
+        <a:scrgbClr r="0" g="0" b="0"/>
+      </a:fillRef>
+      <a:effectRef idx="0">
+        <a:scrgbClr r="0" g="0" b="0"/>
+      </a:effectRef>
+      <a:fontRef idx="minor"/>
+    </dgm:style>
+  </dgm:styleLbl>
+  <dgm:styleLbl name="callout">
+    <dgm:scene3d>
+      <a:camera prst="orthographicFront"/>
+      <a:lightRig rig="threePt" dir="t"/>
+    </dgm:scene3d>
+    <dgm:sp3d/>
+    <dgm:txPr/>
+    <dgm:style>
+      <a:lnRef idx="2">
+        <a:scrgbClr r="0" g="0" b="0"/>
+      </a:lnRef>
+      <a:fillRef idx="1">
+        <a:scrgbClr r="0" g="0" b="0"/>
+      </a:fillRef>
+      <a:effectRef idx="0">
+        <a:scrgbClr r="0" g="0" b="0"/>
+      </a:effectRef>
+      <a:fontRef idx="minor"/>
+    </dgm:style>
+  </dgm:styleLbl>
+  <dgm:styleLbl name="asst0">
+    <dgm:scene3d>
+      <a:camera prst="orthographicFront"/>
+      <a:lightRig rig="threePt" dir="t"/>
+    </dgm:scene3d>
+    <dgm:sp3d/>
+    <dgm:txPr/>
+    <dgm:style>
+      <a:lnRef idx="2">
+        <a:scrgbClr r="0" g="0" b="0"/>
+      </a:lnRef>
+      <a:fillRef idx="1">
+        <a:scrgbClr r="0" g="0" b="0"/>
+      </a:fillRef>
+      <a:effectRef idx="0">
+        <a:scrgbClr r="0" g="0" b="0"/>
+      </a:effectRef>
+      <a:fontRef idx="minor">
+        <a:schemeClr val="lt1"/>
+      </a:fontRef>
+    </dgm:style>
+  </dgm:styleLbl>
+  <dgm:styleLbl name="asst1">
+    <dgm:scene3d>
+      <a:camera prst="orthographicFront"/>
+      <a:lightRig rig="threePt" dir="t"/>
+    </dgm:scene3d>
+    <dgm:sp3d/>
+    <dgm:txPr/>
+    <dgm:style>
+      <a:lnRef idx="2">
+        <a:scrgbClr r="0" g="0" b="0"/>
+      </a:lnRef>
+      <a:fillRef idx="1">
+        <a:scrgbClr r="0" g="0" b="0"/>
+      </a:fillRef>
+      <a:effectRef idx="0">
+        <a:scrgbClr r="0" g="0" b="0"/>
+      </a:effectRef>
+      <a:fontRef idx="minor">
+        <a:schemeClr val="lt1"/>
+      </a:fontRef>
+    </dgm:style>
+  </dgm:styleLbl>
+  <dgm:styleLbl name="asst2">
+    <dgm:scene3d>
+      <a:camera prst="orthographicFront"/>
+      <a:lightRig rig="threePt" dir="t"/>
+    </dgm:scene3d>
+    <dgm:sp3d/>
+    <dgm:txPr/>
+    <dgm:style>
+      <a:lnRef idx="2">
+        <a:scrgbClr r="0" g="0" b="0"/>
+      </a:lnRef>
+      <a:fillRef idx="1">
+        <a:scrgbClr r="0" g="0" b="0"/>
+      </a:fillRef>
+      <a:effectRef idx="0">
+        <a:scrgbClr r="0" g="0" b="0"/>
+      </a:effectRef>
+      <a:fontRef idx="minor">
+        <a:schemeClr val="lt1"/>
+      </a:fontRef>
+    </dgm:style>
+  </dgm:styleLbl>
+  <dgm:styleLbl name="asst3">
+    <dgm:scene3d>
+      <a:camera prst="orthographicFront"/>
+      <a:lightRig rig="threePt" dir="t"/>
+    </dgm:scene3d>
+    <dgm:sp3d/>
+    <dgm:txPr/>
+    <dgm:style>
+      <a:lnRef idx="2">
+        <a:scrgbClr r="0" g="0" b="0"/>
+      </a:lnRef>
+      <a:fillRef idx="1">
+        <a:scrgbClr r="0" g="0" b="0"/>
+      </a:fillRef>
+      <a:effectRef idx="0">
+        <a:scrgbClr r="0" g="0" b="0"/>
+      </a:effectRef>
+      <a:fontRef idx="minor">
+        <a:schemeClr val="lt1"/>
+      </a:fontRef>
+    </dgm:style>
+  </dgm:styleLbl>
+  <dgm:styleLbl name="asst4">
+    <dgm:scene3d>
+      <a:camera prst="orthographicFront"/>
+      <a:lightRig rig="threePt" dir="t"/>
+    </dgm:scene3d>
+    <dgm:sp3d/>
+    <dgm:txPr/>
+    <dgm:style>
+      <a:lnRef idx="2">
+        <a:scrgbClr r="0" g="0" b="0"/>
+      </a:lnRef>
+      <a:fillRef idx="1">
+        <a:scrgbClr r="0" g="0" b="0"/>
+      </a:fillRef>
+      <a:effectRef idx="0">
+        <a:scrgbClr r="0" g="0" b="0"/>
+      </a:effectRef>
+      <a:fontRef idx="minor">
+        <a:schemeClr val="lt1"/>
+      </a:fontRef>
+    </dgm:style>
+  </dgm:styleLbl>
+  <dgm:styleLbl name="parChTrans2D1">
+    <dgm:scene3d>
+      <a:camera prst="orthographicFront"/>
+      <a:lightRig rig="threePt" dir="t"/>
+    </dgm:scene3d>
+    <dgm:sp3d/>
+    <dgm:txPr/>
+    <dgm:style>
+      <a:lnRef idx="2">
+        <a:scrgbClr r="0" g="0" b="0"/>
+      </a:lnRef>
+      <a:fillRef idx="1">
+        <a:scrgbClr r="0" g="0" b="0"/>
+      </a:fillRef>
+      <a:effectRef idx="0">
+        <a:scrgbClr r="0" g="0" b="0"/>
+      </a:effectRef>
+      <a:fontRef idx="minor">
+        <a:schemeClr val="lt1"/>
+      </a:fontRef>
+    </dgm:style>
+  </dgm:styleLbl>
+  <dgm:styleLbl name="parChTrans2D2">
+    <dgm:scene3d>
+      <a:camera prst="orthographicFront"/>
+      <a:lightRig rig="threePt" dir="t"/>
+    </dgm:scene3d>
+    <dgm:sp3d/>
+    <dgm:txPr/>
+    <dgm:style>
+      <a:lnRef idx="2">
+        <a:scrgbClr r="0" g="0" b="0"/>
+      </a:lnRef>
+      <a:fillRef idx="1">
+        <a:scrgbClr r="0" g="0" b="0"/>
+      </a:fillRef>
+      <a:effectRef idx="0">
+        <a:scrgbClr r="0" g="0" b="0"/>
+      </a:effectRef>
+      <a:fontRef idx="minor">
+        <a:schemeClr val="lt1"/>
+      </a:fontRef>
+    </dgm:style>
+  </dgm:styleLbl>
+  <dgm:styleLbl name="parChTrans2D3">
+    <dgm:scene3d>
+      <a:camera prst="orthographicFront"/>
+      <a:lightRig rig="threePt" dir="t"/>
+    </dgm:scene3d>
+    <dgm:sp3d/>
+    <dgm:txPr/>
+    <dgm:style>
+      <a:lnRef idx="2">
+        <a:scrgbClr r="0" g="0" b="0"/>
+      </a:lnRef>
+      <a:fillRef idx="1">
+        <a:scrgbClr r="0" g="0" b="0"/>
+      </a:fillRef>
+      <a:effectRef idx="0">
+        <a:scrgbClr r="0" g="0" b="0"/>
+      </a:effectRef>
+      <a:fontRef idx="minor">
+        <a:schemeClr val="lt1"/>
+      </a:fontRef>
+    </dgm:style>
+  </dgm:styleLbl>
+  <dgm:styleLbl name="parChTrans2D4">
+    <dgm:scene3d>
+      <a:camera prst="orthographicFront"/>
+      <a:lightRig rig="threePt" dir="t"/>
+    </dgm:scene3d>
+    <dgm:sp3d/>
+    <dgm:txPr/>
+    <dgm:style>
+      <a:lnRef idx="2">
+        <a:scrgbClr r="0" g="0" b="0"/>
+      </a:lnRef>
+      <a:fillRef idx="1">
+        <a:scrgbClr r="0" g="0" b="0"/>
+      </a:fillRef>
+      <a:effectRef idx="0">
+        <a:scrgbClr r="0" g="0" b="0"/>
+      </a:effectRef>
+      <a:fontRef idx="minor">
+        <a:schemeClr val="lt1"/>
+      </a:fontRef>
+    </dgm:style>
+  </dgm:styleLbl>
+  <dgm:styleLbl name="parChTrans1D1">
+    <dgm:scene3d>
+      <a:camera prst="orthographicFront"/>
+      <a:lightRig rig="threePt" dir="t"/>
+    </dgm:scene3d>
+    <dgm:sp3d/>
+    <dgm:txPr/>
+    <dgm:style>
+      <a:lnRef idx="2">
+        <a:scrgbClr r="0" g="0" b="0"/>
+      </a:lnRef>
+      <a:fillRef idx="0">
+        <a:scrgbClr r="0" g="0" b="0"/>
+      </a:fillRef>
+      <a:effectRef idx="0">
+        <a:scrgbClr r="0" g="0" b="0"/>
+      </a:effectRef>
+      <a:fontRef idx="minor"/>
+    </dgm:style>
+  </dgm:styleLbl>
+  <dgm:styleLbl name="parChTrans1D2">
+    <dgm:scene3d>
+      <a:camera prst="orthographicFront"/>
+      <a:lightRig rig="threePt" dir="t"/>
+    </dgm:scene3d>
+    <dgm:sp3d/>
+    <dgm:txPr/>
+    <dgm:style>
+      <a:lnRef idx="2">
+        <a:scrgbClr r="0" g="0" b="0"/>
+      </a:lnRef>
+      <a:fillRef idx="0">
+        <a:scrgbClr r="0" g="0" b="0"/>
+      </a:fillRef>
+      <a:effectRef idx="0">
+        <a:scrgbClr r="0" g="0" b="0"/>
+      </a:effectRef>
+      <a:fontRef idx="minor"/>
+    </dgm:style>
+  </dgm:styleLbl>
+  <dgm:styleLbl name="parChTrans1D3">
+    <dgm:scene3d>
+      <a:camera prst="orthographicFront"/>
+      <a:lightRig rig="threePt" dir="t"/>
+    </dgm:scene3d>
+    <dgm:sp3d/>
+    <dgm:txPr/>
+    <dgm:style>
+      <a:lnRef idx="2">
+        <a:scrgbClr r="0" g="0" b="0"/>
+      </a:lnRef>
+      <a:fillRef idx="0">
+        <a:scrgbClr r="0" g="0" b="0"/>
+      </a:fillRef>
+      <a:effectRef idx="0">
+        <a:scrgbClr r="0" g="0" b="0"/>
+      </a:effectRef>
+      <a:fontRef idx="minor"/>
+    </dgm:style>
+  </dgm:styleLbl>
+  <dgm:styleLbl name="parChTrans1D4">
+    <dgm:scene3d>
+      <a:camera prst="orthographicFront"/>
+      <a:lightRig rig="threePt" dir="t"/>
+    </dgm:scene3d>
+    <dgm:sp3d/>
+    <dgm:txPr/>
+    <dgm:style>
+      <a:lnRef idx="2">
+        <a:scrgbClr r="0" g="0" b="0"/>
+      </a:lnRef>
+      <a:fillRef idx="0">
+        <a:scrgbClr r="0" g="0" b="0"/>
+      </a:fillRef>
+      <a:effectRef idx="0">
+        <a:scrgbClr r="0" g="0" b="0"/>
+      </a:effectRef>
+      <a:fontRef idx="minor"/>
+    </dgm:style>
+  </dgm:styleLbl>
+  <dgm:styleLbl name="fgAcc1">
+    <dgm:scene3d>
+      <a:camera prst="orthographicFront"/>
+      <a:lightRig rig="threePt" dir="t"/>
+    </dgm:scene3d>
+    <dgm:sp3d/>
+    <dgm:txPr/>
+    <dgm:style>
+      <a:lnRef idx="2">
+        <a:scrgbClr r="0" g="0" b="0"/>
+      </a:lnRef>
+      <a:fillRef idx="1">
+        <a:scrgbClr r="0" g="0" b="0"/>
+      </a:fillRef>
+      <a:effectRef idx="0">
+        <a:scrgbClr r="0" g="0" b="0"/>
+      </a:effectRef>
+      <a:fontRef idx="minor"/>
+    </dgm:style>
+  </dgm:styleLbl>
+  <dgm:styleLbl name="conFgAcc1">
+    <dgm:scene3d>
+      <a:camera prst="orthographicFront"/>
+      <a:lightRig rig="threePt" dir="t"/>
+    </dgm:scene3d>
+    <dgm:sp3d/>
+    <dgm:txPr/>
+    <dgm:style>
+      <a:lnRef idx="2">
+        <a:scrgbClr r="0" g="0" b="0"/>
+      </a:lnRef>
+      <a:fillRef idx="1">
+        <a:scrgbClr r="0" g="0" b="0"/>
+      </a:fillRef>
+      <a:effectRef idx="0">
+        <a:scrgbClr r="0" g="0" b="0"/>
+      </a:effectRef>
+      <a:fontRef idx="minor"/>
+    </dgm:style>
+  </dgm:styleLbl>
+  <dgm:styleLbl name="alignAcc1">
+    <dgm:scene3d>
+      <a:camera prst="orthographicFront"/>
+      <a:lightRig rig="threePt" dir="t"/>
+    </dgm:scene3d>
+    <dgm:sp3d/>
+    <dgm:txPr/>
+    <dgm:style>
+      <a:lnRef idx="2">
+        <a:scrgbClr r="0" g="0" b="0"/>
+      </a:lnRef>
+      <a:fillRef idx="1">
+        <a:scrgbClr r="0" g="0" b="0"/>
+      </a:fillRef>
+      <a:effectRef idx="0">
+        <a:scrgbClr r="0" g="0" b="0"/>
+      </a:effectRef>
+      <a:fontRef idx="minor"/>
+    </dgm:style>
+  </dgm:styleLbl>
+  <dgm:styleLbl name="trAlignAcc1">
+    <dgm:scene3d>
+      <a:camera prst="orthographicFront"/>
+      <a:lightRig rig="threePt" dir="t"/>
+    </dgm:scene3d>
+    <dgm:sp3d/>
+    <dgm:txPr/>
+    <dgm:style>
+      <a:lnRef idx="1">
+        <a:scrgbClr r="0" g="0" b="0"/>
+      </a:lnRef>
+      <a:fillRef idx="1">
+        <a:scrgbClr r="0" g="0" b="0"/>
+      </a:fillRef>
+      <a:effectRef idx="0">
+        <a:scrgbClr r="0" g="0" b="0"/>
+      </a:effectRef>
+      <a:fontRef idx="minor"/>
+    </dgm:style>
+  </dgm:styleLbl>
+  <dgm:styleLbl name="bgAcc1">
+    <dgm:scene3d>
+      <a:camera prst="orthographicFront"/>
+      <a:lightRig rig="threePt" dir="t"/>
+    </dgm:scene3d>
+    <dgm:sp3d/>
+    <dgm:txPr/>
+    <dgm:style>
+      <a:lnRef idx="2">
+        <a:scrgbClr r="0" g="0" b="0"/>
+      </a:lnRef>
+      <a:fillRef idx="1">
+        <a:scrgbClr r="0" g="0" b="0"/>
+      </a:fillRef>
+      <a:effectRef idx="0">
+        <a:scrgbClr r="0" g="0" b="0"/>
+      </a:effectRef>
+      <a:fontRef idx="minor"/>
+    </dgm:style>
+  </dgm:styleLbl>
+  <dgm:styleLbl name="solidFgAcc1">
+    <dgm:scene3d>
+      <a:camera prst="orthographicFront"/>
+      <a:lightRig rig="threePt" dir="t"/>
+    </dgm:scene3d>
+    <dgm:sp3d/>
+    <dgm:txPr/>
+    <dgm:style>
+      <a:lnRef idx="2">
+        <a:scrgbClr r="0" g="0" b="0"/>
+      </a:lnRef>
+      <a:fillRef idx="1">
+        <a:scrgbClr r="0" g="0" b="0"/>
+      </a:fillRef>
+      <a:effectRef idx="0">
+        <a:scrgbClr r="0" g="0" b="0"/>
+      </a:effectRef>
+      <a:fontRef idx="minor"/>
+    </dgm:style>
+  </dgm:styleLbl>
+  <dgm:styleLbl name="solidAlignAcc1">
+    <dgm:scene3d>
+      <a:camera prst="orthographicFront"/>
+      <a:lightRig rig="threePt" dir="t"/>
+    </dgm:scene3d>
+    <dgm:sp3d/>
+    <dgm:txPr/>
+    <dgm:style>
+      <a:lnRef idx="2">
+        <a:scrgbClr r="0" g="0" b="0"/>
+      </a:lnRef>
+      <a:fillRef idx="1">
+        <a:scrgbClr r="0" g="0" b="0"/>
+      </a:fillRef>
+      <a:effectRef idx="0">
+        <a:scrgbClr r="0" g="0" b="0"/>
+      </a:effectRef>
+      <a:fontRef idx="minor"/>
+    </dgm:style>
+  </dgm:styleLbl>
+  <dgm:styleLbl name="solidBgAcc1">
+    <dgm:scene3d>
+      <a:camera prst="orthographicFront"/>
+      <a:lightRig rig="threePt" dir="t"/>
+    </dgm:scene3d>
+    <dgm:sp3d/>
+    <dgm:txPr/>
+    <dgm:style>
+      <a:lnRef idx="2">
+        <a:scrgbClr r="0" g="0" b="0"/>
+      </a:lnRef>
+      <a:fillRef idx="1">
+        <a:scrgbClr r="0" g="0" b="0"/>
+      </a:fillRef>
+      <a:effectRef idx="0">
+        <a:scrgbClr r="0" g="0" b="0"/>
+      </a:effectRef>
+      <a:fontRef idx="minor"/>
+    </dgm:style>
+  </dgm:styleLbl>
+  <dgm:styleLbl name="fgAccFollowNode1">
+    <dgm:scene3d>
+      <a:camera prst="orthographicFront"/>
+      <a:lightRig rig="threePt" dir="t"/>
+    </dgm:scene3d>
+    <dgm:sp3d/>
+    <dgm:txPr/>
+    <dgm:style>
+      <a:lnRef idx="2">
+        <a:scrgbClr r="0" g="0" b="0"/>
+      </a:lnRef>
+      <a:fillRef idx="1">
+        <a:scrgbClr r="0" g="0" b="0"/>
+      </a:fillRef>
+      <a:effectRef idx="0">
+        <a:scrgbClr r="0" g="0" b="0"/>
+      </a:effectRef>
+      <a:fontRef idx="minor"/>
+    </dgm:style>
+  </dgm:styleLbl>
+  <dgm:styleLbl name="alignAccFollowNode1">
+    <dgm:scene3d>
+      <a:camera prst="orthographicFront"/>
+      <a:lightRig rig="threePt" dir="t"/>
+    </dgm:scene3d>
+    <dgm:sp3d/>
+    <dgm:txPr/>
+    <dgm:style>
+      <a:lnRef idx="2">
+        <a:scrgbClr r="0" g="0" b="0"/>
+      </a:lnRef>
+      <a:fillRef idx="1">
+        <a:scrgbClr r="0" g="0" b="0"/>
+      </a:fillRef>
+      <a:effectRef idx="0">
+        <a:scrgbClr r="0" g="0" b="0"/>
+      </a:effectRef>
+      <a:fontRef idx="minor"/>
+    </dgm:style>
+  </dgm:styleLbl>
+  <dgm:styleLbl name="bgAccFollowNode1">
+    <dgm:scene3d>
+      <a:camera prst="orthographicFront"/>
+      <a:lightRig rig="threePt" dir="t"/>
+    </dgm:scene3d>
+    <dgm:sp3d/>
+    <dgm:txPr/>
+    <dgm:style>
+      <a:lnRef idx="2">
+        <a:scrgbClr r="0" g="0" b="0"/>
+      </a:lnRef>
+      <a:fillRef idx="1">
+        <a:scrgbClr r="0" g="0" b="0"/>
+      </a:fillRef>
+      <a:effectRef idx="0">
+        <a:scrgbClr r="0" g="0" b="0"/>
+      </a:effectRef>
+      <a:fontRef idx="minor"/>
+    </dgm:style>
+  </dgm:styleLbl>
+  <dgm:styleLbl name="fgAcc0">
+    <dgm:scene3d>
+      <a:camera prst="orthographicFront"/>
+      <a:lightRig rig="threePt" dir="t"/>
+    </dgm:scene3d>
+    <dgm:sp3d/>
+    <dgm:txPr/>
+    <dgm:style>
+      <a:lnRef idx="2">
+        <a:scrgbClr r="0" g="0" b="0"/>
+      </a:lnRef>
+      <a:fillRef idx="1">
+        <a:scrgbClr r="0" g="0" b="0"/>
+      </a:fillRef>
+      <a:effectRef idx="0">
+        <a:scrgbClr r="0" g="0" b="0"/>
+      </a:effectRef>
+      <a:fontRef idx="minor"/>
+    </dgm:style>
+  </dgm:styleLbl>
+  <dgm:styleLbl name="fgAcc2">
+    <dgm:scene3d>
+      <a:camera prst="orthographicFront"/>
+      <a:lightRig rig="threePt" dir="t"/>
+    </dgm:scene3d>
+    <dgm:sp3d/>
+    <dgm:txPr/>
+    <dgm:style>
+      <a:lnRef idx="2">
+        <a:scrgbClr r="0" g="0" b="0"/>
+      </a:lnRef>
+      <a:fillRef idx="1">
+        <a:scrgbClr r="0" g="0" b="0"/>
+      </a:fillRef>
+      <a:effectRef idx="0">
+        <a:scrgbClr r="0" g="0" b="0"/>
+      </a:effectRef>
+      <a:fontRef idx="minor"/>
+    </dgm:style>
+  </dgm:styleLbl>
+  <dgm:styleLbl name="fgAcc3">
+    <dgm:scene3d>
+      <a:camera prst="orthographicFront"/>
+      <a:lightRig rig="threePt" dir="t"/>
+    </dgm:scene3d>
+    <dgm:sp3d/>
+    <dgm:txPr/>
+    <dgm:style>
+      <a:lnRef idx="2">
+        <a:scrgbClr r="0" g="0" b="0"/>
+      </a:lnRef>
+      <a:fillRef idx="1">
+        <a:scrgbClr r="0" g="0" b="0"/>
+      </a:fillRef>
+      <a:effectRef idx="0">
+        <a:scrgbClr r="0" g="0" b="0"/>
+      </a:effectRef>
+      <a:fontRef idx="minor"/>
+    </dgm:style>
+  </dgm:styleLbl>
+  <dgm:styleLbl name="fgAcc4">
+    <dgm:scene3d>
+      <a:camera prst="orthographicFront"/>
+      <a:lightRig rig="threePt" dir="t"/>
+    </dgm:scene3d>
+    <dgm:sp3d/>
+    <dgm:txPr/>
+    <dgm:style>
+      <a:lnRef idx="2">
+        <a:scrgbClr r="0" g="0" b="0"/>
+      </a:lnRef>
+      <a:fillRef idx="1">
+        <a:scrgbClr r="0" g="0" b="0"/>
+      </a:fillRef>
+      <a:effectRef idx="0">
+        <a:scrgbClr r="0" g="0" b="0"/>
+      </a:effectRef>
+      <a:fontRef idx="minor"/>
+    </dgm:style>
+  </dgm:styleLbl>
+  <dgm:styleLbl name="bgShp">
+    <dgm:scene3d>
+      <a:camera prst="orthographicFront"/>
+      <a:lightRig rig="threePt" dir="t"/>
+    </dgm:scene3d>
+    <dgm:sp3d/>
+    <dgm:txPr/>
+    <dgm:style>
+      <a:lnRef idx="0">
+        <a:scrgbClr r="0" g="0" b="0"/>
+      </a:lnRef>
+      <a:fillRef idx="1">
+        <a:scrgbClr r="0" g="0" b="0"/>
+      </a:fillRef>
+      <a:effectRef idx="0">
+        <a:scrgbClr r="0" g="0" b="0"/>
+      </a:effectRef>
+      <a:fontRef idx="minor"/>
+    </dgm:style>
+  </dgm:styleLbl>
+  <dgm:styleLbl name="dkBgShp">
+    <dgm:scene3d>
+      <a:camera prst="orthographicFront"/>
+      <a:lightRig rig="threePt" dir="t"/>
+    </dgm:scene3d>
+    <dgm:sp3d/>
+    <dgm:txPr/>
+    <dgm:style>
+      <a:lnRef idx="0">
+        <a:scrgbClr r="0" g="0" b="0"/>
+      </a:lnRef>
+      <a:fillRef idx="1">
+        <a:scrgbClr r="0" g="0" b="0"/>
+      </a:fillRef>
+      <a:effectRef idx="0">
+        <a:scrgbClr r="0" g="0" b="0"/>
+      </a:effectRef>
+      <a:fontRef idx="minor"/>
+    </dgm:style>
+  </dgm:styleLbl>
+  <dgm:styleLbl name="trBgShp">
+    <dgm:scene3d>
+      <a:camera prst="orthographicFront"/>
+      <a:lightRig rig="threePt" dir="t"/>
+    </dgm:scene3d>
+    <dgm:sp3d/>
+    <dgm:txPr/>
+    <dgm:style>
+      <a:lnRef idx="0">
+        <a:scrgbClr r="0" g="0" b="0"/>
+      </a:lnRef>
+      <a:fillRef idx="1">
+        <a:scrgbClr r="0" g="0" b="0"/>
+      </a:fillRef>
+      <a:effectRef idx="0">
+        <a:scrgbClr r="0" g="0" b="0"/>
+      </a:effectRef>
+      <a:fontRef idx="minor"/>
+    </dgm:style>
+  </dgm:styleLbl>
+  <dgm:styleLbl name="fgShp">
+    <dgm:scene3d>
+      <a:camera prst="orthographicFront"/>
+      <a:lightRig rig="threePt" dir="t"/>
+    </dgm:scene3d>
+    <dgm:sp3d/>
+    <dgm:txPr/>
+    <dgm:style>
+      <a:lnRef idx="2">
+        <a:scrgbClr r="0" g="0" b="0"/>
+      </a:lnRef>
+      <a:fillRef idx="1">
+        <a:scrgbClr r="0" g="0" b="0"/>
+      </a:fillRef>
+      <a:effectRef idx="0">
+        <a:scrgbClr r="0" g="0" b="0"/>
+      </a:effectRef>
+      <a:fontRef idx="minor"/>
+    </dgm:style>
+  </dgm:styleLbl>
+  <dgm:styleLbl name="revTx">
+    <dgm:scene3d>
+      <a:camera prst="orthographicFront"/>
+      <a:lightRig rig="threePt" dir="t"/>
+    </dgm:scene3d>
+    <dgm:sp3d/>
+    <dgm:txPr/>
+    <dgm:style>
+      <a:lnRef idx="0">
+        <a:scrgbClr r="0" g="0" b="0"/>
+      </a:lnRef>
+      <a:fillRef idx="0">
+        <a:scrgbClr r="0" g="0" b="0"/>
+      </a:fillRef>
+      <a:effectRef idx="0">
+        <a:scrgbClr r="0" g="0" b="0"/>
+      </a:effectRef>
+      <a:fontRef idx="minor"/>
+    </dgm:style>
+  </dgm:styleLbl>
+</dgm:styleDef>
+</file>
+
+<file path=ppt/diagrams/quickStyle9.xml><?xml version="1.0" encoding="utf-8"?>
 <dgm:styleDef xmlns:dgm="http://schemas.openxmlformats.org/drawingml/2006/diagram" xmlns:a="http://schemas.openxmlformats.org/drawingml/2006/main" uniqueId="urn:microsoft.com/office/officeart/2005/8/quickstyle/simple1">
   <dgm:title val=""/>
   <dgm:desc val=""/>
@@ -16950,7 +22951,7 @@
           <a:p>
             <a:fld id="{6AC132EE-C4F5-462E-9B6D-F76FBB7722DB}" type="datetimeFigureOut">
               <a:rPr lang="en-AU" smtClean="0"/>
-              <a:t>20/09/2023</a:t>
+              <a:t>21/09/2023</a:t>
             </a:fld>
             <a:endParaRPr lang="en-AU"/>
           </a:p>
@@ -17612,6 +23613,90 @@
           <a:bodyPr/>
           <a:lstStyle/>
           <a:p>
+            <a:endParaRPr lang="en-AU" dirty="0"/>
+          </a:p>
+        </p:txBody>
+      </p:sp>
+      <p:sp>
+        <p:nvSpPr>
+          <p:cNvPr id="4" name="Slide Number Placeholder 3"/>
+          <p:cNvSpPr>
+            <a:spLocks noGrp="1"/>
+          </p:cNvSpPr>
+          <p:nvPr>
+            <p:ph type="sldNum" sz="quarter" idx="5"/>
+          </p:nvPr>
+        </p:nvSpPr>
+        <p:spPr/>
+        <p:txBody>
+          <a:bodyPr/>
+          <a:lstStyle/>
+          <a:p>
+            <a:fld id="{911C98AF-D9B9-4B33-B84C-C6E4D3A427EA}" type="slidenum">
+              <a:rPr lang="en-AU" smtClean="0"/>
+              <a:t>5</a:t>
+            </a:fld>
+            <a:endParaRPr lang="en-AU"/>
+          </a:p>
+        </p:txBody>
+      </p:sp>
+    </p:spTree>
+    <p:extLst>
+      <p:ext uri="{BB962C8B-B14F-4D97-AF65-F5344CB8AC3E}">
+        <p14:creationId xmlns:p14="http://schemas.microsoft.com/office/powerpoint/2010/main" val="3833998627"/>
+      </p:ext>
+    </p:extLst>
+  </p:cSld>
+  <p:clrMapOvr>
+    <a:masterClrMapping/>
+  </p:clrMapOvr>
+</p:notes>
+</file>
+
+<file path=ppt/notesSlides/notesSlide4.xml><?xml version="1.0" encoding="utf-8"?>
+<p:notes xmlns:a="http://schemas.openxmlformats.org/drawingml/2006/main" xmlns:r="http://schemas.openxmlformats.org/officeDocument/2006/relationships" xmlns:p="http://schemas.openxmlformats.org/presentationml/2006/main">
+  <p:cSld>
+    <p:spTree>
+      <p:nvGrpSpPr>
+        <p:cNvPr id="1" name=""/>
+        <p:cNvGrpSpPr/>
+        <p:nvPr/>
+      </p:nvGrpSpPr>
+      <p:grpSpPr>
+        <a:xfrm>
+          <a:off x="0" y="0"/>
+          <a:ext cx="0" cy="0"/>
+          <a:chOff x="0" y="0"/>
+          <a:chExt cx="0" cy="0"/>
+        </a:xfrm>
+      </p:grpSpPr>
+      <p:sp>
+        <p:nvSpPr>
+          <p:cNvPr id="2" name="Slide Image Placeholder 1"/>
+          <p:cNvSpPr>
+            <a:spLocks noGrp="1" noRot="1" noChangeAspect="1"/>
+          </p:cNvSpPr>
+          <p:nvPr>
+            <p:ph type="sldImg"/>
+          </p:nvPr>
+        </p:nvSpPr>
+        <p:spPr/>
+      </p:sp>
+      <p:sp>
+        <p:nvSpPr>
+          <p:cNvPr id="3" name="Notes Placeholder 2"/>
+          <p:cNvSpPr>
+            <a:spLocks noGrp="1"/>
+          </p:cNvSpPr>
+          <p:nvPr>
+            <p:ph type="body" idx="1"/>
+          </p:nvPr>
+        </p:nvSpPr>
+        <p:spPr/>
+        <p:txBody>
+          <a:bodyPr/>
+          <a:lstStyle/>
+          <a:p>
             <a:r>
               <a:rPr lang="en-AU" dirty="0"/>
               <a:t>Conceptual plan</a:t>
@@ -17620,13 +23705,13 @@
           <a:p>
             <a:r>
               <a:rPr lang="en-AU" dirty="0"/>
-              <a:t>	Overall project plan addresses the 4 CPD assessments together. </a:t>
+              <a:t>	My overall project plan addresses the 4 Cross-Platform Development assessments as one holistic task. </a:t>
             </a:r>
           </a:p>
           <a:p>
             <a:r>
               <a:rPr lang="en-AU" dirty="0"/>
-              <a:t>	One master document from which I derive my other documents, such as a research workbook, work breakdown schedule and timeline.</a:t>
+              <a:t>	I have one master document from which I derive my other documents, such as the research workbook, technical design document, work breakdown schedule and timeline.</a:t>
             </a:r>
           </a:p>
           <a:p>
@@ -17641,18 +23726,34 @@
           <a:p>
             <a:r>
               <a:rPr lang="en-AU" dirty="0"/>
-              <a:t>	The gameplay loop is underpinned by inventory drag &amp; </a:t>
+              <a:t>	The UI is derived from the gameplay loop – gathering ingredients from the garden and combining them in your laboratory to make potions. </a:t>
             </a:r>
+          </a:p>
+          <a:p>
             <a:r>
-              <a:rPr lang="en-AU"/>
-              <a:t>drop functions.</a:t>
+              <a:rPr lang="en-AU" dirty="0"/>
+              <a:t>	The gameplay loop is underpinned by inventory drag &amp; drop functions.</a:t>
             </a:r>
+          </a:p>
+          <a:p>
+            <a:r>
+              <a:rPr lang="en-AU" dirty="0"/>
+              <a:t>	To make sure that I understood how the system should work, and to cement the learning from the UI tutorials, I made a flowchart of the interactions between the UI elements.</a:t>
+            </a:r>
+          </a:p>
+          <a:p>
             <a:endParaRPr lang="en-AU" dirty="0"/>
           </a:p>
           <a:p>
             <a:r>
               <a:rPr lang="en-AU" dirty="0"/>
-              <a:t>	I made a flowchart of the interactions between </a:t>
+              <a:t>Game development</a:t>
+            </a:r>
+          </a:p>
+          <a:p>
+            <a:r>
+              <a:rPr lang="en-AU" dirty="0"/>
+              <a:t>	</a:t>
             </a:r>
           </a:p>
         </p:txBody>
@@ -17684,6 +23785,465 @@
     <p:extLst>
       <p:ext uri="{BB962C8B-B14F-4D97-AF65-F5344CB8AC3E}">
         <p14:creationId xmlns:p14="http://schemas.microsoft.com/office/powerpoint/2010/main" val="1327373594"/>
+      </p:ext>
+    </p:extLst>
+  </p:cSld>
+  <p:clrMapOvr>
+    <a:masterClrMapping/>
+  </p:clrMapOvr>
+</p:notes>
+</file>
+
+<file path=ppt/notesSlides/notesSlide5.xml><?xml version="1.0" encoding="utf-8"?>
+<p:notes xmlns:a="http://schemas.openxmlformats.org/drawingml/2006/main" xmlns:r="http://schemas.openxmlformats.org/officeDocument/2006/relationships" xmlns:p="http://schemas.openxmlformats.org/presentationml/2006/main">
+  <p:cSld>
+    <p:spTree>
+      <p:nvGrpSpPr>
+        <p:cNvPr id="1" name=""/>
+        <p:cNvGrpSpPr/>
+        <p:nvPr/>
+      </p:nvGrpSpPr>
+      <p:grpSpPr>
+        <a:xfrm>
+          <a:off x="0" y="0"/>
+          <a:ext cx="0" cy="0"/>
+          <a:chOff x="0" y="0"/>
+          <a:chExt cx="0" cy="0"/>
+        </a:xfrm>
+      </p:grpSpPr>
+      <p:sp>
+        <p:nvSpPr>
+          <p:cNvPr id="2" name="Slide Image Placeholder 1"/>
+          <p:cNvSpPr>
+            <a:spLocks noGrp="1" noRot="1" noChangeAspect="1"/>
+          </p:cNvSpPr>
+          <p:nvPr>
+            <p:ph type="sldImg"/>
+          </p:nvPr>
+        </p:nvSpPr>
+        <p:spPr/>
+      </p:sp>
+      <p:sp>
+        <p:nvSpPr>
+          <p:cNvPr id="3" name="Notes Placeholder 2"/>
+          <p:cNvSpPr>
+            <a:spLocks noGrp="1"/>
+          </p:cNvSpPr>
+          <p:nvPr>
+            <p:ph type="body" idx="1"/>
+          </p:nvPr>
+        </p:nvSpPr>
+        <p:spPr/>
+        <p:txBody>
+          <a:bodyPr/>
+          <a:lstStyle/>
+          <a:p>
+            <a:r>
+              <a:rPr lang="en-AU" dirty="0"/>
+              <a:t>This is one section of my UI flowchart which divides the UI into it broad events, triggers and logic choices according to the game object or UI element contextually affected. </a:t>
+            </a:r>
+          </a:p>
+          <a:p>
+            <a:endParaRPr lang="en-AU" dirty="0"/>
+          </a:p>
+          <a:p>
+            <a:r>
+              <a:rPr lang="en-AU" dirty="0"/>
+              <a:t>This document is a two-way connecting bridge between the game, and my plan for the game, and all 3 of those pieces change with one another when I need to make updates.</a:t>
+            </a:r>
+          </a:p>
+          <a:p>
+            <a:r>
+              <a:rPr lang="en-AU" dirty="0"/>
+              <a:t>the flowchart informs the game, and the game informs the flowchart, both of which inform the design.</a:t>
+            </a:r>
+          </a:p>
+        </p:txBody>
+      </p:sp>
+      <p:sp>
+        <p:nvSpPr>
+          <p:cNvPr id="4" name="Slide Number Placeholder 3"/>
+          <p:cNvSpPr>
+            <a:spLocks noGrp="1"/>
+          </p:cNvSpPr>
+          <p:nvPr>
+            <p:ph type="sldNum" sz="quarter" idx="5"/>
+          </p:nvPr>
+        </p:nvSpPr>
+        <p:spPr/>
+        <p:txBody>
+          <a:bodyPr/>
+          <a:lstStyle/>
+          <a:p>
+            <a:fld id="{911C98AF-D9B9-4B33-B84C-C6E4D3A427EA}" type="slidenum">
+              <a:rPr lang="en-AU" smtClean="0"/>
+              <a:t>7</a:t>
+            </a:fld>
+            <a:endParaRPr lang="en-AU"/>
+          </a:p>
+        </p:txBody>
+      </p:sp>
+    </p:spTree>
+    <p:extLst>
+      <p:ext uri="{BB962C8B-B14F-4D97-AF65-F5344CB8AC3E}">
+        <p14:creationId xmlns:p14="http://schemas.microsoft.com/office/powerpoint/2010/main" val="3083988920"/>
+      </p:ext>
+    </p:extLst>
+  </p:cSld>
+  <p:clrMapOvr>
+    <a:masterClrMapping/>
+  </p:clrMapOvr>
+</p:notes>
+</file>
+
+<file path=ppt/notesSlides/notesSlide6.xml><?xml version="1.0" encoding="utf-8"?>
+<p:notes xmlns:a="http://schemas.openxmlformats.org/drawingml/2006/main" xmlns:r="http://schemas.openxmlformats.org/officeDocument/2006/relationships" xmlns:p="http://schemas.openxmlformats.org/presentationml/2006/main">
+  <p:cSld>
+    <p:spTree>
+      <p:nvGrpSpPr>
+        <p:cNvPr id="1" name=""/>
+        <p:cNvGrpSpPr/>
+        <p:nvPr/>
+      </p:nvGrpSpPr>
+      <p:grpSpPr>
+        <a:xfrm>
+          <a:off x="0" y="0"/>
+          <a:ext cx="0" cy="0"/>
+          <a:chOff x="0" y="0"/>
+          <a:chExt cx="0" cy="0"/>
+        </a:xfrm>
+      </p:grpSpPr>
+      <p:sp>
+        <p:nvSpPr>
+          <p:cNvPr id="2" name="Slide Image Placeholder 1"/>
+          <p:cNvSpPr>
+            <a:spLocks noGrp="1" noRot="1" noChangeAspect="1"/>
+          </p:cNvSpPr>
+          <p:nvPr>
+            <p:ph type="sldImg"/>
+          </p:nvPr>
+        </p:nvSpPr>
+        <p:spPr/>
+      </p:sp>
+      <p:sp>
+        <p:nvSpPr>
+          <p:cNvPr id="3" name="Notes Placeholder 2"/>
+          <p:cNvSpPr>
+            <a:spLocks noGrp="1"/>
+          </p:cNvSpPr>
+          <p:nvPr>
+            <p:ph type="body" idx="1"/>
+          </p:nvPr>
+        </p:nvSpPr>
+        <p:spPr/>
+        <p:txBody>
+          <a:bodyPr/>
+          <a:lstStyle/>
+          <a:p>
+            <a:r>
+              <a:rPr lang="en-AU" dirty="0"/>
+              <a:t>This is my high-level work breakdown structure, which divides the prototype into its parts according to the 4 assessments. Each assessment has its own activities which address different mandated requirements from the prototype’s marking rubric.</a:t>
+            </a:r>
+          </a:p>
+        </p:txBody>
+      </p:sp>
+      <p:sp>
+        <p:nvSpPr>
+          <p:cNvPr id="4" name="Slide Number Placeholder 3"/>
+          <p:cNvSpPr>
+            <a:spLocks noGrp="1"/>
+          </p:cNvSpPr>
+          <p:nvPr>
+            <p:ph type="sldNum" sz="quarter" idx="5"/>
+          </p:nvPr>
+        </p:nvSpPr>
+        <p:spPr/>
+        <p:txBody>
+          <a:bodyPr/>
+          <a:lstStyle/>
+          <a:p>
+            <a:fld id="{911C98AF-D9B9-4B33-B84C-C6E4D3A427EA}" type="slidenum">
+              <a:rPr lang="en-AU" smtClean="0"/>
+              <a:t>8</a:t>
+            </a:fld>
+            <a:endParaRPr lang="en-AU"/>
+          </a:p>
+        </p:txBody>
+      </p:sp>
+    </p:spTree>
+    <p:extLst>
+      <p:ext uri="{BB962C8B-B14F-4D97-AF65-F5344CB8AC3E}">
+        <p14:creationId xmlns:p14="http://schemas.microsoft.com/office/powerpoint/2010/main" val="3878372009"/>
+      </p:ext>
+    </p:extLst>
+  </p:cSld>
+  <p:clrMapOvr>
+    <a:masterClrMapping/>
+  </p:clrMapOvr>
+</p:notes>
+</file>
+
+<file path=ppt/notesSlides/notesSlide7.xml><?xml version="1.0" encoding="utf-8"?>
+<p:notes xmlns:a="http://schemas.openxmlformats.org/drawingml/2006/main" xmlns:r="http://schemas.openxmlformats.org/officeDocument/2006/relationships" xmlns:p="http://schemas.openxmlformats.org/presentationml/2006/main">
+  <p:cSld>
+    <p:spTree>
+      <p:nvGrpSpPr>
+        <p:cNvPr id="1" name=""/>
+        <p:cNvGrpSpPr/>
+        <p:nvPr/>
+      </p:nvGrpSpPr>
+      <p:grpSpPr>
+        <a:xfrm>
+          <a:off x="0" y="0"/>
+          <a:ext cx="0" cy="0"/>
+          <a:chOff x="0" y="0"/>
+          <a:chExt cx="0" cy="0"/>
+        </a:xfrm>
+      </p:grpSpPr>
+      <p:sp>
+        <p:nvSpPr>
+          <p:cNvPr id="2" name="Slide Image Placeholder 1"/>
+          <p:cNvSpPr>
+            <a:spLocks noGrp="1" noRot="1" noChangeAspect="1"/>
+          </p:cNvSpPr>
+          <p:nvPr>
+            <p:ph type="sldImg"/>
+          </p:nvPr>
+        </p:nvSpPr>
+        <p:spPr/>
+      </p:sp>
+      <p:sp>
+        <p:nvSpPr>
+          <p:cNvPr id="3" name="Notes Placeholder 2"/>
+          <p:cNvSpPr>
+            <a:spLocks noGrp="1"/>
+          </p:cNvSpPr>
+          <p:nvPr>
+            <p:ph type="body" idx="1"/>
+          </p:nvPr>
+        </p:nvSpPr>
+        <p:spPr/>
+        <p:txBody>
+          <a:bodyPr/>
+          <a:lstStyle/>
+          <a:p>
+            <a:r>
+              <a:rPr lang="en-AU" dirty="0"/>
+              <a:t>I have work remaining on the UI, the 3D environment, and the prototype build.</a:t>
+            </a:r>
+          </a:p>
+        </p:txBody>
+      </p:sp>
+      <p:sp>
+        <p:nvSpPr>
+          <p:cNvPr id="4" name="Slide Number Placeholder 3"/>
+          <p:cNvSpPr>
+            <a:spLocks noGrp="1"/>
+          </p:cNvSpPr>
+          <p:nvPr>
+            <p:ph type="sldNum" sz="quarter" idx="5"/>
+          </p:nvPr>
+        </p:nvSpPr>
+        <p:spPr/>
+        <p:txBody>
+          <a:bodyPr/>
+          <a:lstStyle/>
+          <a:p>
+            <a:fld id="{911C98AF-D9B9-4B33-B84C-C6E4D3A427EA}" type="slidenum">
+              <a:rPr lang="en-AU" smtClean="0"/>
+              <a:t>9</a:t>
+            </a:fld>
+            <a:endParaRPr lang="en-AU"/>
+          </a:p>
+        </p:txBody>
+      </p:sp>
+    </p:spTree>
+    <p:extLst>
+      <p:ext uri="{BB962C8B-B14F-4D97-AF65-F5344CB8AC3E}">
+        <p14:creationId xmlns:p14="http://schemas.microsoft.com/office/powerpoint/2010/main" val="4167989607"/>
+      </p:ext>
+    </p:extLst>
+  </p:cSld>
+  <p:clrMapOvr>
+    <a:masterClrMapping/>
+  </p:clrMapOvr>
+</p:notes>
+</file>
+
+<file path=ppt/notesSlides/notesSlide8.xml><?xml version="1.0" encoding="utf-8"?>
+<p:notes xmlns:a="http://schemas.openxmlformats.org/drawingml/2006/main" xmlns:r="http://schemas.openxmlformats.org/officeDocument/2006/relationships" xmlns:p="http://schemas.openxmlformats.org/presentationml/2006/main">
+  <p:cSld>
+    <p:spTree>
+      <p:nvGrpSpPr>
+        <p:cNvPr id="1" name=""/>
+        <p:cNvGrpSpPr/>
+        <p:nvPr/>
+      </p:nvGrpSpPr>
+      <p:grpSpPr>
+        <a:xfrm>
+          <a:off x="0" y="0"/>
+          <a:ext cx="0" cy="0"/>
+          <a:chOff x="0" y="0"/>
+          <a:chExt cx="0" cy="0"/>
+        </a:xfrm>
+      </p:grpSpPr>
+      <p:sp>
+        <p:nvSpPr>
+          <p:cNvPr id="2" name="Slide Image Placeholder 1"/>
+          <p:cNvSpPr>
+            <a:spLocks noGrp="1" noRot="1" noChangeAspect="1"/>
+          </p:cNvSpPr>
+          <p:nvPr>
+            <p:ph type="sldImg"/>
+          </p:nvPr>
+        </p:nvSpPr>
+        <p:spPr/>
+      </p:sp>
+      <p:sp>
+        <p:nvSpPr>
+          <p:cNvPr id="3" name="Notes Placeholder 2"/>
+          <p:cNvSpPr>
+            <a:spLocks noGrp="1"/>
+          </p:cNvSpPr>
+          <p:nvPr>
+            <p:ph type="body" idx="1"/>
+          </p:nvPr>
+        </p:nvSpPr>
+        <p:spPr/>
+        <p:txBody>
+          <a:bodyPr/>
+          <a:lstStyle/>
+          <a:p>
+            <a:r>
+              <a:rPr lang="en-AU" dirty="0"/>
+              <a:t>Going back to my WBS, keeping track of where I’m up to on the project as a whole is easy, because I can track each of the deliverables and its progress.</a:t>
+            </a:r>
+          </a:p>
+        </p:txBody>
+      </p:sp>
+      <p:sp>
+        <p:nvSpPr>
+          <p:cNvPr id="4" name="Slide Number Placeholder 3"/>
+          <p:cNvSpPr>
+            <a:spLocks noGrp="1"/>
+          </p:cNvSpPr>
+          <p:nvPr>
+            <p:ph type="sldNum" sz="quarter" idx="5"/>
+          </p:nvPr>
+        </p:nvSpPr>
+        <p:spPr/>
+        <p:txBody>
+          <a:bodyPr/>
+          <a:lstStyle/>
+          <a:p>
+            <a:fld id="{911C98AF-D9B9-4B33-B84C-C6E4D3A427EA}" type="slidenum">
+              <a:rPr lang="en-AU" smtClean="0"/>
+              <a:t>10</a:t>
+            </a:fld>
+            <a:endParaRPr lang="en-AU"/>
+          </a:p>
+        </p:txBody>
+      </p:sp>
+    </p:spTree>
+    <p:extLst>
+      <p:ext uri="{BB962C8B-B14F-4D97-AF65-F5344CB8AC3E}">
+        <p14:creationId xmlns:p14="http://schemas.microsoft.com/office/powerpoint/2010/main" val="1467114675"/>
+      </p:ext>
+    </p:extLst>
+  </p:cSld>
+  <p:clrMapOvr>
+    <a:masterClrMapping/>
+  </p:clrMapOvr>
+</p:notes>
+</file>
+
+<file path=ppt/notesSlides/notesSlide9.xml><?xml version="1.0" encoding="utf-8"?>
+<p:notes xmlns:a="http://schemas.openxmlformats.org/drawingml/2006/main" xmlns:r="http://schemas.openxmlformats.org/officeDocument/2006/relationships" xmlns:p="http://schemas.openxmlformats.org/presentationml/2006/main">
+  <p:cSld>
+    <p:spTree>
+      <p:nvGrpSpPr>
+        <p:cNvPr id="1" name=""/>
+        <p:cNvGrpSpPr/>
+        <p:nvPr/>
+      </p:nvGrpSpPr>
+      <p:grpSpPr>
+        <a:xfrm>
+          <a:off x="0" y="0"/>
+          <a:ext cx="0" cy="0"/>
+          <a:chOff x="0" y="0"/>
+          <a:chExt cx="0" cy="0"/>
+        </a:xfrm>
+      </p:grpSpPr>
+      <p:sp>
+        <p:nvSpPr>
+          <p:cNvPr id="2" name="Slide Image Placeholder 1"/>
+          <p:cNvSpPr>
+            <a:spLocks noGrp="1" noRot="1" noChangeAspect="1"/>
+          </p:cNvSpPr>
+          <p:nvPr>
+            <p:ph type="sldImg"/>
+          </p:nvPr>
+        </p:nvSpPr>
+        <p:spPr/>
+      </p:sp>
+      <p:sp>
+        <p:nvSpPr>
+          <p:cNvPr id="3" name="Notes Placeholder 2"/>
+          <p:cNvSpPr>
+            <a:spLocks noGrp="1"/>
+          </p:cNvSpPr>
+          <p:nvPr>
+            <p:ph type="body" idx="1"/>
+          </p:nvPr>
+        </p:nvSpPr>
+        <p:spPr/>
+        <p:txBody>
+          <a:bodyPr/>
+          <a:lstStyle/>
+          <a:p>
+            <a:r>
+              <a:rPr lang="en-AU" dirty="0"/>
+              <a:t>In green we have activities which are complete, and in yellow, activities which aren’t. For example I can see that for the visual effects tutorial, the tutorial is complete, but I haven’t built and tested it on mobile yet, so I can’t submit it.</a:t>
+            </a:r>
+          </a:p>
+          <a:p>
+            <a:endParaRPr lang="en-AU" dirty="0"/>
+          </a:p>
+          <a:p>
+            <a:r>
+              <a:rPr lang="en-AU" dirty="0"/>
+              <a:t>By contrast, assessment 3 has all of its minimum content requirements in place, but you can see that I haven’t submitted the assessment on Canvas. This is because the content is currently disaggregated over a couple of different documents which I need to merge together, and the TDD will continue to evolve and change right up until the prototype is complete and built.</a:t>
+            </a:r>
+          </a:p>
+        </p:txBody>
+      </p:sp>
+      <p:sp>
+        <p:nvSpPr>
+          <p:cNvPr id="4" name="Slide Number Placeholder 3"/>
+          <p:cNvSpPr>
+            <a:spLocks noGrp="1"/>
+          </p:cNvSpPr>
+          <p:nvPr>
+            <p:ph type="sldNum" sz="quarter" idx="5"/>
+          </p:nvPr>
+        </p:nvSpPr>
+        <p:spPr/>
+        <p:txBody>
+          <a:bodyPr/>
+          <a:lstStyle/>
+          <a:p>
+            <a:fld id="{911C98AF-D9B9-4B33-B84C-C6E4D3A427EA}" type="slidenum">
+              <a:rPr lang="en-AU" smtClean="0"/>
+              <a:t>11</a:t>
+            </a:fld>
+            <a:endParaRPr lang="en-AU"/>
+          </a:p>
+        </p:txBody>
+      </p:sp>
+    </p:spTree>
+    <p:extLst>
+      <p:ext uri="{BB962C8B-B14F-4D97-AF65-F5344CB8AC3E}">
+        <p14:creationId xmlns:p14="http://schemas.microsoft.com/office/powerpoint/2010/main" val="2670447318"/>
       </p:ext>
     </p:extLst>
   </p:cSld>
@@ -17918,7 +24478,7 @@
             <a:fld id="{5586B75A-687E-405C-8A0B-8D00578BA2C3}" type="datetimeFigureOut">
               <a:rPr lang="en-US" dirty="0"/>
               <a:pPr/>
-              <a:t>9/20/2023</a:t>
+              <a:t>9/21/2023</a:t>
             </a:fld>
             <a:endParaRPr lang="en-US" dirty="0"/>
           </a:p>
@@ -18085,7 +24645,7 @@
             <a:fld id="{5586B75A-687E-405C-8A0B-8D00578BA2C3}" type="datetimeFigureOut">
               <a:rPr lang="en-US" dirty="0"/>
               <a:pPr/>
-              <a:t>9/20/2023</a:t>
+              <a:t>9/21/2023</a:t>
             </a:fld>
             <a:endParaRPr lang="en-US" dirty="0"/>
           </a:p>
@@ -18262,7 +24822,7 @@
             <a:fld id="{5586B75A-687E-405C-8A0B-8D00578BA2C3}" type="datetimeFigureOut">
               <a:rPr lang="en-US" dirty="0"/>
               <a:pPr/>
-              <a:t>9/20/2023</a:t>
+              <a:t>9/21/2023</a:t>
             </a:fld>
             <a:endParaRPr lang="en-US" dirty="0"/>
           </a:p>
@@ -18429,7 +24989,7 @@
             <a:fld id="{5586B75A-687E-405C-8A0B-8D00578BA2C3}" type="datetimeFigureOut">
               <a:rPr lang="en-US" dirty="0"/>
               <a:pPr/>
-              <a:t>9/20/2023</a:t>
+              <a:t>9/21/2023</a:t>
             </a:fld>
             <a:endParaRPr lang="en-US" dirty="0"/>
           </a:p>
@@ -18684,7 +25244,7 @@
             <a:fld id="{5586B75A-687E-405C-8A0B-8D00578BA2C3}" type="datetimeFigureOut">
               <a:rPr lang="en-US" dirty="0"/>
               <a:pPr/>
-              <a:t>9/20/2023</a:t>
+              <a:t>9/21/2023</a:t>
             </a:fld>
             <a:endParaRPr lang="en-US" dirty="0"/>
           </a:p>
@@ -18969,7 +25529,7 @@
             <a:fld id="{5586B75A-687E-405C-8A0B-8D00578BA2C3}" type="datetimeFigureOut">
               <a:rPr lang="en-US" dirty="0"/>
               <a:pPr/>
-              <a:t>9/20/2023</a:t>
+              <a:t>9/21/2023</a:t>
             </a:fld>
             <a:endParaRPr lang="en-US" dirty="0"/>
           </a:p>
@@ -19408,7 +25968,7 @@
             <a:fld id="{5586B75A-687E-405C-8A0B-8D00578BA2C3}" type="datetimeFigureOut">
               <a:rPr lang="en-US" dirty="0"/>
               <a:pPr/>
-              <a:t>9/20/2023</a:t>
+              <a:t>9/21/2023</a:t>
             </a:fld>
             <a:endParaRPr lang="en-US" dirty="0"/>
           </a:p>
@@ -19523,7 +26083,7 @@
             <a:fld id="{5586B75A-687E-405C-8A0B-8D00578BA2C3}" type="datetimeFigureOut">
               <a:rPr lang="en-US" dirty="0"/>
               <a:pPr/>
-              <a:t>9/20/2023</a:t>
+              <a:t>9/21/2023</a:t>
             </a:fld>
             <a:endParaRPr lang="en-US" dirty="0"/>
           </a:p>
@@ -19615,7 +26175,7 @@
             <a:fld id="{5586B75A-687E-405C-8A0B-8D00578BA2C3}" type="datetimeFigureOut">
               <a:rPr lang="en-US" dirty="0"/>
               <a:pPr/>
-              <a:t>9/20/2023</a:t>
+              <a:t>9/21/2023</a:t>
             </a:fld>
             <a:endParaRPr lang="en-US" dirty="0"/>
           </a:p>
@@ -19900,7 +26460,7 @@
             <a:fld id="{5586B75A-687E-405C-8A0B-8D00578BA2C3}" type="datetimeFigureOut">
               <a:rPr lang="en-US" dirty="0"/>
               <a:pPr/>
-              <a:t>9/20/2023</a:t>
+              <a:t>9/21/2023</a:t>
             </a:fld>
             <a:endParaRPr lang="en-US" dirty="0"/>
           </a:p>
@@ -20170,7 +26730,7 @@
             <a:fld id="{5586B75A-687E-405C-8A0B-8D00578BA2C3}" type="datetimeFigureOut">
               <a:rPr lang="en-US" dirty="0"/>
               <a:pPr/>
-              <a:t>9/20/2023</a:t>
+              <a:t>9/21/2023</a:t>
             </a:fld>
             <a:endParaRPr lang="en-US" dirty="0"/>
           </a:p>
@@ -20464,7 +27024,7 @@
             <a:fld id="{5586B75A-687E-405C-8A0B-8D00578BA2C3}" type="datetimeFigureOut">
               <a:rPr lang="en-US" dirty="0"/>
               <a:pPr/>
-              <a:t>9/20/2023</a:t>
+              <a:t>9/21/2023</a:t>
             </a:fld>
             <a:endParaRPr lang="en-US" dirty="0"/>
           </a:p>
@@ -21021,6 +27581,260 @@
 </p:sld>
 </file>
 
+<file path=ppt/slides/slide10.xml><?xml version="1.0" encoding="utf-8"?>
+<p:sld xmlns:a="http://schemas.openxmlformats.org/drawingml/2006/main" xmlns:r="http://schemas.openxmlformats.org/officeDocument/2006/relationships" xmlns:p="http://schemas.openxmlformats.org/presentationml/2006/main">
+  <p:cSld>
+    <p:spTree>
+      <p:nvGrpSpPr>
+        <p:cNvPr id="1" name=""/>
+        <p:cNvGrpSpPr/>
+        <p:nvPr/>
+      </p:nvGrpSpPr>
+      <p:grpSpPr>
+        <a:xfrm>
+          <a:off x="0" y="0"/>
+          <a:ext cx="0" cy="0"/>
+          <a:chOff x="0" y="0"/>
+          <a:chExt cx="0" cy="0"/>
+        </a:xfrm>
+      </p:grpSpPr>
+      <p:sp>
+        <p:nvSpPr>
+          <p:cNvPr id="2" name="Title 1">
+            <a:extLst>
+              <a:ext uri="{FF2B5EF4-FFF2-40B4-BE49-F238E27FC236}">
+                <a16:creationId xmlns:a16="http://schemas.microsoft.com/office/drawing/2014/main" id="{E30F5643-4787-B9CA-668D-0228DE883701}"/>
+              </a:ext>
+            </a:extLst>
+          </p:cNvPr>
+          <p:cNvSpPr>
+            <a:spLocks noGrp="1"/>
+          </p:cNvSpPr>
+          <p:nvPr>
+            <p:ph type="title"/>
+          </p:nvPr>
+        </p:nvSpPr>
+        <p:spPr/>
+        <p:txBody>
+          <a:bodyPr/>
+          <a:lstStyle/>
+          <a:p>
+            <a:pPr algn="ctr"/>
+            <a:br>
+              <a:rPr lang="en-AU" dirty="0"/>
+            </a:br>
+            <a:r>
+              <a:rPr lang="en-AU" dirty="0"/>
+              <a:t>Remaining work</a:t>
+            </a:r>
+          </a:p>
+        </p:txBody>
+      </p:sp>
+      <p:pic>
+        <p:nvPicPr>
+          <p:cNvPr id="6" name="Content Placeholder 5" descr="Labor with solid fill">
+            <a:extLst>
+              <a:ext uri="{FF2B5EF4-FFF2-40B4-BE49-F238E27FC236}">
+                <a16:creationId xmlns:a16="http://schemas.microsoft.com/office/drawing/2014/main" id="{5E0B2CF1-4CEB-BC3D-75C4-E2D85C9EC424}"/>
+              </a:ext>
+            </a:extLst>
+          </p:cNvPr>
+          <p:cNvPicPr>
+            <a:picLocks noGrp="1" noChangeAspect="1"/>
+          </p:cNvPicPr>
+          <p:nvPr>
+            <p:ph idx="1"/>
+          </p:nvPr>
+        </p:nvPicPr>
+        <p:blipFill>
+          <a:blip r:embed="rId3">
+            <a:extLst>
+              <a:ext uri="{96DAC541-7B7A-43D3-8B79-37D633B846F1}">
+                <asvg:svgBlip xmlns:asvg="http://schemas.microsoft.com/office/drawing/2016/SVG/main" r:embed="rId4"/>
+              </a:ext>
+            </a:extLst>
+          </a:blip>
+          <a:srcRect/>
+          <a:stretch/>
+        </p:blipFill>
+        <p:spPr>
+          <a:xfrm>
+            <a:off x="633920" y="1123837"/>
+            <a:ext cx="2185480" cy="2185480"/>
+          </a:xfrm>
+        </p:spPr>
+      </p:pic>
+      <p:graphicFrame>
+        <p:nvGraphicFramePr>
+          <p:cNvPr id="4" name="Diagram 3">
+            <a:extLst>
+              <a:ext uri="{FF2B5EF4-FFF2-40B4-BE49-F238E27FC236}">
+                <a16:creationId xmlns:a16="http://schemas.microsoft.com/office/drawing/2014/main" id="{14AE9C90-D4DD-012A-F324-60196ECF1FFD}"/>
+              </a:ext>
+            </a:extLst>
+          </p:cNvPr>
+          <p:cNvGraphicFramePr/>
+          <p:nvPr>
+            <p:extLst>
+              <p:ext uri="{D42A27DB-BD31-4B8C-83A1-F6EECF244321}">
+                <p14:modId xmlns:p14="http://schemas.microsoft.com/office/powerpoint/2010/main" val="4088735847"/>
+              </p:ext>
+            </p:extLst>
+          </p:nvPr>
+        </p:nvGraphicFramePr>
+        <p:xfrm>
+          <a:off x="3732724" y="834917"/>
+          <a:ext cx="7825356" cy="5179022"/>
+        </p:xfrm>
+        <a:graphic>
+          <a:graphicData uri="http://schemas.openxmlformats.org/drawingml/2006/diagram">
+            <dgm:relIds xmlns:dgm="http://schemas.openxmlformats.org/drawingml/2006/diagram" xmlns:r="http://schemas.openxmlformats.org/officeDocument/2006/relationships" r:dm="rId5" r:lo="rId6" r:qs="rId7" r:cs="rId8"/>
+          </a:graphicData>
+        </a:graphic>
+      </p:graphicFrame>
+    </p:spTree>
+    <p:extLst>
+      <p:ext uri="{BB962C8B-B14F-4D97-AF65-F5344CB8AC3E}">
+        <p14:creationId xmlns:p14="http://schemas.microsoft.com/office/powerpoint/2010/main" val="1894122228"/>
+      </p:ext>
+    </p:extLst>
+  </p:cSld>
+  <p:clrMapOvr>
+    <a:masterClrMapping/>
+  </p:clrMapOvr>
+  <p:transition spd="slow">
+    <p:wipe/>
+  </p:transition>
+</p:sld>
+</file>
+
+<file path=ppt/slides/slide11.xml><?xml version="1.0" encoding="utf-8"?>
+<p:sld xmlns:a="http://schemas.openxmlformats.org/drawingml/2006/main" xmlns:r="http://schemas.openxmlformats.org/officeDocument/2006/relationships" xmlns:p="http://schemas.openxmlformats.org/presentationml/2006/main">
+  <p:cSld>
+    <p:spTree>
+      <p:nvGrpSpPr>
+        <p:cNvPr id="1" name=""/>
+        <p:cNvGrpSpPr/>
+        <p:nvPr/>
+      </p:nvGrpSpPr>
+      <p:grpSpPr>
+        <a:xfrm>
+          <a:off x="0" y="0"/>
+          <a:ext cx="0" cy="0"/>
+          <a:chOff x="0" y="0"/>
+          <a:chExt cx="0" cy="0"/>
+        </a:xfrm>
+      </p:grpSpPr>
+      <p:sp>
+        <p:nvSpPr>
+          <p:cNvPr id="2" name="Title 1">
+            <a:extLst>
+              <a:ext uri="{FF2B5EF4-FFF2-40B4-BE49-F238E27FC236}">
+                <a16:creationId xmlns:a16="http://schemas.microsoft.com/office/drawing/2014/main" id="{E30F5643-4787-B9CA-668D-0228DE883701}"/>
+              </a:ext>
+            </a:extLst>
+          </p:cNvPr>
+          <p:cNvSpPr>
+            <a:spLocks noGrp="1"/>
+          </p:cNvSpPr>
+          <p:nvPr>
+            <p:ph type="title"/>
+          </p:nvPr>
+        </p:nvSpPr>
+        <p:spPr/>
+        <p:txBody>
+          <a:bodyPr/>
+          <a:lstStyle/>
+          <a:p>
+            <a:pPr algn="ctr"/>
+            <a:br>
+              <a:rPr lang="en-AU" dirty="0"/>
+            </a:br>
+            <a:r>
+              <a:rPr lang="en-AU" dirty="0"/>
+              <a:t>Remaining work</a:t>
+            </a:r>
+          </a:p>
+        </p:txBody>
+      </p:sp>
+      <p:pic>
+        <p:nvPicPr>
+          <p:cNvPr id="6" name="Content Placeholder 5" descr="Labor with solid fill">
+            <a:extLst>
+              <a:ext uri="{FF2B5EF4-FFF2-40B4-BE49-F238E27FC236}">
+                <a16:creationId xmlns:a16="http://schemas.microsoft.com/office/drawing/2014/main" id="{5E0B2CF1-4CEB-BC3D-75C4-E2D85C9EC424}"/>
+              </a:ext>
+            </a:extLst>
+          </p:cNvPr>
+          <p:cNvPicPr>
+            <a:picLocks noGrp="1" noChangeAspect="1"/>
+          </p:cNvPicPr>
+          <p:nvPr>
+            <p:ph idx="1"/>
+          </p:nvPr>
+        </p:nvPicPr>
+        <p:blipFill>
+          <a:blip r:embed="rId3">
+            <a:extLst>
+              <a:ext uri="{96DAC541-7B7A-43D3-8B79-37D633B846F1}">
+                <asvg:svgBlip xmlns:asvg="http://schemas.microsoft.com/office/drawing/2016/SVG/main" r:embed="rId4"/>
+              </a:ext>
+            </a:extLst>
+          </a:blip>
+          <a:srcRect/>
+          <a:stretch/>
+        </p:blipFill>
+        <p:spPr>
+          <a:xfrm>
+            <a:off x="633920" y="1123837"/>
+            <a:ext cx="2185480" cy="2185480"/>
+          </a:xfrm>
+        </p:spPr>
+      </p:pic>
+      <p:graphicFrame>
+        <p:nvGraphicFramePr>
+          <p:cNvPr id="4" name="Diagram 3">
+            <a:extLst>
+              <a:ext uri="{FF2B5EF4-FFF2-40B4-BE49-F238E27FC236}">
+                <a16:creationId xmlns:a16="http://schemas.microsoft.com/office/drawing/2014/main" id="{14AE9C90-D4DD-012A-F324-60196ECF1FFD}"/>
+              </a:ext>
+            </a:extLst>
+          </p:cNvPr>
+          <p:cNvGraphicFramePr/>
+          <p:nvPr>
+            <p:extLst>
+              <p:ext uri="{D42A27DB-BD31-4B8C-83A1-F6EECF244321}">
+                <p14:modId xmlns:p14="http://schemas.microsoft.com/office/powerpoint/2010/main" val="418988322"/>
+              </p:ext>
+            </p:extLst>
+          </p:nvPr>
+        </p:nvGraphicFramePr>
+        <p:xfrm>
+          <a:off x="3732724" y="858363"/>
+          <a:ext cx="7825356" cy="5132130"/>
+        </p:xfrm>
+        <a:graphic>
+          <a:graphicData uri="http://schemas.openxmlformats.org/drawingml/2006/diagram">
+            <dgm:relIds xmlns:dgm="http://schemas.openxmlformats.org/drawingml/2006/diagram" xmlns:r="http://schemas.openxmlformats.org/officeDocument/2006/relationships" r:dm="rId5" r:lo="rId6" r:qs="rId7" r:cs="rId8"/>
+          </a:graphicData>
+        </a:graphic>
+      </p:graphicFrame>
+    </p:spTree>
+    <p:extLst>
+      <p:ext uri="{BB962C8B-B14F-4D97-AF65-F5344CB8AC3E}">
+        <p14:creationId xmlns:p14="http://schemas.microsoft.com/office/powerpoint/2010/main" val="3187132664"/>
+      </p:ext>
+    </p:extLst>
+  </p:cSld>
+  <p:clrMapOvr>
+    <a:masterClrMapping/>
+  </p:clrMapOvr>
+  <p:transition spd="slow">
+    <p:wipe/>
+  </p:transition>
+</p:sld>
+</file>
+
 <file path=ppt/slides/slide2.xml><?xml version="1.0" encoding="utf-8"?>
 <p:sld xmlns:a="http://schemas.openxmlformats.org/drawingml/2006/main" xmlns:r="http://schemas.openxmlformats.org/officeDocument/2006/relationships" xmlns:p="http://schemas.openxmlformats.org/presentationml/2006/main">
   <p:cSld>
@@ -21210,7 +28024,7 @@
           <p:nvPr>
             <p:extLst>
               <p:ext uri="{D42A27DB-BD31-4B8C-83A1-F6EECF244321}">
-                <p14:modId xmlns:p14="http://schemas.microsoft.com/office/powerpoint/2010/main" val="1571166826"/>
+                <p14:modId xmlns:p14="http://schemas.microsoft.com/office/powerpoint/2010/main" val="1858238979"/>
               </p:ext>
             </p:extLst>
           </p:nvPr>
@@ -21338,7 +28152,7 @@
           <p:nvPr>
             <p:extLst>
               <p:ext uri="{D42A27DB-BD31-4B8C-83A1-F6EECF244321}">
-                <p14:modId xmlns:p14="http://schemas.microsoft.com/office/powerpoint/2010/main" val="2673068839"/>
+                <p14:modId xmlns:p14="http://schemas.microsoft.com/office/powerpoint/2010/main" val="3287319158"/>
               </p:ext>
             </p:extLst>
           </p:nvPr>
@@ -21435,10 +28249,10 @@
           </p:nvPr>
         </p:nvPicPr>
         <p:blipFill>
-          <a:blip r:embed="rId2">
+          <a:blip r:embed="rId3">
             <a:extLst>
               <a:ext uri="{96DAC541-7B7A-43D3-8B79-37D633B846F1}">
-                <asvg:svgBlip xmlns:asvg="http://schemas.microsoft.com/office/drawing/2016/SVG/main" r:embed="rId3"/>
+                <asvg:svgBlip xmlns:asvg="http://schemas.microsoft.com/office/drawing/2016/SVG/main" r:embed="rId4"/>
               </a:ext>
             </a:extLst>
           </a:blip>
@@ -21465,7 +28279,7 @@
           <p:nvPr>
             <p:extLst>
               <p:ext uri="{D42A27DB-BD31-4B8C-83A1-F6EECF244321}">
-                <p14:modId xmlns:p14="http://schemas.microsoft.com/office/powerpoint/2010/main" val="2136508901"/>
+                <p14:modId xmlns:p14="http://schemas.microsoft.com/office/powerpoint/2010/main" val="1402769059"/>
               </p:ext>
             </p:extLst>
           </p:nvPr>
@@ -21476,7 +28290,7 @@
         </p:xfrm>
         <a:graphic>
           <a:graphicData uri="http://schemas.openxmlformats.org/drawingml/2006/diagram">
-            <dgm:relIds xmlns:dgm="http://schemas.openxmlformats.org/drawingml/2006/diagram" xmlns:r="http://schemas.openxmlformats.org/officeDocument/2006/relationships" r:dm="rId4" r:lo="rId5" r:qs="rId6" r:cs="rId7"/>
+            <dgm:relIds xmlns:dgm="http://schemas.openxmlformats.org/drawingml/2006/diagram" xmlns:r="http://schemas.openxmlformats.org/officeDocument/2006/relationships" r:dm="rId5" r:lo="rId6" r:qs="rId7" r:cs="rId8"/>
           </a:graphicData>
         </a:graphic>
       </p:graphicFrame>
@@ -21497,7 +28311,7 @@
 </file>
 
 <file path=ppt/slides/slide6.xml><?xml version="1.0" encoding="utf-8"?>
-<p:sld xmlns:a="http://schemas.openxmlformats.org/drawingml/2006/main" xmlns:r="http://schemas.openxmlformats.org/officeDocument/2006/relationships" xmlns:p="http://schemas.openxmlformats.org/presentationml/2006/main" show="0">
+<p:sld xmlns:a="http://schemas.openxmlformats.org/drawingml/2006/main" xmlns:r="http://schemas.openxmlformats.org/officeDocument/2006/relationships" xmlns:p="http://schemas.openxmlformats.org/presentationml/2006/main">
   <p:cSld>
     <p:spTree>
       <p:nvGrpSpPr>
@@ -21592,7 +28406,7 @@
           <p:nvPr>
             <p:extLst>
               <p:ext uri="{D42A27DB-BD31-4B8C-83A1-F6EECF244321}">
-                <p14:modId xmlns:p14="http://schemas.microsoft.com/office/powerpoint/2010/main" val="4081345660"/>
+                <p14:modId xmlns:p14="http://schemas.microsoft.com/office/powerpoint/2010/main" val="462070388"/>
               </p:ext>
             </p:extLst>
           </p:nvPr>
@@ -21667,6 +28481,275 @@
             </a:br>
             <a:r>
               <a:rPr lang="en-AU" dirty="0"/>
+              <a:t>Development process</a:t>
+            </a:r>
+          </a:p>
+        </p:txBody>
+      </p:sp>
+      <p:pic>
+        <p:nvPicPr>
+          <p:cNvPr id="6" name="Content Placeholder 5" descr="Wrench with solid fill">
+            <a:extLst>
+              <a:ext uri="{FF2B5EF4-FFF2-40B4-BE49-F238E27FC236}">
+                <a16:creationId xmlns:a16="http://schemas.microsoft.com/office/drawing/2014/main" id="{5E0B2CF1-4CEB-BC3D-75C4-E2D85C9EC424}"/>
+              </a:ext>
+            </a:extLst>
+          </p:cNvPr>
+          <p:cNvPicPr>
+            <a:picLocks noGrp="1" noChangeAspect="1"/>
+          </p:cNvPicPr>
+          <p:nvPr>
+            <p:ph idx="1"/>
+          </p:nvPr>
+        </p:nvPicPr>
+        <p:blipFill>
+          <a:blip r:embed="rId3">
+            <a:extLst>
+              <a:ext uri="{96DAC541-7B7A-43D3-8B79-37D633B846F1}">
+                <asvg:svgBlip xmlns:asvg="http://schemas.microsoft.com/office/drawing/2016/SVG/main" r:embed="rId4"/>
+              </a:ext>
+            </a:extLst>
+          </a:blip>
+          <a:srcRect/>
+          <a:stretch/>
+        </p:blipFill>
+        <p:spPr>
+          <a:xfrm>
+            <a:off x="633920" y="1123837"/>
+            <a:ext cx="2185480" cy="2185480"/>
+          </a:xfrm>
+        </p:spPr>
+      </p:pic>
+      <p:pic>
+        <p:nvPicPr>
+          <p:cNvPr id="9" name="Picture 8" descr="A screenshot of a diagram&#10;&#10;Description automatically generated">
+            <a:extLst>
+              <a:ext uri="{FF2B5EF4-FFF2-40B4-BE49-F238E27FC236}">
+                <a16:creationId xmlns:a16="http://schemas.microsoft.com/office/drawing/2014/main" id="{E4FE3A8C-A5FC-82EC-0CCE-F5D508E7487B}"/>
+              </a:ext>
+            </a:extLst>
+          </p:cNvPr>
+          <p:cNvPicPr>
+            <a:picLocks noChangeAspect="1"/>
+          </p:cNvPicPr>
+          <p:nvPr/>
+        </p:nvPicPr>
+        <p:blipFill rotWithShape="1">
+          <a:blip r:embed="rId5"/>
+          <a:srcRect b="43932"/>
+          <a:stretch/>
+        </p:blipFill>
+        <p:spPr>
+          <a:xfrm>
+            <a:off x="5280597" y="785446"/>
+            <a:ext cx="4777802" cy="5274528"/>
+          </a:xfrm>
+          <a:prstGeom prst="rect">
+            <a:avLst/>
+          </a:prstGeom>
+          <a:ln w="76200" cap="sq">
+            <a:solidFill>
+              <a:schemeClr val="accent1"/>
+            </a:solidFill>
+            <a:prstDash val="solid"/>
+            <a:miter lim="800000"/>
+          </a:ln>
+          <a:effectLst>
+            <a:outerShdw blurRad="50800" dist="38100" dir="2700000" algn="tl" rotWithShape="0">
+              <a:srgbClr val="000000">
+                <a:alpha val="43000"/>
+              </a:srgbClr>
+            </a:outerShdw>
+          </a:effectLst>
+        </p:spPr>
+      </p:pic>
+    </p:spTree>
+    <p:extLst>
+      <p:ext uri="{BB962C8B-B14F-4D97-AF65-F5344CB8AC3E}">
+        <p14:creationId xmlns:p14="http://schemas.microsoft.com/office/powerpoint/2010/main" val="3935105707"/>
+      </p:ext>
+    </p:extLst>
+  </p:cSld>
+  <p:clrMapOvr>
+    <a:masterClrMapping/>
+  </p:clrMapOvr>
+  <p:transition spd="slow">
+    <p:wipe/>
+  </p:transition>
+</p:sld>
+</file>
+
+<file path=ppt/slides/slide8.xml><?xml version="1.0" encoding="utf-8"?>
+<p:sld xmlns:a="http://schemas.openxmlformats.org/drawingml/2006/main" xmlns:r="http://schemas.openxmlformats.org/officeDocument/2006/relationships" xmlns:p="http://schemas.openxmlformats.org/presentationml/2006/main">
+  <p:cSld>
+    <p:spTree>
+      <p:nvGrpSpPr>
+        <p:cNvPr id="1" name=""/>
+        <p:cNvGrpSpPr/>
+        <p:nvPr/>
+      </p:nvGrpSpPr>
+      <p:grpSpPr>
+        <a:xfrm>
+          <a:off x="0" y="0"/>
+          <a:ext cx="0" cy="0"/>
+          <a:chOff x="0" y="0"/>
+          <a:chExt cx="0" cy="0"/>
+        </a:xfrm>
+      </p:grpSpPr>
+      <p:sp>
+        <p:nvSpPr>
+          <p:cNvPr id="2" name="Title 1">
+            <a:extLst>
+              <a:ext uri="{FF2B5EF4-FFF2-40B4-BE49-F238E27FC236}">
+                <a16:creationId xmlns:a16="http://schemas.microsoft.com/office/drawing/2014/main" id="{E30F5643-4787-B9CA-668D-0228DE883701}"/>
+              </a:ext>
+            </a:extLst>
+          </p:cNvPr>
+          <p:cNvSpPr>
+            <a:spLocks noGrp="1"/>
+          </p:cNvSpPr>
+          <p:nvPr>
+            <p:ph type="title"/>
+          </p:nvPr>
+        </p:nvSpPr>
+        <p:spPr/>
+        <p:txBody>
+          <a:bodyPr/>
+          <a:lstStyle/>
+          <a:p>
+            <a:pPr algn="ctr"/>
+            <a:br>
+              <a:rPr lang="en-AU" dirty="0"/>
+            </a:br>
+            <a:r>
+              <a:rPr lang="en-AU" dirty="0"/>
+              <a:t>Development process</a:t>
+            </a:r>
+          </a:p>
+        </p:txBody>
+      </p:sp>
+      <p:pic>
+        <p:nvPicPr>
+          <p:cNvPr id="6" name="Content Placeholder 5" descr="Wrench with solid fill">
+            <a:extLst>
+              <a:ext uri="{FF2B5EF4-FFF2-40B4-BE49-F238E27FC236}">
+                <a16:creationId xmlns:a16="http://schemas.microsoft.com/office/drawing/2014/main" id="{5E0B2CF1-4CEB-BC3D-75C4-E2D85C9EC424}"/>
+              </a:ext>
+            </a:extLst>
+          </p:cNvPr>
+          <p:cNvPicPr>
+            <a:picLocks noGrp="1" noChangeAspect="1"/>
+          </p:cNvPicPr>
+          <p:nvPr>
+            <p:ph idx="1"/>
+          </p:nvPr>
+        </p:nvPicPr>
+        <p:blipFill>
+          <a:blip r:embed="rId3">
+            <a:extLst>
+              <a:ext uri="{96DAC541-7B7A-43D3-8B79-37D633B846F1}">
+                <asvg:svgBlip xmlns:asvg="http://schemas.microsoft.com/office/drawing/2016/SVG/main" r:embed="rId4"/>
+              </a:ext>
+            </a:extLst>
+          </a:blip>
+          <a:srcRect/>
+          <a:stretch/>
+        </p:blipFill>
+        <p:spPr>
+          <a:xfrm>
+            <a:off x="633920" y="1123837"/>
+            <a:ext cx="2185480" cy="2185480"/>
+          </a:xfrm>
+        </p:spPr>
+      </p:pic>
+      <p:graphicFrame>
+        <p:nvGraphicFramePr>
+          <p:cNvPr id="8" name="Diagram 7">
+            <a:extLst>
+              <a:ext uri="{FF2B5EF4-FFF2-40B4-BE49-F238E27FC236}">
+                <a16:creationId xmlns:a16="http://schemas.microsoft.com/office/drawing/2014/main" id="{B6B28F77-B6D3-5CEA-1689-437AF4AD1C06}"/>
+              </a:ext>
+            </a:extLst>
+          </p:cNvPr>
+          <p:cNvGraphicFramePr/>
+          <p:nvPr>
+            <p:extLst>
+              <p:ext uri="{D42A27DB-BD31-4B8C-83A1-F6EECF244321}">
+                <p14:modId xmlns:p14="http://schemas.microsoft.com/office/powerpoint/2010/main" val="1085230549"/>
+              </p:ext>
+            </p:extLst>
+          </p:nvPr>
+        </p:nvGraphicFramePr>
+        <p:xfrm>
+          <a:off x="3732724" y="834917"/>
+          <a:ext cx="7825356" cy="5179022"/>
+        </p:xfrm>
+        <a:graphic>
+          <a:graphicData uri="http://schemas.openxmlformats.org/drawingml/2006/diagram">
+            <dgm:relIds xmlns:dgm="http://schemas.openxmlformats.org/drawingml/2006/diagram" xmlns:r="http://schemas.openxmlformats.org/officeDocument/2006/relationships" r:dm="rId5" r:lo="rId6" r:qs="rId7" r:cs="rId8"/>
+          </a:graphicData>
+        </a:graphic>
+      </p:graphicFrame>
+    </p:spTree>
+    <p:extLst>
+      <p:ext uri="{BB962C8B-B14F-4D97-AF65-F5344CB8AC3E}">
+        <p14:creationId xmlns:p14="http://schemas.microsoft.com/office/powerpoint/2010/main" val="2617100310"/>
+      </p:ext>
+    </p:extLst>
+  </p:cSld>
+  <p:clrMapOvr>
+    <a:masterClrMapping/>
+  </p:clrMapOvr>
+  <p:transition spd="slow">
+    <p:wipe/>
+  </p:transition>
+</p:sld>
+</file>
+
+<file path=ppt/slides/slide9.xml><?xml version="1.0" encoding="utf-8"?>
+<p:sld xmlns:a="http://schemas.openxmlformats.org/drawingml/2006/main" xmlns:r="http://schemas.openxmlformats.org/officeDocument/2006/relationships" xmlns:p="http://schemas.openxmlformats.org/presentationml/2006/main">
+  <p:cSld>
+    <p:spTree>
+      <p:nvGrpSpPr>
+        <p:cNvPr id="1" name=""/>
+        <p:cNvGrpSpPr/>
+        <p:nvPr/>
+      </p:nvGrpSpPr>
+      <p:grpSpPr>
+        <a:xfrm>
+          <a:off x="0" y="0"/>
+          <a:ext cx="0" cy="0"/>
+          <a:chOff x="0" y="0"/>
+          <a:chExt cx="0" cy="0"/>
+        </a:xfrm>
+      </p:grpSpPr>
+      <p:sp>
+        <p:nvSpPr>
+          <p:cNvPr id="2" name="Title 1">
+            <a:extLst>
+              <a:ext uri="{FF2B5EF4-FFF2-40B4-BE49-F238E27FC236}">
+                <a16:creationId xmlns:a16="http://schemas.microsoft.com/office/drawing/2014/main" id="{E30F5643-4787-B9CA-668D-0228DE883701}"/>
+              </a:ext>
+            </a:extLst>
+          </p:cNvPr>
+          <p:cNvSpPr>
+            <a:spLocks noGrp="1"/>
+          </p:cNvSpPr>
+          <p:nvPr>
+            <p:ph type="title"/>
+          </p:nvPr>
+        </p:nvSpPr>
+        <p:spPr/>
+        <p:txBody>
+          <a:bodyPr/>
+          <a:lstStyle/>
+          <a:p>
+            <a:pPr algn="ctr"/>
+            <a:br>
+              <a:rPr lang="en-AU" dirty="0"/>
+            </a:br>
+            <a:r>
+              <a:rPr lang="en-AU" dirty="0"/>
               <a:t>Remaining work</a:t>
             </a:r>
           </a:p>
@@ -21689,10 +28772,10 @@
           </p:nvPr>
         </p:nvPicPr>
         <p:blipFill>
-          <a:blip r:embed="rId2">
+          <a:blip r:embed="rId3">
             <a:extLst>
               <a:ext uri="{96DAC541-7B7A-43D3-8B79-37D633B846F1}">
-                <asvg:svgBlip xmlns:asvg="http://schemas.microsoft.com/office/drawing/2016/SVG/main" r:embed="rId3"/>
+                <asvg:svgBlip xmlns:asvg="http://schemas.microsoft.com/office/drawing/2016/SVG/main" r:embed="rId4"/>
               </a:ext>
             </a:extLst>
           </a:blip>
@@ -21730,7 +28813,7 @@
         </p:xfrm>
         <a:graphic>
           <a:graphicData uri="http://schemas.openxmlformats.org/drawingml/2006/diagram">
-            <dgm:relIds xmlns:dgm="http://schemas.openxmlformats.org/drawingml/2006/diagram" xmlns:r="http://schemas.openxmlformats.org/officeDocument/2006/relationships" r:dm="rId4" r:lo="rId5" r:qs="rId6" r:cs="rId7"/>
+            <dgm:relIds xmlns:dgm="http://schemas.openxmlformats.org/drawingml/2006/diagram" xmlns:r="http://schemas.openxmlformats.org/officeDocument/2006/relationships" r:dm="rId5" r:lo="rId6" r:qs="rId7" r:cs="rId8"/>
           </a:graphicData>
         </a:graphic>
       </p:graphicFrame>
